--- a/Präsentation/Präsentation.pptx
+++ b/Präsentation/Präsentation.pptx
@@ -4,6 +4,9 @@
   <p:sldMasterIdLst>
     <p:sldMasterId id="2147483648" r:id="rId1"/>
   </p:sldMasterIdLst>
+  <p:notesMasterIdLst>
+    <p:notesMasterId r:id="rId14"/>
+  </p:notesMasterIdLst>
   <p:sldIdLst>
     <p:sldId id="256" r:id="rId2"/>
     <p:sldId id="257" r:id="rId3"/>
@@ -13,6 +16,10 @@
     <p:sldId id="260" r:id="rId7"/>
     <p:sldId id="263" r:id="rId8"/>
     <p:sldId id="261" r:id="rId9"/>
+    <p:sldId id="264" r:id="rId10"/>
+    <p:sldId id="265" r:id="rId11"/>
+    <p:sldId id="266" r:id="rId12"/>
+    <p:sldId id="267" r:id="rId13"/>
   </p:sldIdLst>
   <p:sldSz cx="12192000" cy="6858000"/>
   <p:notesSz cx="6858000" cy="9144000"/>
@@ -111,7 +118,445 @@
       </a:defRPr>
     </a:lvl9pPr>
   </p:defaultTextStyle>
+  <p:extLst>
+    <p:ext uri="{EFAFB233-063F-42B5-8137-9DF3F51BA10A}">
+      <p15:sldGuideLst xmlns:p15="http://schemas.microsoft.com/office/powerpoint/2012/main"/>
+    </p:ext>
+  </p:extLst>
 </p:presentation>
+</file>
+
+<file path=ppt/notesMasters/notesMaster1.xml><?xml version="1.0" encoding="utf-8"?>
+<p:notesMaster xmlns:a="http://schemas.openxmlformats.org/drawingml/2006/main" xmlns:r="http://schemas.openxmlformats.org/officeDocument/2006/relationships" xmlns:p="http://schemas.openxmlformats.org/presentationml/2006/main">
+  <p:cSld>
+    <p:bg>
+      <p:bgRef idx="1001">
+        <a:schemeClr val="bg1"/>
+      </p:bgRef>
+    </p:bg>
+    <p:spTree>
+      <p:nvGrpSpPr>
+        <p:cNvPr id="1" name=""/>
+        <p:cNvGrpSpPr/>
+        <p:nvPr/>
+      </p:nvGrpSpPr>
+      <p:grpSpPr>
+        <a:xfrm>
+          <a:off x="0" y="0"/>
+          <a:ext cx="0" cy="0"/>
+          <a:chOff x="0" y="0"/>
+          <a:chExt cx="0" cy="0"/>
+        </a:xfrm>
+      </p:grpSpPr>
+      <p:sp>
+        <p:nvSpPr>
+          <p:cNvPr id="2" name="Kopfzeilenplatzhalter 1"/>
+          <p:cNvSpPr>
+            <a:spLocks noGrp="1"/>
+          </p:cNvSpPr>
+          <p:nvPr>
+            <p:ph type="hdr" sz="quarter"/>
+          </p:nvPr>
+        </p:nvSpPr>
+        <p:spPr>
+          <a:xfrm>
+            <a:off x="0" y="0"/>
+            <a:ext cx="2971800" cy="458788"/>
+          </a:xfrm>
+          <a:prstGeom prst="rect">
+            <a:avLst/>
+          </a:prstGeom>
+        </p:spPr>
+        <p:txBody>
+          <a:bodyPr vert="horz" lIns="91440" tIns="45720" rIns="91440" bIns="45720" rtlCol="0"/>
+          <a:lstStyle>
+            <a:lvl1pPr algn="l">
+              <a:defRPr sz="1200"/>
+            </a:lvl1pPr>
+          </a:lstStyle>
+          <a:p>
+            <a:endParaRPr lang="de-DE"/>
+          </a:p>
+        </p:txBody>
+      </p:sp>
+      <p:sp>
+        <p:nvSpPr>
+          <p:cNvPr id="3" name="Datumsplatzhalter 2"/>
+          <p:cNvSpPr>
+            <a:spLocks noGrp="1"/>
+          </p:cNvSpPr>
+          <p:nvPr>
+            <p:ph type="dt" idx="1"/>
+          </p:nvPr>
+        </p:nvSpPr>
+        <p:spPr>
+          <a:xfrm>
+            <a:off x="3884613" y="0"/>
+            <a:ext cx="2971800" cy="458788"/>
+          </a:xfrm>
+          <a:prstGeom prst="rect">
+            <a:avLst/>
+          </a:prstGeom>
+        </p:spPr>
+        <p:txBody>
+          <a:bodyPr vert="horz" lIns="91440" tIns="45720" rIns="91440" bIns="45720" rtlCol="0"/>
+          <a:lstStyle>
+            <a:lvl1pPr algn="r">
+              <a:defRPr sz="1200"/>
+            </a:lvl1pPr>
+          </a:lstStyle>
+          <a:p>
+            <a:fld id="{79B24075-17DE-4732-A796-938482001E75}" type="datetimeFigureOut">
+              <a:rPr lang="de-DE" smtClean="0"/>
+              <a:t>08.05.2020</a:t>
+            </a:fld>
+            <a:endParaRPr lang="de-DE"/>
+          </a:p>
+        </p:txBody>
+      </p:sp>
+      <p:sp>
+        <p:nvSpPr>
+          <p:cNvPr id="4" name="Folienbildplatzhalter 3"/>
+          <p:cNvSpPr>
+            <a:spLocks noGrp="1" noRot="1" noChangeAspect="1"/>
+          </p:cNvSpPr>
+          <p:nvPr>
+            <p:ph type="sldImg" idx="2"/>
+          </p:nvPr>
+        </p:nvSpPr>
+        <p:spPr>
+          <a:xfrm>
+            <a:off x="685800" y="1143000"/>
+            <a:ext cx="5486400" cy="3086100"/>
+          </a:xfrm>
+          <a:prstGeom prst="rect">
+            <a:avLst/>
+          </a:prstGeom>
+          <a:noFill/>
+          <a:ln w="12700">
+            <a:solidFill>
+              <a:prstClr val="black"/>
+            </a:solidFill>
+          </a:ln>
+        </p:spPr>
+        <p:txBody>
+          <a:bodyPr vert="horz" lIns="91440" tIns="45720" rIns="91440" bIns="45720" rtlCol="0" anchor="ctr"/>
+          <a:lstStyle/>
+          <a:p>
+            <a:endParaRPr lang="de-DE"/>
+          </a:p>
+        </p:txBody>
+      </p:sp>
+      <p:sp>
+        <p:nvSpPr>
+          <p:cNvPr id="5" name="Notizenplatzhalter 4"/>
+          <p:cNvSpPr>
+            <a:spLocks noGrp="1"/>
+          </p:cNvSpPr>
+          <p:nvPr>
+            <p:ph type="body" sz="quarter" idx="3"/>
+          </p:nvPr>
+        </p:nvSpPr>
+        <p:spPr>
+          <a:xfrm>
+            <a:off x="685800" y="4400550"/>
+            <a:ext cx="5486400" cy="3600450"/>
+          </a:xfrm>
+          <a:prstGeom prst="rect">
+            <a:avLst/>
+          </a:prstGeom>
+        </p:spPr>
+        <p:txBody>
+          <a:bodyPr vert="horz" lIns="91440" tIns="45720" rIns="91440" bIns="45720" rtlCol="0"/>
+          <a:lstStyle/>
+          <a:p>
+            <a:pPr lvl="0"/>
+            <a:r>
+              <a:rPr lang="de-DE"/>
+              <a:t>Mastertextformat bearbeiten</a:t>
+            </a:r>
+          </a:p>
+          <a:p>
+            <a:pPr lvl="1"/>
+            <a:r>
+              <a:rPr lang="de-DE"/>
+              <a:t>Zweite Ebene</a:t>
+            </a:r>
+          </a:p>
+          <a:p>
+            <a:pPr lvl="2"/>
+            <a:r>
+              <a:rPr lang="de-DE"/>
+              <a:t>Dritte Ebene</a:t>
+            </a:r>
+          </a:p>
+          <a:p>
+            <a:pPr lvl="3"/>
+            <a:r>
+              <a:rPr lang="de-DE"/>
+              <a:t>Vierte Ebene</a:t>
+            </a:r>
+          </a:p>
+          <a:p>
+            <a:pPr lvl="4"/>
+            <a:r>
+              <a:rPr lang="de-DE"/>
+              <a:t>Fünfte Ebene</a:t>
+            </a:r>
+          </a:p>
+        </p:txBody>
+      </p:sp>
+      <p:sp>
+        <p:nvSpPr>
+          <p:cNvPr id="6" name="Fußzeilenplatzhalter 5"/>
+          <p:cNvSpPr>
+            <a:spLocks noGrp="1"/>
+          </p:cNvSpPr>
+          <p:nvPr>
+            <p:ph type="ftr" sz="quarter" idx="4"/>
+          </p:nvPr>
+        </p:nvSpPr>
+        <p:spPr>
+          <a:xfrm>
+            <a:off x="0" y="8685213"/>
+            <a:ext cx="2971800" cy="458787"/>
+          </a:xfrm>
+          <a:prstGeom prst="rect">
+            <a:avLst/>
+          </a:prstGeom>
+        </p:spPr>
+        <p:txBody>
+          <a:bodyPr vert="horz" lIns="91440" tIns="45720" rIns="91440" bIns="45720" rtlCol="0" anchor="b"/>
+          <a:lstStyle>
+            <a:lvl1pPr algn="l">
+              <a:defRPr sz="1200"/>
+            </a:lvl1pPr>
+          </a:lstStyle>
+          <a:p>
+            <a:endParaRPr lang="de-DE"/>
+          </a:p>
+        </p:txBody>
+      </p:sp>
+      <p:sp>
+        <p:nvSpPr>
+          <p:cNvPr id="7" name="Foliennummernplatzhalter 6"/>
+          <p:cNvSpPr>
+            <a:spLocks noGrp="1"/>
+          </p:cNvSpPr>
+          <p:nvPr>
+            <p:ph type="sldNum" sz="quarter" idx="5"/>
+          </p:nvPr>
+        </p:nvSpPr>
+        <p:spPr>
+          <a:xfrm>
+            <a:off x="3884613" y="8685213"/>
+            <a:ext cx="2971800" cy="458787"/>
+          </a:xfrm>
+          <a:prstGeom prst="rect">
+            <a:avLst/>
+          </a:prstGeom>
+        </p:spPr>
+        <p:txBody>
+          <a:bodyPr vert="horz" lIns="91440" tIns="45720" rIns="91440" bIns="45720" rtlCol="0" anchor="b"/>
+          <a:lstStyle>
+            <a:lvl1pPr algn="r">
+              <a:defRPr sz="1200"/>
+            </a:lvl1pPr>
+          </a:lstStyle>
+          <a:p>
+            <a:fld id="{A49278C6-4876-4E97-B10F-991F2E69C6CF}" type="slidenum">
+              <a:rPr lang="de-DE" smtClean="0"/>
+              <a:t>‹Nr.›</a:t>
+            </a:fld>
+            <a:endParaRPr lang="de-DE"/>
+          </a:p>
+        </p:txBody>
+      </p:sp>
+    </p:spTree>
+    <p:extLst>
+      <p:ext uri="{BB962C8B-B14F-4D97-AF65-F5344CB8AC3E}">
+        <p14:creationId xmlns:p14="http://schemas.microsoft.com/office/powerpoint/2010/main" val="230433807"/>
+      </p:ext>
+    </p:extLst>
+  </p:cSld>
+  <p:clrMap bg1="lt1" tx1="dk1" bg2="lt2" tx2="dk2" accent1="accent1" accent2="accent2" accent3="accent3" accent4="accent4" accent5="accent5" accent6="accent6" hlink="hlink" folHlink="folHlink"/>
+  <p:notesStyle>
+    <a:lvl1pPr marL="0" algn="l" defTabSz="914400" rtl="0" eaLnBrk="1" latinLnBrk="0" hangingPunct="1">
+      <a:defRPr sz="1200" kern="1200">
+        <a:solidFill>
+          <a:schemeClr val="tx1"/>
+        </a:solidFill>
+        <a:latin typeface="+mn-lt"/>
+        <a:ea typeface="+mn-ea"/>
+        <a:cs typeface="+mn-cs"/>
+      </a:defRPr>
+    </a:lvl1pPr>
+    <a:lvl2pPr marL="457200" algn="l" defTabSz="914400" rtl="0" eaLnBrk="1" latinLnBrk="0" hangingPunct="1">
+      <a:defRPr sz="1200" kern="1200">
+        <a:solidFill>
+          <a:schemeClr val="tx1"/>
+        </a:solidFill>
+        <a:latin typeface="+mn-lt"/>
+        <a:ea typeface="+mn-ea"/>
+        <a:cs typeface="+mn-cs"/>
+      </a:defRPr>
+    </a:lvl2pPr>
+    <a:lvl3pPr marL="914400" algn="l" defTabSz="914400" rtl="0" eaLnBrk="1" latinLnBrk="0" hangingPunct="1">
+      <a:defRPr sz="1200" kern="1200">
+        <a:solidFill>
+          <a:schemeClr val="tx1"/>
+        </a:solidFill>
+        <a:latin typeface="+mn-lt"/>
+        <a:ea typeface="+mn-ea"/>
+        <a:cs typeface="+mn-cs"/>
+      </a:defRPr>
+    </a:lvl3pPr>
+    <a:lvl4pPr marL="1371600" algn="l" defTabSz="914400" rtl="0" eaLnBrk="1" latinLnBrk="0" hangingPunct="1">
+      <a:defRPr sz="1200" kern="1200">
+        <a:solidFill>
+          <a:schemeClr val="tx1"/>
+        </a:solidFill>
+        <a:latin typeface="+mn-lt"/>
+        <a:ea typeface="+mn-ea"/>
+        <a:cs typeface="+mn-cs"/>
+      </a:defRPr>
+    </a:lvl4pPr>
+    <a:lvl5pPr marL="1828800" algn="l" defTabSz="914400" rtl="0" eaLnBrk="1" latinLnBrk="0" hangingPunct="1">
+      <a:defRPr sz="1200" kern="1200">
+        <a:solidFill>
+          <a:schemeClr val="tx1"/>
+        </a:solidFill>
+        <a:latin typeface="+mn-lt"/>
+        <a:ea typeface="+mn-ea"/>
+        <a:cs typeface="+mn-cs"/>
+      </a:defRPr>
+    </a:lvl5pPr>
+    <a:lvl6pPr marL="2286000" algn="l" defTabSz="914400" rtl="0" eaLnBrk="1" latinLnBrk="0" hangingPunct="1">
+      <a:defRPr sz="1200" kern="1200">
+        <a:solidFill>
+          <a:schemeClr val="tx1"/>
+        </a:solidFill>
+        <a:latin typeface="+mn-lt"/>
+        <a:ea typeface="+mn-ea"/>
+        <a:cs typeface="+mn-cs"/>
+      </a:defRPr>
+    </a:lvl6pPr>
+    <a:lvl7pPr marL="2743200" algn="l" defTabSz="914400" rtl="0" eaLnBrk="1" latinLnBrk="0" hangingPunct="1">
+      <a:defRPr sz="1200" kern="1200">
+        <a:solidFill>
+          <a:schemeClr val="tx1"/>
+        </a:solidFill>
+        <a:latin typeface="+mn-lt"/>
+        <a:ea typeface="+mn-ea"/>
+        <a:cs typeface="+mn-cs"/>
+      </a:defRPr>
+    </a:lvl7pPr>
+    <a:lvl8pPr marL="3200400" algn="l" defTabSz="914400" rtl="0" eaLnBrk="1" latinLnBrk="0" hangingPunct="1">
+      <a:defRPr sz="1200" kern="1200">
+        <a:solidFill>
+          <a:schemeClr val="tx1"/>
+        </a:solidFill>
+        <a:latin typeface="+mn-lt"/>
+        <a:ea typeface="+mn-ea"/>
+        <a:cs typeface="+mn-cs"/>
+      </a:defRPr>
+    </a:lvl8pPr>
+    <a:lvl9pPr marL="3657600" algn="l" defTabSz="914400" rtl="0" eaLnBrk="1" latinLnBrk="0" hangingPunct="1">
+      <a:defRPr sz="1200" kern="1200">
+        <a:solidFill>
+          <a:schemeClr val="tx1"/>
+        </a:solidFill>
+        <a:latin typeface="+mn-lt"/>
+        <a:ea typeface="+mn-ea"/>
+        <a:cs typeface="+mn-cs"/>
+      </a:defRPr>
+    </a:lvl9pPr>
+  </p:notesStyle>
+</p:notesMaster>
+</file>
+
+<file path=ppt/notesSlides/notesSlide1.xml><?xml version="1.0" encoding="utf-8"?>
+<p:notes xmlns:a="http://schemas.openxmlformats.org/drawingml/2006/main" xmlns:r="http://schemas.openxmlformats.org/officeDocument/2006/relationships" xmlns:p="http://schemas.openxmlformats.org/presentationml/2006/main">
+  <p:cSld>
+    <p:spTree>
+      <p:nvGrpSpPr>
+        <p:cNvPr id="1" name=""/>
+        <p:cNvGrpSpPr/>
+        <p:nvPr/>
+      </p:nvGrpSpPr>
+      <p:grpSpPr>
+        <a:xfrm>
+          <a:off x="0" y="0"/>
+          <a:ext cx="0" cy="0"/>
+          <a:chOff x="0" y="0"/>
+          <a:chExt cx="0" cy="0"/>
+        </a:xfrm>
+      </p:grpSpPr>
+      <p:sp>
+        <p:nvSpPr>
+          <p:cNvPr id="2" name="Folienbildplatzhalter 1"/>
+          <p:cNvSpPr>
+            <a:spLocks noGrp="1" noRot="1" noChangeAspect="1"/>
+          </p:cNvSpPr>
+          <p:nvPr>
+            <p:ph type="sldImg"/>
+          </p:nvPr>
+        </p:nvSpPr>
+        <p:spPr/>
+      </p:sp>
+      <p:sp>
+        <p:nvSpPr>
+          <p:cNvPr id="3" name="Notizenplatzhalter 2"/>
+          <p:cNvSpPr>
+            <a:spLocks noGrp="1"/>
+          </p:cNvSpPr>
+          <p:nvPr>
+            <p:ph type="body" idx="1"/>
+          </p:nvPr>
+        </p:nvSpPr>
+        <p:spPr/>
+        <p:txBody>
+          <a:bodyPr/>
+          <a:lstStyle/>
+          <a:p>
+            <a:endParaRPr lang="de-DE" dirty="0"/>
+          </a:p>
+        </p:txBody>
+      </p:sp>
+      <p:sp>
+        <p:nvSpPr>
+          <p:cNvPr id="4" name="Foliennummernplatzhalter 3"/>
+          <p:cNvSpPr>
+            <a:spLocks noGrp="1"/>
+          </p:cNvSpPr>
+          <p:nvPr>
+            <p:ph type="sldNum" sz="quarter" idx="5"/>
+          </p:nvPr>
+        </p:nvSpPr>
+        <p:spPr/>
+        <p:txBody>
+          <a:bodyPr/>
+          <a:lstStyle/>
+          <a:p>
+            <a:fld id="{A49278C6-4876-4E97-B10F-991F2E69C6CF}" type="slidenum">
+              <a:rPr lang="de-DE" smtClean="0"/>
+              <a:t>8</a:t>
+            </a:fld>
+            <a:endParaRPr lang="de-DE"/>
+          </a:p>
+        </p:txBody>
+      </p:sp>
+    </p:spTree>
+    <p:extLst>
+      <p:ext uri="{BB962C8B-B14F-4D97-AF65-F5344CB8AC3E}">
+        <p14:creationId xmlns:p14="http://schemas.microsoft.com/office/powerpoint/2010/main" val="216203417"/>
+      </p:ext>
+    </p:extLst>
+  </p:cSld>
+  <p:clrMapOvr>
+    <a:masterClrMapping/>
+  </p:clrMapOvr>
+</p:notes>
 </file>
 
 <file path=ppt/slideLayouts/slideLayout1.xml><?xml version="1.0" encoding="utf-8"?>
@@ -3408,6 +3853,2056 @@
 </p:sld>
 </file>
 
+<file path=ppt/slides/slide10.xml><?xml version="1.0" encoding="utf-8"?>
+<p:sld xmlns:a="http://schemas.openxmlformats.org/drawingml/2006/main" xmlns:r="http://schemas.openxmlformats.org/officeDocument/2006/relationships" xmlns:p="http://schemas.openxmlformats.org/presentationml/2006/main">
+  <p:cSld>
+    <p:spTree>
+      <p:nvGrpSpPr>
+        <p:cNvPr id="1" name=""/>
+        <p:cNvGrpSpPr/>
+        <p:nvPr/>
+      </p:nvGrpSpPr>
+      <p:grpSpPr>
+        <a:xfrm>
+          <a:off x="0" y="0"/>
+          <a:ext cx="0" cy="0"/>
+          <a:chOff x="0" y="0"/>
+          <a:chExt cx="0" cy="0"/>
+        </a:xfrm>
+      </p:grpSpPr>
+      <p:sp>
+        <p:nvSpPr>
+          <p:cNvPr id="2" name="Titel 1">
+            <a:extLst>
+              <a:ext uri="{FF2B5EF4-FFF2-40B4-BE49-F238E27FC236}">
+                <a16:creationId xmlns:a16="http://schemas.microsoft.com/office/drawing/2014/main" id="{829B6859-3885-418E-81FE-D08BD5681B30}"/>
+              </a:ext>
+            </a:extLst>
+          </p:cNvPr>
+          <p:cNvSpPr>
+            <a:spLocks noGrp="1"/>
+          </p:cNvSpPr>
+          <p:nvPr>
+            <p:ph type="title"/>
+          </p:nvPr>
+        </p:nvSpPr>
+        <p:spPr/>
+        <p:txBody>
+          <a:bodyPr/>
+          <a:lstStyle/>
+          <a:p>
+            <a:r>
+              <a:rPr lang="de-DE" dirty="0"/>
+              <a:t>RMQ – </a:t>
+            </a:r>
+            <a:r>
+              <a:rPr lang="de-DE" dirty="0" err="1"/>
+              <a:t>Sparse</a:t>
+            </a:r>
+            <a:r>
+              <a:rPr lang="de-DE" dirty="0"/>
+              <a:t> Table</a:t>
+            </a:r>
+          </a:p>
+        </p:txBody>
+      </p:sp>
+      <mc:AlternateContent xmlns:mc="http://schemas.openxmlformats.org/markup-compatibility/2006">
+        <mc:Choice xmlns:a14="http://schemas.microsoft.com/office/drawing/2010/main" Requires="a14">
+          <p:sp>
+            <p:nvSpPr>
+              <p:cNvPr id="5" name="Inhaltsplatzhalter 2">
+                <a:extLst>
+                  <a:ext uri="{FF2B5EF4-FFF2-40B4-BE49-F238E27FC236}">
+                    <a16:creationId xmlns:a16="http://schemas.microsoft.com/office/drawing/2014/main" id="{61F7BAD8-22EA-4518-A1AE-A79EBA8BD2EA}"/>
+                  </a:ext>
+                </a:extLst>
+              </p:cNvPr>
+              <p:cNvSpPr>
+                <a:spLocks noGrp="1"/>
+              </p:cNvSpPr>
+              <p:nvPr>
+                <p:ph idx="1"/>
+              </p:nvPr>
+            </p:nvSpPr>
+            <p:spPr>
+              <a:xfrm>
+                <a:off x="838200" y="1825625"/>
+                <a:ext cx="10515600" cy="4351338"/>
+              </a:xfrm>
+            </p:spPr>
+            <p:txBody>
+              <a:bodyPr/>
+              <a:lstStyle/>
+              <a:p>
+                <a:pPr marL="0" indent="0">
+                  <a:buNone/>
+                </a:pPr>
+                <a:r>
+                  <a:rPr lang="de-DE" dirty="0">
+                    <a:latin typeface="+mj-lt"/>
+                  </a:rPr>
+                  <a:t>Vorbereitung zur Berechnung des </a:t>
+                </a:r>
+                <a:r>
+                  <a:rPr lang="de-DE" b="1" dirty="0" err="1">
+                    <a:latin typeface="+mj-lt"/>
+                  </a:rPr>
+                  <a:t>L</a:t>
+                </a:r>
+                <a:r>
+                  <a:rPr lang="de-DE" dirty="0" err="1">
+                    <a:latin typeface="+mj-lt"/>
+                  </a:rPr>
+                  <a:t>owest</a:t>
+                </a:r>
+                <a:r>
+                  <a:rPr lang="de-DE" dirty="0">
+                    <a:latin typeface="+mj-lt"/>
+                  </a:rPr>
+                  <a:t> </a:t>
+                </a:r>
+                <a:r>
+                  <a:rPr lang="de-DE" b="1" dirty="0">
+                    <a:latin typeface="+mj-lt"/>
+                  </a:rPr>
+                  <a:t>C</a:t>
+                </a:r>
+                <a:r>
+                  <a:rPr lang="de-DE" dirty="0">
+                    <a:latin typeface="+mj-lt"/>
+                  </a:rPr>
+                  <a:t>ommon </a:t>
+                </a:r>
+                <a:r>
+                  <a:rPr lang="de-DE" b="1" dirty="0" err="1">
+                    <a:latin typeface="+mj-lt"/>
+                  </a:rPr>
+                  <a:t>A</a:t>
+                </a:r>
+                <a:r>
+                  <a:rPr lang="de-DE" dirty="0" err="1">
+                    <a:latin typeface="+mj-lt"/>
+                  </a:rPr>
+                  <a:t>nchesters</a:t>
+                </a:r>
+                <a:r>
+                  <a:rPr lang="de-DE" dirty="0">
+                    <a:latin typeface="+mj-lt"/>
+                  </a:rPr>
+                  <a:t> (LCA) mit Hilfe des Eulertour-Arrays (der Länge </a:t>
+                </a:r>
+                <a14:m>
+                  <m:oMath xmlns:m="http://schemas.openxmlformats.org/officeDocument/2006/math">
+                    <m:r>
+                      <a:rPr lang="de-DE" sz="2400" i="1" dirty="0" smtClean="0">
+                        <a:latin typeface="Cambria Math" panose="02040503050406030204" pitchFamily="18" charset="0"/>
+                      </a:rPr>
+                      <m:t>𝑛</m:t>
+                    </m:r>
+                  </m:oMath>
+                </a14:m>
+                <a:r>
+                  <a:rPr lang="de-DE" dirty="0">
+                    <a:latin typeface="+mj-lt"/>
+                  </a:rPr>
+                  <a:t>)</a:t>
+                </a:r>
+              </a:p>
+              <a:p>
+                <a:pPr marL="0" indent="0">
+                  <a:buNone/>
+                </a:pPr>
+                <a:r>
+                  <a:rPr lang="de-DE" dirty="0">
+                    <a:latin typeface="+mj-lt"/>
+                  </a:rPr>
+                  <a:t>Erstellt ein 2D-Integer-Array der Größe </a:t>
+                </a:r>
+                <a14:m>
+                  <m:oMath xmlns:m="http://schemas.openxmlformats.org/officeDocument/2006/math">
+                    <m:r>
+                      <a:rPr lang="de-DE" sz="2400" b="0" i="1" smtClean="0">
+                        <a:latin typeface="Cambria Math" panose="02040503050406030204" pitchFamily="18" charset="0"/>
+                      </a:rPr>
+                      <m:t>𝑛</m:t>
+                    </m:r>
+                    <m:r>
+                      <a:rPr lang="de-DE" sz="2400" b="0" i="1" smtClean="0">
+                        <a:latin typeface="Cambria Math" panose="02040503050406030204" pitchFamily="18" charset="0"/>
+                      </a:rPr>
+                      <m:t> × </m:t>
+                    </m:r>
+                    <m:d>
+                      <m:dPr>
+                        <m:begChr m:val="⌈"/>
+                        <m:endChr m:val="⌉"/>
+                        <m:ctrlPr>
+                          <a:rPr lang="de-DE" sz="2400" b="0" i="1" smtClean="0">
+                            <a:latin typeface="Cambria Math" panose="02040503050406030204" pitchFamily="18" charset="0"/>
+                            <a:ea typeface="Cambria Math" panose="02040503050406030204" pitchFamily="18" charset="0"/>
+                          </a:rPr>
+                        </m:ctrlPr>
+                      </m:dPr>
+                      <m:e>
+                        <m:sSub>
+                          <m:sSubPr>
+                            <m:ctrlPr>
+                              <a:rPr lang="de-DE" sz="2400" i="1">
+                                <a:latin typeface="Cambria Math" panose="02040503050406030204" pitchFamily="18" charset="0"/>
+                                <a:ea typeface="Cambria Math" panose="02040503050406030204" pitchFamily="18" charset="0"/>
+                              </a:rPr>
+                            </m:ctrlPr>
+                          </m:sSubPr>
+                          <m:e>
+                            <m:r>
+                              <a:rPr lang="de-DE" sz="2400" i="1">
+                                <a:latin typeface="Cambria Math" panose="02040503050406030204" pitchFamily="18" charset="0"/>
+                                <a:ea typeface="Cambria Math" panose="02040503050406030204" pitchFamily="18" charset="0"/>
+                              </a:rPr>
+                              <m:t>𝑙𝑜𝑔</m:t>
+                            </m:r>
+                          </m:e>
+                          <m:sub>
+                            <m:r>
+                              <a:rPr lang="de-DE" sz="2400" i="1">
+                                <a:latin typeface="Cambria Math" panose="02040503050406030204" pitchFamily="18" charset="0"/>
+                                <a:ea typeface="Cambria Math" panose="02040503050406030204" pitchFamily="18" charset="0"/>
+                              </a:rPr>
+                              <m:t>2</m:t>
+                            </m:r>
+                          </m:sub>
+                        </m:sSub>
+                        <m:r>
+                          <a:rPr lang="de-DE" sz="2400" i="1">
+                            <a:latin typeface="Cambria Math" panose="02040503050406030204" pitchFamily="18" charset="0"/>
+                            <a:ea typeface="Cambria Math" panose="02040503050406030204" pitchFamily="18" charset="0"/>
+                          </a:rPr>
+                          <m:t>𝑛</m:t>
+                        </m:r>
+                      </m:e>
+                    </m:d>
+                  </m:oMath>
+                </a14:m>
+                <a:endParaRPr lang="de-DE" dirty="0">
+                  <a:latin typeface="+mj-lt"/>
+                </a:endParaRPr>
+              </a:p>
+              <a:p>
+                <a:pPr marL="0" indent="0">
+                  <a:buNone/>
+                </a:pPr>
+                <a:r>
+                  <a:rPr lang="de-DE" dirty="0">
+                    <a:latin typeface="+mj-lt"/>
+                  </a:rPr>
+                  <a:t>Nach einmaligem Erstellen kann jeder beliebige LCA in O(1) bestimmt werden.</a:t>
+                </a:r>
+              </a:p>
+            </p:txBody>
+          </p:sp>
+        </mc:Choice>
+        <mc:Fallback>
+          <p:sp>
+            <p:nvSpPr>
+              <p:cNvPr id="5" name="Inhaltsplatzhalter 2">
+                <a:extLst>
+                  <a:ext uri="{FF2B5EF4-FFF2-40B4-BE49-F238E27FC236}">
+                    <a16:creationId xmlns:a16="http://schemas.microsoft.com/office/drawing/2014/main" id="{61F7BAD8-22EA-4518-A1AE-A79EBA8BD2EA}"/>
+                  </a:ext>
+                </a:extLst>
+              </p:cNvPr>
+              <p:cNvSpPr>
+                <a:spLocks noGrp="1" noRot="1" noChangeAspect="1" noMove="1" noResize="1" noEditPoints="1" noAdjustHandles="1" noChangeArrowheads="1" noChangeShapeType="1" noTextEdit="1"/>
+              </p:cNvSpPr>
+              <p:nvPr>
+                <p:ph idx="1"/>
+              </p:nvPr>
+            </p:nvSpPr>
+            <p:spPr>
+              <a:xfrm>
+                <a:off x="838200" y="1825625"/>
+                <a:ext cx="10515600" cy="4351338"/>
+              </a:xfrm>
+              <a:blipFill>
+                <a:blip r:embed="rId2"/>
+                <a:stretch>
+                  <a:fillRect l="-1217" t="-2241" r="-1449"/>
+                </a:stretch>
+              </a:blipFill>
+            </p:spPr>
+            <p:txBody>
+              <a:bodyPr/>
+              <a:lstStyle/>
+              <a:p>
+                <a:r>
+                  <a:rPr lang="de-DE">
+                    <a:noFill/>
+                  </a:rPr>
+                  <a:t> </a:t>
+                </a:r>
+              </a:p>
+            </p:txBody>
+          </p:sp>
+        </mc:Fallback>
+      </mc:AlternateContent>
+    </p:spTree>
+    <p:extLst>
+      <p:ext uri="{BB962C8B-B14F-4D97-AF65-F5344CB8AC3E}">
+        <p14:creationId xmlns:p14="http://schemas.microsoft.com/office/powerpoint/2010/main" val="1497519758"/>
+      </p:ext>
+    </p:extLst>
+  </p:cSld>
+  <p:clrMapOvr>
+    <a:masterClrMapping/>
+  </p:clrMapOvr>
+</p:sld>
+</file>
+
+<file path=ppt/slides/slide11.xml><?xml version="1.0" encoding="utf-8"?>
+<p:sld xmlns:a="http://schemas.openxmlformats.org/drawingml/2006/main" xmlns:r="http://schemas.openxmlformats.org/officeDocument/2006/relationships" xmlns:p="http://schemas.openxmlformats.org/presentationml/2006/main">
+  <p:cSld>
+    <p:spTree>
+      <p:nvGrpSpPr>
+        <p:cNvPr id="1" name=""/>
+        <p:cNvGrpSpPr/>
+        <p:nvPr/>
+      </p:nvGrpSpPr>
+      <p:grpSpPr>
+        <a:xfrm>
+          <a:off x="0" y="0"/>
+          <a:ext cx="0" cy="0"/>
+          <a:chOff x="0" y="0"/>
+          <a:chExt cx="0" cy="0"/>
+        </a:xfrm>
+      </p:grpSpPr>
+      <p:sp>
+        <p:nvSpPr>
+          <p:cNvPr id="2" name="Titel 1">
+            <a:extLst>
+              <a:ext uri="{FF2B5EF4-FFF2-40B4-BE49-F238E27FC236}">
+                <a16:creationId xmlns:a16="http://schemas.microsoft.com/office/drawing/2014/main" id="{41D293F3-B936-4BC9-89E8-81BF23845948}"/>
+              </a:ext>
+            </a:extLst>
+          </p:cNvPr>
+          <p:cNvSpPr>
+            <a:spLocks noGrp="1"/>
+          </p:cNvSpPr>
+          <p:nvPr>
+            <p:ph type="title"/>
+          </p:nvPr>
+        </p:nvSpPr>
+        <p:spPr>
+          <a:xfrm>
+            <a:off x="838200" y="307373"/>
+            <a:ext cx="10515600" cy="1325563"/>
+          </a:xfrm>
+        </p:spPr>
+        <p:txBody>
+          <a:bodyPr/>
+          <a:lstStyle/>
+          <a:p>
+            <a:r>
+              <a:rPr lang="de-DE" dirty="0" err="1"/>
+              <a:t>Sparse</a:t>
+            </a:r>
+            <a:r>
+              <a:rPr lang="de-DE" dirty="0"/>
+              <a:t> Table - Beispiel</a:t>
+            </a:r>
+          </a:p>
+        </p:txBody>
+      </p:sp>
+      <p:graphicFrame>
+        <p:nvGraphicFramePr>
+          <p:cNvPr id="9" name="Tabelle 9">
+            <a:extLst>
+              <a:ext uri="{FF2B5EF4-FFF2-40B4-BE49-F238E27FC236}">
+                <a16:creationId xmlns:a16="http://schemas.microsoft.com/office/drawing/2014/main" id="{383DF378-F527-4679-B9D1-E80F7A9CF8BD}"/>
+              </a:ext>
+            </a:extLst>
+          </p:cNvPr>
+          <p:cNvGraphicFramePr>
+            <a:graphicFrameLocks noGrp="1"/>
+          </p:cNvGraphicFramePr>
+          <p:nvPr>
+            <p:ph idx="1"/>
+            <p:extLst>
+              <p:ext uri="{D42A27DB-BD31-4B8C-83A1-F6EECF244321}">
+                <p14:modId xmlns:p14="http://schemas.microsoft.com/office/powerpoint/2010/main" val="303306392"/>
+              </p:ext>
+            </p:extLst>
+          </p:nvPr>
+        </p:nvGraphicFramePr>
+        <p:xfrm>
+          <a:off x="838200" y="1777498"/>
+          <a:ext cx="3320715" cy="759293"/>
+        </p:xfrm>
+        <a:graphic>
+          <a:graphicData uri="http://schemas.openxmlformats.org/drawingml/2006/table">
+            <a:tbl>
+              <a:tblPr firstCol="1" bandRow="1">
+                <a:tableStyleId>{5C22544A-7EE6-4342-B048-85BDC9FD1C3A}</a:tableStyleId>
+              </a:tblPr>
+              <a:tblGrid>
+                <a:gridCol w="750770">
+                  <a:extLst>
+                    <a:ext uri="{9D8B030D-6E8A-4147-A177-3AD203B41FA5}">
+                      <a16:colId xmlns:a16="http://schemas.microsoft.com/office/drawing/2014/main" val="1101999723"/>
+                    </a:ext>
+                  </a:extLst>
+                </a:gridCol>
+                <a:gridCol w="367135">
+                  <a:extLst>
+                    <a:ext uri="{9D8B030D-6E8A-4147-A177-3AD203B41FA5}">
+                      <a16:colId xmlns:a16="http://schemas.microsoft.com/office/drawing/2014/main" val="1972682892"/>
+                    </a:ext>
+                  </a:extLst>
+                </a:gridCol>
+                <a:gridCol w="367135">
+                  <a:extLst>
+                    <a:ext uri="{9D8B030D-6E8A-4147-A177-3AD203B41FA5}">
+                      <a16:colId xmlns:a16="http://schemas.microsoft.com/office/drawing/2014/main" val="4102462970"/>
+                    </a:ext>
+                  </a:extLst>
+                </a:gridCol>
+                <a:gridCol w="367135">
+                  <a:extLst>
+                    <a:ext uri="{9D8B030D-6E8A-4147-A177-3AD203B41FA5}">
+                      <a16:colId xmlns:a16="http://schemas.microsoft.com/office/drawing/2014/main" val="1486934958"/>
+                    </a:ext>
+                  </a:extLst>
+                </a:gridCol>
+                <a:gridCol w="367135">
+                  <a:extLst>
+                    <a:ext uri="{9D8B030D-6E8A-4147-A177-3AD203B41FA5}">
+                      <a16:colId xmlns:a16="http://schemas.microsoft.com/office/drawing/2014/main" val="4036273852"/>
+                    </a:ext>
+                  </a:extLst>
+                </a:gridCol>
+                <a:gridCol w="367135">
+                  <a:extLst>
+                    <a:ext uri="{9D8B030D-6E8A-4147-A177-3AD203B41FA5}">
+                      <a16:colId xmlns:a16="http://schemas.microsoft.com/office/drawing/2014/main" val="397874474"/>
+                    </a:ext>
+                  </a:extLst>
+                </a:gridCol>
+                <a:gridCol w="367135">
+                  <a:extLst>
+                    <a:ext uri="{9D8B030D-6E8A-4147-A177-3AD203B41FA5}">
+                      <a16:colId xmlns:a16="http://schemas.microsoft.com/office/drawing/2014/main" val="2465315111"/>
+                    </a:ext>
+                  </a:extLst>
+                </a:gridCol>
+                <a:gridCol w="367135">
+                  <a:extLst>
+                    <a:ext uri="{9D8B030D-6E8A-4147-A177-3AD203B41FA5}">
+                      <a16:colId xmlns:a16="http://schemas.microsoft.com/office/drawing/2014/main" val="3718603055"/>
+                    </a:ext>
+                  </a:extLst>
+                </a:gridCol>
+              </a:tblGrid>
+              <a:tr h="388453">
+                <a:tc>
+                  <a:txBody>
+                    <a:bodyPr/>
+                    <a:lstStyle/>
+                    <a:p>
+                      <a:r>
+                        <a:rPr lang="de-DE" dirty="0"/>
+                        <a:t>Index</a:t>
+                      </a:r>
+                    </a:p>
+                  </a:txBody>
+                  <a:tcPr/>
+                </a:tc>
+                <a:tc>
+                  <a:txBody>
+                    <a:bodyPr/>
+                    <a:lstStyle/>
+                    <a:p>
+                      <a:r>
+                        <a:rPr lang="de-DE" dirty="0"/>
+                        <a:t>0</a:t>
+                      </a:r>
+                    </a:p>
+                  </a:txBody>
+                  <a:tcPr/>
+                </a:tc>
+                <a:tc>
+                  <a:txBody>
+                    <a:bodyPr/>
+                    <a:lstStyle/>
+                    <a:p>
+                      <a:r>
+                        <a:rPr lang="de-DE" dirty="0"/>
+                        <a:t>1</a:t>
+                      </a:r>
+                    </a:p>
+                  </a:txBody>
+                  <a:tcPr/>
+                </a:tc>
+                <a:tc>
+                  <a:txBody>
+                    <a:bodyPr/>
+                    <a:lstStyle/>
+                    <a:p>
+                      <a:r>
+                        <a:rPr lang="de-DE" dirty="0"/>
+                        <a:t>2</a:t>
+                      </a:r>
+                    </a:p>
+                  </a:txBody>
+                  <a:tcPr/>
+                </a:tc>
+                <a:tc>
+                  <a:txBody>
+                    <a:bodyPr/>
+                    <a:lstStyle/>
+                    <a:p>
+                      <a:r>
+                        <a:rPr lang="de-DE" dirty="0"/>
+                        <a:t>3</a:t>
+                      </a:r>
+                    </a:p>
+                  </a:txBody>
+                  <a:tcPr/>
+                </a:tc>
+                <a:tc>
+                  <a:txBody>
+                    <a:bodyPr/>
+                    <a:lstStyle/>
+                    <a:p>
+                      <a:r>
+                        <a:rPr lang="de-DE" dirty="0"/>
+                        <a:t>4</a:t>
+                      </a:r>
+                    </a:p>
+                  </a:txBody>
+                  <a:tcPr/>
+                </a:tc>
+                <a:tc>
+                  <a:txBody>
+                    <a:bodyPr/>
+                    <a:lstStyle/>
+                    <a:p>
+                      <a:r>
+                        <a:rPr lang="de-DE" dirty="0"/>
+                        <a:t>5</a:t>
+                      </a:r>
+                    </a:p>
+                  </a:txBody>
+                  <a:tcPr/>
+                </a:tc>
+                <a:tc>
+                  <a:txBody>
+                    <a:bodyPr/>
+                    <a:lstStyle/>
+                    <a:p>
+                      <a:r>
+                        <a:rPr lang="de-DE" dirty="0"/>
+                        <a:t>6</a:t>
+                      </a:r>
+                    </a:p>
+                  </a:txBody>
+                  <a:tcPr/>
+                </a:tc>
+                <a:extLst>
+                  <a:ext uri="{0D108BD9-81ED-4DB2-BD59-A6C34878D82A}">
+                    <a16:rowId xmlns:a16="http://schemas.microsoft.com/office/drawing/2014/main" val="2486176258"/>
+                  </a:ext>
+                </a:extLst>
+              </a:tr>
+              <a:tr h="370840">
+                <a:tc>
+                  <a:txBody>
+                    <a:bodyPr/>
+                    <a:lstStyle/>
+                    <a:p>
+                      <a:r>
+                        <a:rPr lang="de-DE" dirty="0"/>
+                        <a:t>Wert</a:t>
+                      </a:r>
+                    </a:p>
+                  </a:txBody>
+                  <a:tcPr/>
+                </a:tc>
+                <a:tc>
+                  <a:txBody>
+                    <a:bodyPr/>
+                    <a:lstStyle/>
+                    <a:p>
+                      <a:r>
+                        <a:rPr lang="de-DE" dirty="0"/>
+                        <a:t>0</a:t>
+                      </a:r>
+                    </a:p>
+                  </a:txBody>
+                  <a:tcPr/>
+                </a:tc>
+                <a:tc>
+                  <a:txBody>
+                    <a:bodyPr/>
+                    <a:lstStyle/>
+                    <a:p>
+                      <a:r>
+                        <a:rPr lang="de-DE" dirty="0"/>
+                        <a:t>1</a:t>
+                      </a:r>
+                    </a:p>
+                  </a:txBody>
+                  <a:tcPr/>
+                </a:tc>
+                <a:tc>
+                  <a:txBody>
+                    <a:bodyPr/>
+                    <a:lstStyle/>
+                    <a:p>
+                      <a:r>
+                        <a:rPr lang="de-DE" dirty="0"/>
+                        <a:t>2</a:t>
+                      </a:r>
+                    </a:p>
+                  </a:txBody>
+                  <a:tcPr/>
+                </a:tc>
+                <a:tc>
+                  <a:txBody>
+                    <a:bodyPr/>
+                    <a:lstStyle/>
+                    <a:p>
+                      <a:r>
+                        <a:rPr lang="de-DE" dirty="0"/>
+                        <a:t>3</a:t>
+                      </a:r>
+                    </a:p>
+                  </a:txBody>
+                  <a:tcPr/>
+                </a:tc>
+                <a:tc>
+                  <a:txBody>
+                    <a:bodyPr/>
+                    <a:lstStyle/>
+                    <a:p>
+                      <a:r>
+                        <a:rPr lang="de-DE" dirty="0"/>
+                        <a:t>2</a:t>
+                      </a:r>
+                    </a:p>
+                  </a:txBody>
+                  <a:tcPr/>
+                </a:tc>
+                <a:tc>
+                  <a:txBody>
+                    <a:bodyPr/>
+                    <a:lstStyle/>
+                    <a:p>
+                      <a:r>
+                        <a:rPr lang="de-DE" dirty="0"/>
+                        <a:t>1</a:t>
+                      </a:r>
+                    </a:p>
+                  </a:txBody>
+                  <a:tcPr/>
+                </a:tc>
+                <a:tc>
+                  <a:txBody>
+                    <a:bodyPr/>
+                    <a:lstStyle/>
+                    <a:p>
+                      <a:r>
+                        <a:rPr lang="de-DE" dirty="0"/>
+                        <a:t>0</a:t>
+                      </a:r>
+                    </a:p>
+                  </a:txBody>
+                  <a:tcPr/>
+                </a:tc>
+                <a:extLst>
+                  <a:ext uri="{0D108BD9-81ED-4DB2-BD59-A6C34878D82A}">
+                    <a16:rowId xmlns:a16="http://schemas.microsoft.com/office/drawing/2014/main" val="4282030350"/>
+                  </a:ext>
+                </a:extLst>
+              </a:tr>
+            </a:tbl>
+          </a:graphicData>
+        </a:graphic>
+      </p:graphicFrame>
+      <p:cxnSp>
+        <p:nvCxnSpPr>
+          <p:cNvPr id="12" name="Gerader Verbinder 11">
+            <a:extLst>
+              <a:ext uri="{FF2B5EF4-FFF2-40B4-BE49-F238E27FC236}">
+                <a16:creationId xmlns:a16="http://schemas.microsoft.com/office/drawing/2014/main" id="{F26E8083-F56B-4620-84C5-6D95F4943C80}"/>
+              </a:ext>
+            </a:extLst>
+          </p:cNvPr>
+          <p:cNvCxnSpPr/>
+          <p:nvPr/>
+        </p:nvCxnSpPr>
+        <p:spPr>
+          <a:xfrm flipH="1">
+            <a:off x="1701800" y="2487344"/>
+            <a:ext cx="463550" cy="0"/>
+          </a:xfrm>
+          <a:prstGeom prst="line">
+            <a:avLst/>
+          </a:prstGeom>
+          <a:ln w="28575"/>
+        </p:spPr>
+        <p:style>
+          <a:lnRef idx="1">
+            <a:schemeClr val="accent2"/>
+          </a:lnRef>
+          <a:fillRef idx="0">
+            <a:schemeClr val="accent2"/>
+          </a:fillRef>
+          <a:effectRef idx="0">
+            <a:schemeClr val="accent2"/>
+          </a:effectRef>
+          <a:fontRef idx="minor">
+            <a:schemeClr val="tx1"/>
+          </a:fontRef>
+        </p:style>
+      </p:cxnSp>
+      <p:cxnSp>
+        <p:nvCxnSpPr>
+          <p:cNvPr id="13" name="Gerader Verbinder 12">
+            <a:extLst>
+              <a:ext uri="{FF2B5EF4-FFF2-40B4-BE49-F238E27FC236}">
+                <a16:creationId xmlns:a16="http://schemas.microsoft.com/office/drawing/2014/main" id="{37039707-3C44-4FB4-AD08-87CEDD80E80C}"/>
+              </a:ext>
+            </a:extLst>
+          </p:cNvPr>
+          <p:cNvCxnSpPr/>
+          <p:nvPr/>
+        </p:nvCxnSpPr>
+        <p:spPr>
+          <a:xfrm flipH="1">
+            <a:off x="2035007" y="2487344"/>
+            <a:ext cx="463550" cy="0"/>
+          </a:xfrm>
+          <a:prstGeom prst="line">
+            <a:avLst/>
+          </a:prstGeom>
+          <a:ln w="28575"/>
+        </p:spPr>
+        <p:style>
+          <a:lnRef idx="1">
+            <a:schemeClr val="accent2"/>
+          </a:lnRef>
+          <a:fillRef idx="0">
+            <a:schemeClr val="accent2"/>
+          </a:fillRef>
+          <a:effectRef idx="0">
+            <a:schemeClr val="accent2"/>
+          </a:effectRef>
+          <a:fontRef idx="minor">
+            <a:schemeClr val="tx1"/>
+          </a:fontRef>
+        </p:style>
+      </p:cxnSp>
+      <p:cxnSp>
+        <p:nvCxnSpPr>
+          <p:cNvPr id="14" name="Gerader Verbinder 13">
+            <a:extLst>
+              <a:ext uri="{FF2B5EF4-FFF2-40B4-BE49-F238E27FC236}">
+                <a16:creationId xmlns:a16="http://schemas.microsoft.com/office/drawing/2014/main" id="{10718EF0-9AD7-468B-854F-4EB95850ED0C}"/>
+              </a:ext>
+            </a:extLst>
+          </p:cNvPr>
+          <p:cNvCxnSpPr/>
+          <p:nvPr/>
+        </p:nvCxnSpPr>
+        <p:spPr>
+          <a:xfrm flipH="1">
+            <a:off x="2400300" y="2487344"/>
+            <a:ext cx="463550" cy="0"/>
+          </a:xfrm>
+          <a:prstGeom prst="line">
+            <a:avLst/>
+          </a:prstGeom>
+          <a:ln w="28575"/>
+        </p:spPr>
+        <p:style>
+          <a:lnRef idx="1">
+            <a:schemeClr val="accent2"/>
+          </a:lnRef>
+          <a:fillRef idx="0">
+            <a:schemeClr val="accent2"/>
+          </a:fillRef>
+          <a:effectRef idx="0">
+            <a:schemeClr val="accent2"/>
+          </a:effectRef>
+          <a:fontRef idx="minor">
+            <a:schemeClr val="tx1"/>
+          </a:fontRef>
+        </p:style>
+      </p:cxnSp>
+      <p:cxnSp>
+        <p:nvCxnSpPr>
+          <p:cNvPr id="15" name="Gerader Verbinder 14">
+            <a:extLst>
+              <a:ext uri="{FF2B5EF4-FFF2-40B4-BE49-F238E27FC236}">
+                <a16:creationId xmlns:a16="http://schemas.microsoft.com/office/drawing/2014/main" id="{DE214A9C-1061-42CF-B7FA-21911F42C66B}"/>
+              </a:ext>
+            </a:extLst>
+          </p:cNvPr>
+          <p:cNvCxnSpPr/>
+          <p:nvPr/>
+        </p:nvCxnSpPr>
+        <p:spPr>
+          <a:xfrm flipH="1">
+            <a:off x="2813050" y="2485488"/>
+            <a:ext cx="463550" cy="0"/>
+          </a:xfrm>
+          <a:prstGeom prst="line">
+            <a:avLst/>
+          </a:prstGeom>
+          <a:ln w="28575"/>
+        </p:spPr>
+        <p:style>
+          <a:lnRef idx="1">
+            <a:schemeClr val="accent2"/>
+          </a:lnRef>
+          <a:fillRef idx="0">
+            <a:schemeClr val="accent2"/>
+          </a:fillRef>
+          <a:effectRef idx="0">
+            <a:schemeClr val="accent2"/>
+          </a:effectRef>
+          <a:fontRef idx="minor">
+            <a:schemeClr val="tx1"/>
+          </a:fontRef>
+        </p:style>
+      </p:cxnSp>
+      <p:cxnSp>
+        <p:nvCxnSpPr>
+          <p:cNvPr id="16" name="Gerader Verbinder 15">
+            <a:extLst>
+              <a:ext uri="{FF2B5EF4-FFF2-40B4-BE49-F238E27FC236}">
+                <a16:creationId xmlns:a16="http://schemas.microsoft.com/office/drawing/2014/main" id="{AE4C010A-6D78-4EF0-8B9E-B5B4BDA4C4D7}"/>
+              </a:ext>
+            </a:extLst>
+          </p:cNvPr>
+          <p:cNvCxnSpPr/>
+          <p:nvPr/>
+        </p:nvCxnSpPr>
+        <p:spPr>
+          <a:xfrm flipH="1">
+            <a:off x="3149600" y="2485488"/>
+            <a:ext cx="463550" cy="0"/>
+          </a:xfrm>
+          <a:prstGeom prst="line">
+            <a:avLst/>
+          </a:prstGeom>
+          <a:ln w="28575"/>
+        </p:spPr>
+        <p:style>
+          <a:lnRef idx="1">
+            <a:schemeClr val="accent2"/>
+          </a:lnRef>
+          <a:fillRef idx="0">
+            <a:schemeClr val="accent2"/>
+          </a:fillRef>
+          <a:effectRef idx="0">
+            <a:schemeClr val="accent2"/>
+          </a:effectRef>
+          <a:fontRef idx="minor">
+            <a:schemeClr val="tx1"/>
+          </a:fontRef>
+        </p:style>
+      </p:cxnSp>
+      <p:cxnSp>
+        <p:nvCxnSpPr>
+          <p:cNvPr id="17" name="Gerader Verbinder 16">
+            <a:extLst>
+              <a:ext uri="{FF2B5EF4-FFF2-40B4-BE49-F238E27FC236}">
+                <a16:creationId xmlns:a16="http://schemas.microsoft.com/office/drawing/2014/main" id="{DD9AA108-A94D-4A2A-8675-D1B7CEF86572}"/>
+              </a:ext>
+            </a:extLst>
+          </p:cNvPr>
+          <p:cNvCxnSpPr/>
+          <p:nvPr/>
+        </p:nvCxnSpPr>
+        <p:spPr>
+          <a:xfrm flipH="1">
+            <a:off x="3511550" y="2485488"/>
+            <a:ext cx="463550" cy="0"/>
+          </a:xfrm>
+          <a:prstGeom prst="line">
+            <a:avLst/>
+          </a:prstGeom>
+          <a:ln w="28575"/>
+        </p:spPr>
+        <p:style>
+          <a:lnRef idx="1">
+            <a:schemeClr val="accent2"/>
+          </a:lnRef>
+          <a:fillRef idx="0">
+            <a:schemeClr val="accent2"/>
+          </a:fillRef>
+          <a:effectRef idx="0">
+            <a:schemeClr val="accent2"/>
+          </a:effectRef>
+          <a:fontRef idx="minor">
+            <a:schemeClr val="tx1"/>
+          </a:fontRef>
+        </p:style>
+      </p:cxnSp>
+      <mc:AlternateContent xmlns:mc="http://schemas.openxmlformats.org/markup-compatibility/2006">
+        <mc:Choice xmlns:a14="http://schemas.microsoft.com/office/drawing/2010/main" Requires="a14">
+          <p:graphicFrame>
+            <p:nvGraphicFramePr>
+              <p:cNvPr id="20" name="Tabelle 20">
+                <a:extLst>
+                  <a:ext uri="{FF2B5EF4-FFF2-40B4-BE49-F238E27FC236}">
+                    <a16:creationId xmlns:a16="http://schemas.microsoft.com/office/drawing/2014/main" id="{D2698A9B-EF5F-4CE4-B6EC-F22FB1D5AD95}"/>
+                  </a:ext>
+                </a:extLst>
+              </p:cNvPr>
+              <p:cNvGraphicFramePr>
+                <a:graphicFrameLocks noGrp="1"/>
+              </p:cNvGraphicFramePr>
+              <p:nvPr>
+                <p:extLst>
+                  <p:ext uri="{D42A27DB-BD31-4B8C-83A1-F6EECF244321}">
+                    <p14:modId xmlns:p14="http://schemas.microsoft.com/office/powerpoint/2010/main" val="1018660549"/>
+                  </p:ext>
+                </p:extLst>
+              </p:nvPr>
+            </p:nvGraphicFramePr>
+            <p:xfrm>
+              <a:off x="838200" y="3429000"/>
+              <a:ext cx="6736881" cy="1115760"/>
+            </p:xfrm>
+            <a:graphic>
+              <a:graphicData uri="http://schemas.openxmlformats.org/drawingml/2006/table">
+                <a:tbl>
+                  <a:tblPr firstCol="1" bandRow="1">
+                    <a:tableStyleId>{5C22544A-7EE6-4342-B048-85BDC9FD1C3A}</a:tableStyleId>
+                  </a:tblPr>
+                  <a:tblGrid>
+                    <a:gridCol w="1866498">
+                      <a:extLst>
+                        <a:ext uri="{9D8B030D-6E8A-4147-A177-3AD203B41FA5}">
+                          <a16:colId xmlns:a16="http://schemas.microsoft.com/office/drawing/2014/main" val="1859252653"/>
+                        </a:ext>
+                      </a:extLst>
+                    </a:gridCol>
+                    <a:gridCol w="695769">
+                      <a:extLst>
+                        <a:ext uri="{9D8B030D-6E8A-4147-A177-3AD203B41FA5}">
+                          <a16:colId xmlns:a16="http://schemas.microsoft.com/office/drawing/2014/main" val="4214953322"/>
+                        </a:ext>
+                      </a:extLst>
+                    </a:gridCol>
+                    <a:gridCol w="695769">
+                      <a:extLst>
+                        <a:ext uri="{9D8B030D-6E8A-4147-A177-3AD203B41FA5}">
+                          <a16:colId xmlns:a16="http://schemas.microsoft.com/office/drawing/2014/main" val="3080174367"/>
+                        </a:ext>
+                      </a:extLst>
+                    </a:gridCol>
+                    <a:gridCol w="695769">
+                      <a:extLst>
+                        <a:ext uri="{9D8B030D-6E8A-4147-A177-3AD203B41FA5}">
+                          <a16:colId xmlns:a16="http://schemas.microsoft.com/office/drawing/2014/main" val="3742409096"/>
+                        </a:ext>
+                      </a:extLst>
+                    </a:gridCol>
+                    <a:gridCol w="695769">
+                      <a:extLst>
+                        <a:ext uri="{9D8B030D-6E8A-4147-A177-3AD203B41FA5}">
+                          <a16:colId xmlns:a16="http://schemas.microsoft.com/office/drawing/2014/main" val="4093731267"/>
+                        </a:ext>
+                      </a:extLst>
+                    </a:gridCol>
+                    <a:gridCol w="695769">
+                      <a:extLst>
+                        <a:ext uri="{9D8B030D-6E8A-4147-A177-3AD203B41FA5}">
+                          <a16:colId xmlns:a16="http://schemas.microsoft.com/office/drawing/2014/main" val="3636837685"/>
+                        </a:ext>
+                      </a:extLst>
+                    </a:gridCol>
+                    <a:gridCol w="695769">
+                      <a:extLst>
+                        <a:ext uri="{9D8B030D-6E8A-4147-A177-3AD203B41FA5}">
+                          <a16:colId xmlns:a16="http://schemas.microsoft.com/office/drawing/2014/main" val="1526334492"/>
+                        </a:ext>
+                      </a:extLst>
+                    </a:gridCol>
+                    <a:gridCol w="695769">
+                      <a:extLst>
+                        <a:ext uri="{9D8B030D-6E8A-4147-A177-3AD203B41FA5}">
+                          <a16:colId xmlns:a16="http://schemas.microsoft.com/office/drawing/2014/main" val="266780157"/>
+                        </a:ext>
+                      </a:extLst>
+                    </a:gridCol>
+                  </a:tblGrid>
+                  <a:tr h="370840">
+                    <a:tc>
+                      <a:txBody>
+                        <a:bodyPr/>
+                        <a:lstStyle/>
+                        <a:p>
+                          <a:r>
+                            <a:rPr lang="de-DE" dirty="0"/>
+                            <a:t>0. Ebene (</a:t>
+                          </a:r>
+                          <a14:m>
+                            <m:oMath xmlns:m="http://schemas.openxmlformats.org/officeDocument/2006/math">
+                              <m:sSup>
+                                <m:sSupPr>
+                                  <m:ctrlPr>
+                                    <a:rPr lang="de-DE" i="1" smtClean="0">
+                                      <a:latin typeface="Cambria Math" panose="02040503050406030204" pitchFamily="18" charset="0"/>
+                                    </a:rPr>
+                                  </m:ctrlPr>
+                                </m:sSupPr>
+                                <m:e>
+                                  <m:r>
+                                    <a:rPr lang="de-DE" b="1" i="1" smtClean="0">
+                                      <a:latin typeface="Cambria Math" panose="02040503050406030204" pitchFamily="18" charset="0"/>
+                                    </a:rPr>
+                                    <m:t>𝒋</m:t>
+                                  </m:r>
+                                  <m:r>
+                                    <a:rPr lang="de-DE" b="1" i="1" smtClean="0">
+                                      <a:latin typeface="Cambria Math" panose="02040503050406030204" pitchFamily="18" charset="0"/>
+                                    </a:rPr>
+                                    <m:t>=</m:t>
+                                  </m:r>
+                                  <m:r>
+                                    <a:rPr lang="de-DE" b="1" i="1" smtClean="0">
+                                      <a:latin typeface="Cambria Math" panose="02040503050406030204" pitchFamily="18" charset="0"/>
+                                    </a:rPr>
+                                    <m:t>𝟐</m:t>
+                                  </m:r>
+                                </m:e>
+                                <m:sup>
+                                  <m:r>
+                                    <a:rPr lang="de-DE" b="1" i="1" smtClean="0">
+                                      <a:latin typeface="Cambria Math" panose="02040503050406030204" pitchFamily="18" charset="0"/>
+                                    </a:rPr>
+                                    <m:t>𝟎</m:t>
+                                  </m:r>
+                                </m:sup>
+                              </m:sSup>
+                              <m:r>
+                                <a:rPr lang="de-DE" b="1" i="1" smtClean="0">
+                                  <a:latin typeface="Cambria Math" panose="02040503050406030204" pitchFamily="18" charset="0"/>
+                                </a:rPr>
+                                <m:t>)</m:t>
+                              </m:r>
+                            </m:oMath>
+                          </a14:m>
+                          <a:endParaRPr lang="de-DE" dirty="0"/>
+                        </a:p>
+                      </a:txBody>
+                      <a:tcPr/>
+                    </a:tc>
+                    <a:tc>
+                      <a:txBody>
+                        <a:bodyPr/>
+                        <a:lstStyle/>
+                        <a:p>
+                          <a:r>
+                            <a:rPr lang="de-DE" dirty="0"/>
+                            <a:t>0</a:t>
+                          </a:r>
+                        </a:p>
+                      </a:txBody>
+                      <a:tcPr/>
+                    </a:tc>
+                    <a:tc>
+                      <a:txBody>
+                        <a:bodyPr/>
+                        <a:lstStyle/>
+                        <a:p>
+                          <a:r>
+                            <a:rPr lang="de-DE" dirty="0"/>
+                            <a:t>1</a:t>
+                          </a:r>
+                        </a:p>
+                      </a:txBody>
+                      <a:tcPr/>
+                    </a:tc>
+                    <a:tc>
+                      <a:txBody>
+                        <a:bodyPr/>
+                        <a:lstStyle/>
+                        <a:p>
+                          <a:r>
+                            <a:rPr lang="de-DE" dirty="0"/>
+                            <a:t>2</a:t>
+                          </a:r>
+                        </a:p>
+                      </a:txBody>
+                      <a:tcPr/>
+                    </a:tc>
+                    <a:tc>
+                      <a:txBody>
+                        <a:bodyPr/>
+                        <a:lstStyle/>
+                        <a:p>
+                          <a:r>
+                            <a:rPr lang="de-DE" dirty="0"/>
+                            <a:t>3</a:t>
+                          </a:r>
+                        </a:p>
+                      </a:txBody>
+                      <a:tcPr/>
+                    </a:tc>
+                    <a:tc>
+                      <a:txBody>
+                        <a:bodyPr/>
+                        <a:lstStyle/>
+                        <a:p>
+                          <a:r>
+                            <a:rPr lang="de-DE" dirty="0"/>
+                            <a:t>2</a:t>
+                          </a:r>
+                        </a:p>
+                      </a:txBody>
+                      <a:tcPr/>
+                    </a:tc>
+                    <a:tc>
+                      <a:txBody>
+                        <a:bodyPr/>
+                        <a:lstStyle/>
+                        <a:p>
+                          <a:r>
+                            <a:rPr lang="de-DE" dirty="0"/>
+                            <a:t>1</a:t>
+                          </a:r>
+                        </a:p>
+                      </a:txBody>
+                      <a:tcPr/>
+                    </a:tc>
+                    <a:tc>
+                      <a:txBody>
+                        <a:bodyPr/>
+                        <a:lstStyle/>
+                        <a:p>
+                          <a:r>
+                            <a:rPr lang="de-DE" dirty="0"/>
+                            <a:t>0</a:t>
+                          </a:r>
+                        </a:p>
+                      </a:txBody>
+                      <a:tcPr/>
+                    </a:tc>
+                    <a:extLst>
+                      <a:ext uri="{0D108BD9-81ED-4DB2-BD59-A6C34878D82A}">
+                        <a16:rowId xmlns:a16="http://schemas.microsoft.com/office/drawing/2014/main" val="2796447718"/>
+                      </a:ext>
+                    </a:extLst>
+                  </a:tr>
+                  <a:tr h="370840">
+                    <a:tc>
+                      <a:txBody>
+                        <a:bodyPr/>
+                        <a:lstStyle/>
+                        <a:p>
+                          <a:r>
+                            <a:rPr lang="de-DE" dirty="0"/>
+                            <a:t>1. Ebene (</a:t>
+                          </a:r>
+                          <a14:m>
+                            <m:oMath xmlns:m="http://schemas.openxmlformats.org/officeDocument/2006/math">
+                              <m:sSup>
+                                <m:sSupPr>
+                                  <m:ctrlPr>
+                                    <a:rPr lang="de-DE" i="1" smtClean="0">
+                                      <a:latin typeface="Cambria Math" panose="02040503050406030204" pitchFamily="18" charset="0"/>
+                                    </a:rPr>
+                                  </m:ctrlPr>
+                                </m:sSupPr>
+                                <m:e>
+                                  <m:r>
+                                    <a:rPr lang="de-DE" b="1" i="1" smtClean="0">
+                                      <a:latin typeface="Cambria Math" panose="02040503050406030204" pitchFamily="18" charset="0"/>
+                                    </a:rPr>
+                                    <m:t>𝒋</m:t>
+                                  </m:r>
+                                  <m:r>
+                                    <a:rPr lang="de-DE" b="1" i="1" smtClean="0">
+                                      <a:latin typeface="Cambria Math" panose="02040503050406030204" pitchFamily="18" charset="0"/>
+                                    </a:rPr>
+                                    <m:t>=</m:t>
+                                  </m:r>
+                                  <m:r>
+                                    <a:rPr lang="de-DE" b="1" i="1" smtClean="0">
+                                      <a:latin typeface="Cambria Math" panose="02040503050406030204" pitchFamily="18" charset="0"/>
+                                    </a:rPr>
+                                    <m:t>𝟐</m:t>
+                                  </m:r>
+                                </m:e>
+                                <m:sup>
+                                  <m:r>
+                                    <a:rPr lang="de-DE" b="1" i="1" smtClean="0">
+                                      <a:latin typeface="Cambria Math" panose="02040503050406030204" pitchFamily="18" charset="0"/>
+                                    </a:rPr>
+                                    <m:t>𝟏</m:t>
+                                  </m:r>
+                                </m:sup>
+                              </m:sSup>
+                              <m:r>
+                                <a:rPr lang="de-DE" b="1" i="1" smtClean="0">
+                                  <a:latin typeface="Cambria Math" panose="02040503050406030204" pitchFamily="18" charset="0"/>
+                                </a:rPr>
+                                <m:t>)</m:t>
+                              </m:r>
+                            </m:oMath>
+                          </a14:m>
+                          <a:endParaRPr lang="de-DE" dirty="0"/>
+                        </a:p>
+                      </a:txBody>
+                      <a:tcPr/>
+                    </a:tc>
+                    <a:tc>
+                      <a:txBody>
+                        <a:bodyPr/>
+                        <a:lstStyle/>
+                        <a:p>
+                          <a:r>
+                            <a:rPr lang="de-DE" dirty="0"/>
+                            <a:t>0</a:t>
+                          </a:r>
+                        </a:p>
+                      </a:txBody>
+                      <a:tcPr/>
+                    </a:tc>
+                    <a:tc>
+                      <a:txBody>
+                        <a:bodyPr/>
+                        <a:lstStyle/>
+                        <a:p>
+                          <a:r>
+                            <a:rPr lang="de-DE" dirty="0"/>
+                            <a:t>1</a:t>
+                          </a:r>
+                        </a:p>
+                      </a:txBody>
+                      <a:tcPr/>
+                    </a:tc>
+                    <a:tc>
+                      <a:txBody>
+                        <a:bodyPr/>
+                        <a:lstStyle/>
+                        <a:p>
+                          <a:r>
+                            <a:rPr lang="de-DE" dirty="0"/>
+                            <a:t>2</a:t>
+                          </a:r>
+                        </a:p>
+                      </a:txBody>
+                      <a:tcPr/>
+                    </a:tc>
+                    <a:tc>
+                      <a:txBody>
+                        <a:bodyPr/>
+                        <a:lstStyle/>
+                        <a:p>
+                          <a:r>
+                            <a:rPr lang="de-DE" dirty="0"/>
+                            <a:t>4</a:t>
+                          </a:r>
+                        </a:p>
+                      </a:txBody>
+                      <a:tcPr/>
+                    </a:tc>
+                    <a:tc>
+                      <a:txBody>
+                        <a:bodyPr/>
+                        <a:lstStyle/>
+                        <a:p>
+                          <a:r>
+                            <a:rPr lang="de-DE" dirty="0"/>
+                            <a:t>5</a:t>
+                          </a:r>
+                        </a:p>
+                      </a:txBody>
+                      <a:tcPr/>
+                    </a:tc>
+                    <a:tc>
+                      <a:txBody>
+                        <a:bodyPr/>
+                        <a:lstStyle/>
+                        <a:p>
+                          <a:r>
+                            <a:rPr lang="de-DE" dirty="0"/>
+                            <a:t>6</a:t>
+                          </a:r>
+                        </a:p>
+                      </a:txBody>
+                      <a:tcPr/>
+                    </a:tc>
+                    <a:tc>
+                      <a:txBody>
+                        <a:bodyPr/>
+                        <a:lstStyle/>
+                        <a:p>
+                          <a:r>
+                            <a:rPr lang="de-DE" dirty="0"/>
+                            <a:t>-</a:t>
+                          </a:r>
+                        </a:p>
+                      </a:txBody>
+                      <a:tcPr/>
+                    </a:tc>
+                    <a:extLst>
+                      <a:ext uri="{0D108BD9-81ED-4DB2-BD59-A6C34878D82A}">
+                        <a16:rowId xmlns:a16="http://schemas.microsoft.com/office/drawing/2014/main" val="3633383643"/>
+                      </a:ext>
+                    </a:extLst>
+                  </a:tr>
+                  <a:tr h="370840">
+                    <a:tc>
+                      <a:txBody>
+                        <a:bodyPr/>
+                        <a:lstStyle/>
+                        <a:p>
+                          <a:r>
+                            <a:rPr lang="de-DE" dirty="0"/>
+                            <a:t>2. Ebene (</a:t>
+                          </a:r>
+                          <a14:m>
+                            <m:oMath xmlns:m="http://schemas.openxmlformats.org/officeDocument/2006/math">
+                              <m:sSup>
+                                <m:sSupPr>
+                                  <m:ctrlPr>
+                                    <a:rPr lang="de-DE" i="1" smtClean="0">
+                                      <a:latin typeface="Cambria Math" panose="02040503050406030204" pitchFamily="18" charset="0"/>
+                                    </a:rPr>
+                                  </m:ctrlPr>
+                                </m:sSupPr>
+                                <m:e>
+                                  <m:r>
+                                    <a:rPr lang="de-DE" b="1" i="1" smtClean="0">
+                                      <a:latin typeface="Cambria Math" panose="02040503050406030204" pitchFamily="18" charset="0"/>
+                                    </a:rPr>
+                                    <m:t>𝒋</m:t>
+                                  </m:r>
+                                  <m:r>
+                                    <a:rPr lang="de-DE" b="1" i="1" smtClean="0">
+                                      <a:latin typeface="Cambria Math" panose="02040503050406030204" pitchFamily="18" charset="0"/>
+                                    </a:rPr>
+                                    <m:t>=</m:t>
+                                  </m:r>
+                                  <m:r>
+                                    <a:rPr lang="de-DE" b="1" i="1" smtClean="0">
+                                      <a:latin typeface="Cambria Math" panose="02040503050406030204" pitchFamily="18" charset="0"/>
+                                    </a:rPr>
+                                    <m:t>𝟐</m:t>
+                                  </m:r>
+                                </m:e>
+                                <m:sup>
+                                  <m:r>
+                                    <a:rPr lang="de-DE" b="1" i="1" smtClean="0">
+                                      <a:latin typeface="Cambria Math" panose="02040503050406030204" pitchFamily="18" charset="0"/>
+                                    </a:rPr>
+                                    <m:t>𝟐</m:t>
+                                  </m:r>
+                                </m:sup>
+                              </m:sSup>
+                              <m:r>
+                                <a:rPr lang="de-DE" b="1" i="1" smtClean="0">
+                                  <a:latin typeface="Cambria Math" panose="02040503050406030204" pitchFamily="18" charset="0"/>
+                                </a:rPr>
+                                <m:t>)</m:t>
+                              </m:r>
+                            </m:oMath>
+                          </a14:m>
+                          <a:endParaRPr lang="de-DE" dirty="0"/>
+                        </a:p>
+                      </a:txBody>
+                      <a:tcPr/>
+                    </a:tc>
+                    <a:tc>
+                      <a:txBody>
+                        <a:bodyPr/>
+                        <a:lstStyle/>
+                        <a:p>
+                          <a:r>
+                            <a:rPr lang="de-DE" dirty="0"/>
+                            <a:t>0</a:t>
+                          </a:r>
+                        </a:p>
+                      </a:txBody>
+                      <a:tcPr/>
+                    </a:tc>
+                    <a:tc>
+                      <a:txBody>
+                        <a:bodyPr/>
+                        <a:lstStyle/>
+                        <a:p>
+                          <a:r>
+                            <a:rPr lang="de-DE" dirty="0"/>
+                            <a:t>1</a:t>
+                          </a:r>
+                        </a:p>
+                      </a:txBody>
+                      <a:tcPr/>
+                    </a:tc>
+                    <a:tc>
+                      <a:txBody>
+                        <a:bodyPr/>
+                        <a:lstStyle/>
+                        <a:p>
+                          <a:r>
+                            <a:rPr lang="de-DE" dirty="0"/>
+                            <a:t>5</a:t>
+                          </a:r>
+                        </a:p>
+                      </a:txBody>
+                      <a:tcPr/>
+                    </a:tc>
+                    <a:tc>
+                      <a:txBody>
+                        <a:bodyPr/>
+                        <a:lstStyle/>
+                        <a:p>
+                          <a:r>
+                            <a:rPr lang="de-DE" dirty="0"/>
+                            <a:t>6</a:t>
+                          </a:r>
+                        </a:p>
+                      </a:txBody>
+                      <a:tcPr/>
+                    </a:tc>
+                    <a:tc>
+                      <a:txBody>
+                        <a:bodyPr/>
+                        <a:lstStyle/>
+                        <a:p>
+                          <a:r>
+                            <a:rPr lang="de-DE" dirty="0"/>
+                            <a:t>-</a:t>
+                          </a:r>
+                        </a:p>
+                      </a:txBody>
+                      <a:tcPr/>
+                    </a:tc>
+                    <a:tc>
+                      <a:txBody>
+                        <a:bodyPr/>
+                        <a:lstStyle/>
+                        <a:p>
+                          <a:r>
+                            <a:rPr lang="de-DE" dirty="0"/>
+                            <a:t>-</a:t>
+                          </a:r>
+                        </a:p>
+                      </a:txBody>
+                      <a:tcPr/>
+                    </a:tc>
+                    <a:tc>
+                      <a:txBody>
+                        <a:bodyPr/>
+                        <a:lstStyle/>
+                        <a:p>
+                          <a:r>
+                            <a:rPr lang="de-DE" dirty="0"/>
+                            <a:t>-</a:t>
+                          </a:r>
+                        </a:p>
+                      </a:txBody>
+                      <a:tcPr/>
+                    </a:tc>
+                    <a:extLst>
+                      <a:ext uri="{0D108BD9-81ED-4DB2-BD59-A6C34878D82A}">
+                        <a16:rowId xmlns:a16="http://schemas.microsoft.com/office/drawing/2014/main" val="163388640"/>
+                      </a:ext>
+                    </a:extLst>
+                  </a:tr>
+                </a:tbl>
+              </a:graphicData>
+            </a:graphic>
+          </p:graphicFrame>
+        </mc:Choice>
+        <mc:Fallback>
+          <p:graphicFrame>
+            <p:nvGraphicFramePr>
+              <p:cNvPr id="20" name="Tabelle 20">
+                <a:extLst>
+                  <a:ext uri="{FF2B5EF4-FFF2-40B4-BE49-F238E27FC236}">
+                    <a16:creationId xmlns:a16="http://schemas.microsoft.com/office/drawing/2014/main" id="{D2698A9B-EF5F-4CE4-B6EC-F22FB1D5AD95}"/>
+                  </a:ext>
+                </a:extLst>
+              </p:cNvPr>
+              <p:cNvGraphicFramePr>
+                <a:graphicFrameLocks noGrp="1"/>
+              </p:cNvGraphicFramePr>
+              <p:nvPr>
+                <p:extLst>
+                  <p:ext uri="{D42A27DB-BD31-4B8C-83A1-F6EECF244321}">
+                    <p14:modId xmlns:p14="http://schemas.microsoft.com/office/powerpoint/2010/main" val="1018660549"/>
+                  </p:ext>
+                </p:extLst>
+              </p:nvPr>
+            </p:nvGraphicFramePr>
+            <p:xfrm>
+              <a:off x="838200" y="3429000"/>
+              <a:ext cx="6736881" cy="1115760"/>
+            </p:xfrm>
+            <a:graphic>
+              <a:graphicData uri="http://schemas.openxmlformats.org/drawingml/2006/table">
+                <a:tbl>
+                  <a:tblPr firstCol="1" bandRow="1">
+                    <a:tableStyleId>{5C22544A-7EE6-4342-B048-85BDC9FD1C3A}</a:tableStyleId>
+                  </a:tblPr>
+                  <a:tblGrid>
+                    <a:gridCol w="1866498">
+                      <a:extLst>
+                        <a:ext uri="{9D8B030D-6E8A-4147-A177-3AD203B41FA5}">
+                          <a16:colId xmlns:a16="http://schemas.microsoft.com/office/drawing/2014/main" val="1859252653"/>
+                        </a:ext>
+                      </a:extLst>
+                    </a:gridCol>
+                    <a:gridCol w="695769">
+                      <a:extLst>
+                        <a:ext uri="{9D8B030D-6E8A-4147-A177-3AD203B41FA5}">
+                          <a16:colId xmlns:a16="http://schemas.microsoft.com/office/drawing/2014/main" val="4214953322"/>
+                        </a:ext>
+                      </a:extLst>
+                    </a:gridCol>
+                    <a:gridCol w="695769">
+                      <a:extLst>
+                        <a:ext uri="{9D8B030D-6E8A-4147-A177-3AD203B41FA5}">
+                          <a16:colId xmlns:a16="http://schemas.microsoft.com/office/drawing/2014/main" val="3080174367"/>
+                        </a:ext>
+                      </a:extLst>
+                    </a:gridCol>
+                    <a:gridCol w="695769">
+                      <a:extLst>
+                        <a:ext uri="{9D8B030D-6E8A-4147-A177-3AD203B41FA5}">
+                          <a16:colId xmlns:a16="http://schemas.microsoft.com/office/drawing/2014/main" val="3742409096"/>
+                        </a:ext>
+                      </a:extLst>
+                    </a:gridCol>
+                    <a:gridCol w="695769">
+                      <a:extLst>
+                        <a:ext uri="{9D8B030D-6E8A-4147-A177-3AD203B41FA5}">
+                          <a16:colId xmlns:a16="http://schemas.microsoft.com/office/drawing/2014/main" val="4093731267"/>
+                        </a:ext>
+                      </a:extLst>
+                    </a:gridCol>
+                    <a:gridCol w="695769">
+                      <a:extLst>
+                        <a:ext uri="{9D8B030D-6E8A-4147-A177-3AD203B41FA5}">
+                          <a16:colId xmlns:a16="http://schemas.microsoft.com/office/drawing/2014/main" val="3636837685"/>
+                        </a:ext>
+                      </a:extLst>
+                    </a:gridCol>
+                    <a:gridCol w="695769">
+                      <a:extLst>
+                        <a:ext uri="{9D8B030D-6E8A-4147-A177-3AD203B41FA5}">
+                          <a16:colId xmlns:a16="http://schemas.microsoft.com/office/drawing/2014/main" val="1526334492"/>
+                        </a:ext>
+                      </a:extLst>
+                    </a:gridCol>
+                    <a:gridCol w="695769">
+                      <a:extLst>
+                        <a:ext uri="{9D8B030D-6E8A-4147-A177-3AD203B41FA5}">
+                          <a16:colId xmlns:a16="http://schemas.microsoft.com/office/drawing/2014/main" val="266780157"/>
+                        </a:ext>
+                      </a:extLst>
+                    </a:gridCol>
+                  </a:tblGrid>
+                  <a:tr h="371920">
+                    <a:tc>
+                      <a:txBody>
+                        <a:bodyPr/>
+                        <a:lstStyle/>
+                        <a:p>
+                          <a:endParaRPr lang="de-DE"/>
+                        </a:p>
+                      </a:txBody>
+                      <a:tcPr>
+                        <a:blipFill>
+                          <a:blip r:embed="rId2"/>
+                          <a:stretch>
+                            <a:fillRect l="-327" t="-8197" r="-262092" b="-227869"/>
+                          </a:stretch>
+                        </a:blipFill>
+                      </a:tcPr>
+                    </a:tc>
+                    <a:tc>
+                      <a:txBody>
+                        <a:bodyPr/>
+                        <a:lstStyle/>
+                        <a:p>
+                          <a:r>
+                            <a:rPr lang="de-DE" dirty="0"/>
+                            <a:t>0</a:t>
+                          </a:r>
+                        </a:p>
+                      </a:txBody>
+                      <a:tcPr/>
+                    </a:tc>
+                    <a:tc>
+                      <a:txBody>
+                        <a:bodyPr/>
+                        <a:lstStyle/>
+                        <a:p>
+                          <a:r>
+                            <a:rPr lang="de-DE" dirty="0"/>
+                            <a:t>1</a:t>
+                          </a:r>
+                        </a:p>
+                      </a:txBody>
+                      <a:tcPr/>
+                    </a:tc>
+                    <a:tc>
+                      <a:txBody>
+                        <a:bodyPr/>
+                        <a:lstStyle/>
+                        <a:p>
+                          <a:r>
+                            <a:rPr lang="de-DE" dirty="0"/>
+                            <a:t>2</a:t>
+                          </a:r>
+                        </a:p>
+                      </a:txBody>
+                      <a:tcPr/>
+                    </a:tc>
+                    <a:tc>
+                      <a:txBody>
+                        <a:bodyPr/>
+                        <a:lstStyle/>
+                        <a:p>
+                          <a:r>
+                            <a:rPr lang="de-DE" dirty="0"/>
+                            <a:t>3</a:t>
+                          </a:r>
+                        </a:p>
+                      </a:txBody>
+                      <a:tcPr/>
+                    </a:tc>
+                    <a:tc>
+                      <a:txBody>
+                        <a:bodyPr/>
+                        <a:lstStyle/>
+                        <a:p>
+                          <a:r>
+                            <a:rPr lang="de-DE" dirty="0"/>
+                            <a:t>2</a:t>
+                          </a:r>
+                        </a:p>
+                      </a:txBody>
+                      <a:tcPr/>
+                    </a:tc>
+                    <a:tc>
+                      <a:txBody>
+                        <a:bodyPr/>
+                        <a:lstStyle/>
+                        <a:p>
+                          <a:r>
+                            <a:rPr lang="de-DE" dirty="0"/>
+                            <a:t>1</a:t>
+                          </a:r>
+                        </a:p>
+                      </a:txBody>
+                      <a:tcPr/>
+                    </a:tc>
+                    <a:tc>
+                      <a:txBody>
+                        <a:bodyPr/>
+                        <a:lstStyle/>
+                        <a:p>
+                          <a:r>
+                            <a:rPr lang="de-DE" dirty="0"/>
+                            <a:t>0</a:t>
+                          </a:r>
+                        </a:p>
+                      </a:txBody>
+                      <a:tcPr/>
+                    </a:tc>
+                    <a:extLst>
+                      <a:ext uri="{0D108BD9-81ED-4DB2-BD59-A6C34878D82A}">
+                        <a16:rowId xmlns:a16="http://schemas.microsoft.com/office/drawing/2014/main" val="2796447718"/>
+                      </a:ext>
+                    </a:extLst>
+                  </a:tr>
+                  <a:tr h="371920">
+                    <a:tc>
+                      <a:txBody>
+                        <a:bodyPr/>
+                        <a:lstStyle/>
+                        <a:p>
+                          <a:endParaRPr lang="de-DE"/>
+                        </a:p>
+                      </a:txBody>
+                      <a:tcPr>
+                        <a:blipFill>
+                          <a:blip r:embed="rId2"/>
+                          <a:stretch>
+                            <a:fillRect l="-327" t="-106452" r="-262092" b="-124194"/>
+                          </a:stretch>
+                        </a:blipFill>
+                      </a:tcPr>
+                    </a:tc>
+                    <a:tc>
+                      <a:txBody>
+                        <a:bodyPr/>
+                        <a:lstStyle/>
+                        <a:p>
+                          <a:r>
+                            <a:rPr lang="de-DE" dirty="0"/>
+                            <a:t>0</a:t>
+                          </a:r>
+                        </a:p>
+                      </a:txBody>
+                      <a:tcPr/>
+                    </a:tc>
+                    <a:tc>
+                      <a:txBody>
+                        <a:bodyPr/>
+                        <a:lstStyle/>
+                        <a:p>
+                          <a:r>
+                            <a:rPr lang="de-DE" dirty="0"/>
+                            <a:t>1</a:t>
+                          </a:r>
+                        </a:p>
+                      </a:txBody>
+                      <a:tcPr/>
+                    </a:tc>
+                    <a:tc>
+                      <a:txBody>
+                        <a:bodyPr/>
+                        <a:lstStyle/>
+                        <a:p>
+                          <a:r>
+                            <a:rPr lang="de-DE" dirty="0"/>
+                            <a:t>2</a:t>
+                          </a:r>
+                        </a:p>
+                      </a:txBody>
+                      <a:tcPr/>
+                    </a:tc>
+                    <a:tc>
+                      <a:txBody>
+                        <a:bodyPr/>
+                        <a:lstStyle/>
+                        <a:p>
+                          <a:r>
+                            <a:rPr lang="de-DE" dirty="0"/>
+                            <a:t>4</a:t>
+                          </a:r>
+                        </a:p>
+                      </a:txBody>
+                      <a:tcPr/>
+                    </a:tc>
+                    <a:tc>
+                      <a:txBody>
+                        <a:bodyPr/>
+                        <a:lstStyle/>
+                        <a:p>
+                          <a:r>
+                            <a:rPr lang="de-DE" dirty="0"/>
+                            <a:t>5</a:t>
+                          </a:r>
+                        </a:p>
+                      </a:txBody>
+                      <a:tcPr/>
+                    </a:tc>
+                    <a:tc>
+                      <a:txBody>
+                        <a:bodyPr/>
+                        <a:lstStyle/>
+                        <a:p>
+                          <a:r>
+                            <a:rPr lang="de-DE" dirty="0"/>
+                            <a:t>6</a:t>
+                          </a:r>
+                        </a:p>
+                      </a:txBody>
+                      <a:tcPr/>
+                    </a:tc>
+                    <a:tc>
+                      <a:txBody>
+                        <a:bodyPr/>
+                        <a:lstStyle/>
+                        <a:p>
+                          <a:r>
+                            <a:rPr lang="de-DE" dirty="0"/>
+                            <a:t>-</a:t>
+                          </a:r>
+                        </a:p>
+                      </a:txBody>
+                      <a:tcPr/>
+                    </a:tc>
+                    <a:extLst>
+                      <a:ext uri="{0D108BD9-81ED-4DB2-BD59-A6C34878D82A}">
+                        <a16:rowId xmlns:a16="http://schemas.microsoft.com/office/drawing/2014/main" val="3633383643"/>
+                      </a:ext>
+                    </a:extLst>
+                  </a:tr>
+                  <a:tr h="371920">
+                    <a:tc>
+                      <a:txBody>
+                        <a:bodyPr/>
+                        <a:lstStyle/>
+                        <a:p>
+                          <a:endParaRPr lang="de-DE"/>
+                        </a:p>
+                      </a:txBody>
+                      <a:tcPr>
+                        <a:blipFill>
+                          <a:blip r:embed="rId2"/>
+                          <a:stretch>
+                            <a:fillRect l="-327" t="-209836" r="-262092" b="-26230"/>
+                          </a:stretch>
+                        </a:blipFill>
+                      </a:tcPr>
+                    </a:tc>
+                    <a:tc>
+                      <a:txBody>
+                        <a:bodyPr/>
+                        <a:lstStyle/>
+                        <a:p>
+                          <a:r>
+                            <a:rPr lang="de-DE" dirty="0"/>
+                            <a:t>0</a:t>
+                          </a:r>
+                        </a:p>
+                      </a:txBody>
+                      <a:tcPr/>
+                    </a:tc>
+                    <a:tc>
+                      <a:txBody>
+                        <a:bodyPr/>
+                        <a:lstStyle/>
+                        <a:p>
+                          <a:r>
+                            <a:rPr lang="de-DE" dirty="0"/>
+                            <a:t>1</a:t>
+                          </a:r>
+                        </a:p>
+                      </a:txBody>
+                      <a:tcPr/>
+                    </a:tc>
+                    <a:tc>
+                      <a:txBody>
+                        <a:bodyPr/>
+                        <a:lstStyle/>
+                        <a:p>
+                          <a:r>
+                            <a:rPr lang="de-DE" dirty="0"/>
+                            <a:t>5</a:t>
+                          </a:r>
+                        </a:p>
+                      </a:txBody>
+                      <a:tcPr/>
+                    </a:tc>
+                    <a:tc>
+                      <a:txBody>
+                        <a:bodyPr/>
+                        <a:lstStyle/>
+                        <a:p>
+                          <a:r>
+                            <a:rPr lang="de-DE" dirty="0"/>
+                            <a:t>6</a:t>
+                          </a:r>
+                        </a:p>
+                      </a:txBody>
+                      <a:tcPr/>
+                    </a:tc>
+                    <a:tc>
+                      <a:txBody>
+                        <a:bodyPr/>
+                        <a:lstStyle/>
+                        <a:p>
+                          <a:r>
+                            <a:rPr lang="de-DE" dirty="0"/>
+                            <a:t>-</a:t>
+                          </a:r>
+                        </a:p>
+                      </a:txBody>
+                      <a:tcPr/>
+                    </a:tc>
+                    <a:tc>
+                      <a:txBody>
+                        <a:bodyPr/>
+                        <a:lstStyle/>
+                        <a:p>
+                          <a:r>
+                            <a:rPr lang="de-DE" dirty="0"/>
+                            <a:t>-</a:t>
+                          </a:r>
+                        </a:p>
+                      </a:txBody>
+                      <a:tcPr/>
+                    </a:tc>
+                    <a:tc>
+                      <a:txBody>
+                        <a:bodyPr/>
+                        <a:lstStyle/>
+                        <a:p>
+                          <a:r>
+                            <a:rPr lang="de-DE" dirty="0"/>
+                            <a:t>-</a:t>
+                          </a:r>
+                        </a:p>
+                      </a:txBody>
+                      <a:tcPr/>
+                    </a:tc>
+                    <a:extLst>
+                      <a:ext uri="{0D108BD9-81ED-4DB2-BD59-A6C34878D82A}">
+                        <a16:rowId xmlns:a16="http://schemas.microsoft.com/office/drawing/2014/main" val="163388640"/>
+                      </a:ext>
+                    </a:extLst>
+                  </a:tr>
+                </a:tbl>
+              </a:graphicData>
+            </a:graphic>
+          </p:graphicFrame>
+        </mc:Fallback>
+      </mc:AlternateContent>
+      <p:cxnSp>
+        <p:nvCxnSpPr>
+          <p:cNvPr id="23" name="Gerade Verbindung mit Pfeil 22">
+            <a:extLst>
+              <a:ext uri="{FF2B5EF4-FFF2-40B4-BE49-F238E27FC236}">
+                <a16:creationId xmlns:a16="http://schemas.microsoft.com/office/drawing/2014/main" id="{9E12F642-170A-48CD-9F7D-1558C9CCADB3}"/>
+              </a:ext>
+            </a:extLst>
+          </p:cNvPr>
+          <p:cNvCxnSpPr/>
+          <p:nvPr/>
+        </p:nvCxnSpPr>
+        <p:spPr>
+          <a:xfrm>
+            <a:off x="3276600" y="2079057"/>
+            <a:ext cx="1555282" cy="1771048"/>
+          </a:xfrm>
+          <a:prstGeom prst="straightConnector1">
+            <a:avLst/>
+          </a:prstGeom>
+          <a:ln w="28575">
+            <a:solidFill>
+              <a:srgbClr val="FF0000"/>
+            </a:solidFill>
+            <a:tailEnd type="triangle"/>
+          </a:ln>
+        </p:spPr>
+        <p:style>
+          <a:lnRef idx="1">
+            <a:schemeClr val="accent1"/>
+          </a:lnRef>
+          <a:fillRef idx="0">
+            <a:schemeClr val="accent1"/>
+          </a:fillRef>
+          <a:effectRef idx="0">
+            <a:schemeClr val="accent1"/>
+          </a:effectRef>
+          <a:fontRef idx="minor">
+            <a:schemeClr val="tx1"/>
+          </a:fontRef>
+        </p:style>
+      </p:cxnSp>
+    </p:spTree>
+    <p:extLst>
+      <p:ext uri="{BB962C8B-B14F-4D97-AF65-F5344CB8AC3E}">
+        <p14:creationId xmlns:p14="http://schemas.microsoft.com/office/powerpoint/2010/main" val="2876321221"/>
+      </p:ext>
+    </p:extLst>
+  </p:cSld>
+  <p:clrMapOvr>
+    <a:masterClrMapping/>
+  </p:clrMapOvr>
+</p:sld>
+</file>
+
+<file path=ppt/slides/slide12.xml><?xml version="1.0" encoding="utf-8"?>
+<p:sld xmlns:a="http://schemas.openxmlformats.org/drawingml/2006/main" xmlns:r="http://schemas.openxmlformats.org/officeDocument/2006/relationships" xmlns:p="http://schemas.openxmlformats.org/presentationml/2006/main">
+  <p:cSld>
+    <p:spTree>
+      <p:nvGrpSpPr>
+        <p:cNvPr id="1" name=""/>
+        <p:cNvGrpSpPr/>
+        <p:nvPr/>
+      </p:nvGrpSpPr>
+      <p:grpSpPr>
+        <a:xfrm>
+          <a:off x="0" y="0"/>
+          <a:ext cx="0" cy="0"/>
+          <a:chOff x="0" y="0"/>
+          <a:chExt cx="0" cy="0"/>
+        </a:xfrm>
+      </p:grpSpPr>
+      <p:sp>
+        <p:nvSpPr>
+          <p:cNvPr id="2" name="Titel 1">
+            <a:extLst>
+              <a:ext uri="{FF2B5EF4-FFF2-40B4-BE49-F238E27FC236}">
+                <a16:creationId xmlns:a16="http://schemas.microsoft.com/office/drawing/2014/main" id="{6C6BD4A1-AC1A-4D0E-904D-26FEA9C13828}"/>
+              </a:ext>
+            </a:extLst>
+          </p:cNvPr>
+          <p:cNvSpPr>
+            <a:spLocks noGrp="1"/>
+          </p:cNvSpPr>
+          <p:nvPr>
+            <p:ph type="title"/>
+          </p:nvPr>
+        </p:nvSpPr>
+        <p:spPr/>
+        <p:txBody>
+          <a:bodyPr/>
+          <a:lstStyle/>
+          <a:p>
+            <a:r>
+              <a:rPr lang="de-DE" dirty="0" err="1"/>
+              <a:t>Sparse</a:t>
+            </a:r>
+            <a:r>
+              <a:rPr lang="de-DE" dirty="0"/>
+              <a:t> Table - Zugriff</a:t>
+            </a:r>
+          </a:p>
+        </p:txBody>
+      </p:sp>
+      <p:sp>
+        <p:nvSpPr>
+          <p:cNvPr id="3" name="Inhaltsplatzhalter 2">
+            <a:extLst>
+              <a:ext uri="{FF2B5EF4-FFF2-40B4-BE49-F238E27FC236}">
+                <a16:creationId xmlns:a16="http://schemas.microsoft.com/office/drawing/2014/main" id="{3D44E088-3AFF-4E83-B772-603656AB96AB}"/>
+              </a:ext>
+            </a:extLst>
+          </p:cNvPr>
+          <p:cNvSpPr>
+            <a:spLocks noGrp="1"/>
+          </p:cNvSpPr>
+          <p:nvPr>
+            <p:ph idx="1"/>
+          </p:nvPr>
+        </p:nvSpPr>
+        <p:spPr/>
+        <p:txBody>
+          <a:bodyPr/>
+          <a:lstStyle/>
+          <a:p>
+            <a:endParaRPr lang="de-DE"/>
+          </a:p>
+        </p:txBody>
+      </p:sp>
+    </p:spTree>
+    <p:extLst>
+      <p:ext uri="{BB962C8B-B14F-4D97-AF65-F5344CB8AC3E}">
+        <p14:creationId xmlns:p14="http://schemas.microsoft.com/office/powerpoint/2010/main" val="3806909034"/>
+      </p:ext>
+    </p:extLst>
+  </p:cSld>
+  <p:clrMapOvr>
+    <a:masterClrMapping/>
+  </p:clrMapOvr>
+</p:sld>
+</file>
+
 <file path=ppt/slides/slide2.xml><?xml version="1.0" encoding="utf-8"?>
 <p:sld xmlns:a="http://schemas.openxmlformats.org/drawingml/2006/main" xmlns:r="http://schemas.openxmlformats.org/officeDocument/2006/relationships" xmlns:p="http://schemas.openxmlformats.org/presentationml/2006/main">
   <p:cSld>
@@ -3589,7 +6084,7 @@
         </p:blipFill>
         <p:spPr>
           <a:xfrm>
-            <a:off x="7166776" y="18090"/>
+            <a:off x="9409463" y="365125"/>
             <a:ext cx="1860698" cy="1807535"/>
           </a:xfrm>
           <a:prstGeom prst="rect">
@@ -3613,8 +6108,8 @@
         </p:nvSpPr>
         <p:spPr>
           <a:xfrm>
-            <a:off x="838200" y="1825625"/>
-            <a:ext cx="10515600" cy="4351338"/>
+            <a:off x="838200" y="2316513"/>
+            <a:ext cx="10515600" cy="3131386"/>
           </a:xfrm>
           <a:prstGeom prst="rect">
             <a:avLst/>
@@ -4500,7 +6995,7 @@
                 <a14:m>
                   <m:oMath xmlns:m="http://schemas.openxmlformats.org/officeDocument/2006/math">
                     <m:r>
-                      <a:rPr lang="de-DE" b="0" i="1" dirty="0" smtClean="0">
+                      <a:rPr lang="de-DE" sz="2400" b="0" i="1" dirty="0" smtClean="0">
                         <a:latin typeface="Cambria Math" panose="02040503050406030204" pitchFamily="18" charset="0"/>
                       </a:rPr>
                       <m:t>h</m:t>
@@ -4528,7 +7023,7 @@
                 <a14:m>
                   <m:oMath xmlns:m="http://schemas.openxmlformats.org/officeDocument/2006/math">
                     <m:r>
-                      <a:rPr lang="de-DE" b="0" i="1" dirty="0" smtClean="0">
+                      <a:rPr lang="de-DE" sz="2400" b="0" i="1" dirty="0" smtClean="0">
                         <a:latin typeface="Cambria Math" panose="02040503050406030204" pitchFamily="18" charset="0"/>
                       </a:rPr>
                       <m:t>𝑤</m:t>
@@ -4556,13 +7051,13 @@
                 <a14:m>
                   <m:oMath xmlns:m="http://schemas.openxmlformats.org/officeDocument/2006/math">
                     <m:r>
-                      <a:rPr lang="de-DE" b="0" i="1" dirty="0" smtClean="0">
+                      <a:rPr lang="de-DE" sz="2400" b="0" i="1" dirty="0" smtClean="0">
                         <a:latin typeface="Cambria Math" panose="02040503050406030204" pitchFamily="18" charset="0"/>
                       </a:rPr>
                       <m:t>h</m:t>
                     </m:r>
                     <m:r>
-                      <a:rPr lang="de-DE" b="0" i="1" dirty="0" smtClean="0">
+                      <a:rPr lang="de-DE" sz="2400" b="0" i="1" dirty="0" smtClean="0">
                         <a:latin typeface="Cambria Math" panose="02040503050406030204" pitchFamily="18" charset="0"/>
                       </a:rPr>
                       <m:t>+1</m:t>
@@ -4570,7 +7065,7 @@
                   </m:oMath>
                 </a14:m>
                 <a:r>
-                  <a:rPr lang="de-DE" dirty="0">
+                  <a:rPr lang="de-DE" sz="2400" dirty="0">
                     <a:latin typeface="+mj-lt"/>
                   </a:rPr>
                   <a:t> </a:t>
@@ -4590,19 +7085,19 @@
                 <a14:m>
                   <m:oMath xmlns:m="http://schemas.openxmlformats.org/officeDocument/2006/math">
                     <m:r>
-                      <a:rPr lang="de-DE" b="0" i="1" dirty="0" smtClean="0">
+                      <a:rPr lang="de-DE" sz="2400" b="0" i="1" dirty="0" smtClean="0">
                         <a:latin typeface="Cambria Math" panose="02040503050406030204" pitchFamily="18" charset="0"/>
                       </a:rPr>
                       <m:t>2∗</m:t>
                     </m:r>
                     <m:r>
-                      <a:rPr lang="de-DE" b="0" i="1" dirty="0" smtClean="0">
+                      <a:rPr lang="de-DE" sz="2400" b="0" i="1" dirty="0" smtClean="0">
                         <a:latin typeface="Cambria Math" panose="02040503050406030204" pitchFamily="18" charset="0"/>
                       </a:rPr>
                       <m:t>𝑤</m:t>
                     </m:r>
                     <m:r>
-                      <a:rPr lang="de-DE" b="0" i="1" dirty="0" smtClean="0">
+                      <a:rPr lang="de-DE" sz="2400" b="0" i="1" dirty="0" smtClean="0">
                         <a:latin typeface="Cambria Math" panose="02040503050406030204" pitchFamily="18" charset="0"/>
                       </a:rPr>
                       <m:t> + 1 </m:t>
@@ -4639,13 +7134,13 @@
                 <a14:m>
                   <m:oMath xmlns:m="http://schemas.openxmlformats.org/officeDocument/2006/math">
                     <m:r>
-                      <a:rPr lang="de-DE" i="1" dirty="0" smtClean="0">
+                      <a:rPr lang="de-DE" sz="2400" i="1" dirty="0" smtClean="0">
                         <a:latin typeface="Cambria Math" panose="02040503050406030204" pitchFamily="18" charset="0"/>
                       </a:rPr>
                       <m:t>h</m:t>
                     </m:r>
                     <m:r>
-                      <a:rPr lang="de-DE" i="1" dirty="0" smtClean="0">
+                      <a:rPr lang="de-DE" sz="2400" i="1" dirty="0" smtClean="0">
                         <a:latin typeface="Cambria Math" panose="02040503050406030204" pitchFamily="18" charset="0"/>
                       </a:rPr>
                       <m:t>+3</m:t>
@@ -4656,7 +7151,7 @@
                   <a:rPr lang="de-DE" dirty="0">
                     <a:latin typeface="+mj-lt"/>
                   </a:rPr>
-                  <a:t>‘te Zeile gibt die </a:t>
+                  <a:t>-te Zeile gibt die </a:t>
                 </a:r>
                 <a:r>
                   <a:rPr lang="de-DE" b="1" dirty="0">
@@ -4673,7 +7168,7 @@
                 <a14:m>
                   <m:oMath xmlns:m="http://schemas.openxmlformats.org/officeDocument/2006/math">
                     <m:r>
-                      <a:rPr lang="de-DE" i="1" dirty="0" smtClean="0">
+                      <a:rPr lang="de-DE" sz="2400" i="1" dirty="0" smtClean="0">
                         <a:latin typeface="Cambria Math" panose="02040503050406030204" pitchFamily="18" charset="0"/>
                       </a:rPr>
                       <m:t>𝑚</m:t>
@@ -4725,19 +7220,19 @@
                 <a14:m>
                   <m:oMath xmlns:m="http://schemas.openxmlformats.org/officeDocument/2006/math">
                     <m:r>
-                      <a:rPr lang="de-DE" b="0" i="1" dirty="0" smtClean="0">
+                      <a:rPr lang="de-DE" sz="2400" b="0" i="1" dirty="0" smtClean="0">
                         <a:latin typeface="Cambria Math" panose="02040503050406030204" pitchFamily="18" charset="0"/>
                       </a:rPr>
                       <m:t>𝑦</m:t>
                     </m:r>
                     <m:r>
-                      <a:rPr lang="de-DE" b="0" i="1" dirty="0" smtClean="0">
+                      <a:rPr lang="de-DE" sz="2400" b="0" i="1" dirty="0" smtClean="0">
                         <a:latin typeface="Cambria Math" panose="02040503050406030204" pitchFamily="18" charset="0"/>
                       </a:rPr>
                       <m:t> </m:t>
                     </m:r>
                     <m:r>
-                      <a:rPr lang="de-DE" b="0" i="1" dirty="0" smtClean="0">
+                      <a:rPr lang="de-DE" sz="2400" b="0" i="1" dirty="0" smtClean="0">
                         <a:latin typeface="Cambria Math" panose="02040503050406030204" pitchFamily="18" charset="0"/>
                       </a:rPr>
                       <m:t>𝑥</m:t>
@@ -4772,69 +7267,69 @@
                     </m:oMathParaPr>
                     <m:oMath xmlns:m="http://schemas.openxmlformats.org/officeDocument/2006/math">
                       <m:r>
-                        <a:rPr lang="de-DE" b="0" i="1" smtClean="0">
+                        <a:rPr lang="de-DE" sz="2400" b="0" i="1" smtClean="0">
                           <a:latin typeface="Cambria Math" panose="02040503050406030204" pitchFamily="18" charset="0"/>
                         </a:rPr>
                         <m:t>2</m:t>
                       </m:r>
                       <m:r>
-                        <a:rPr lang="de-DE" b="0" i="1" smtClean="0">
+                        <a:rPr lang="de-DE" sz="2400" b="0" i="1" smtClean="0">
                           <a:latin typeface="Cambria Math" panose="02040503050406030204" pitchFamily="18" charset="0"/>
                           <a:ea typeface="Cambria Math" panose="02040503050406030204" pitchFamily="18" charset="0"/>
                         </a:rPr>
                         <m:t>≤</m:t>
                       </m:r>
                       <m:r>
-                        <a:rPr lang="de-DE" b="0" i="1" smtClean="0">
+                        <a:rPr lang="de-DE" sz="2400" b="0" i="1" smtClean="0">
                           <a:latin typeface="Cambria Math" panose="02040503050406030204" pitchFamily="18" charset="0"/>
                           <a:ea typeface="Cambria Math" panose="02040503050406030204" pitchFamily="18" charset="0"/>
                         </a:rPr>
                         <m:t>h</m:t>
                       </m:r>
                       <m:r>
-                        <a:rPr lang="de-DE" b="0" i="1" smtClean="0">
+                        <a:rPr lang="de-DE" sz="2400" b="0" i="1" smtClean="0">
                           <a:latin typeface="Cambria Math" panose="02040503050406030204" pitchFamily="18" charset="0"/>
                           <a:ea typeface="Cambria Math" panose="02040503050406030204" pitchFamily="18" charset="0"/>
                         </a:rPr>
                         <m:t>,</m:t>
                       </m:r>
                       <m:r>
-                        <a:rPr lang="de-DE" b="0" i="1" smtClean="0">
+                        <a:rPr lang="de-DE" sz="2400" b="0" i="1" smtClean="0">
                           <a:latin typeface="Cambria Math" panose="02040503050406030204" pitchFamily="18" charset="0"/>
                           <a:ea typeface="Cambria Math" panose="02040503050406030204" pitchFamily="18" charset="0"/>
                         </a:rPr>
                         <m:t>𝑤</m:t>
                       </m:r>
                       <m:r>
-                        <a:rPr lang="de-DE" b="0" i="1" smtClean="0">
+                        <a:rPr lang="de-DE" sz="2400" b="0" i="1" smtClean="0">
                           <a:latin typeface="Cambria Math" panose="02040503050406030204" pitchFamily="18" charset="0"/>
                           <a:ea typeface="Cambria Math" panose="02040503050406030204" pitchFamily="18" charset="0"/>
                         </a:rPr>
                         <m:t>≤1.000 </m:t>
                       </m:r>
                       <m:r>
-                        <a:rPr lang="de-DE" b="0" i="1" smtClean="0">
+                        <a:rPr lang="de-DE" sz="2400" b="0" i="1" smtClean="0">
                           <a:latin typeface="Cambria Math" panose="02040503050406030204" pitchFamily="18" charset="0"/>
                           <a:ea typeface="Cambria Math" panose="02040503050406030204" pitchFamily="18" charset="0"/>
                         </a:rPr>
                         <m:t>𝑢𝑛𝑑</m:t>
                       </m:r>
                       <m:r>
-                        <a:rPr lang="de-DE" b="0" i="1" smtClean="0">
+                        <a:rPr lang="de-DE" sz="2400" b="0" i="1" smtClean="0">
                           <a:latin typeface="Cambria Math" panose="02040503050406030204" pitchFamily="18" charset="0"/>
                           <a:ea typeface="Cambria Math" panose="02040503050406030204" pitchFamily="18" charset="0"/>
                         </a:rPr>
                         <m:t> 2≤</m:t>
                       </m:r>
                       <m:r>
-                        <a:rPr lang="de-DE" b="0" i="1" smtClean="0">
+                        <a:rPr lang="de-DE" sz="2400" b="0" i="1" smtClean="0">
                           <a:latin typeface="Cambria Math" panose="02040503050406030204" pitchFamily="18" charset="0"/>
                           <a:ea typeface="Cambria Math" panose="02040503050406030204" pitchFamily="18" charset="0"/>
                         </a:rPr>
                         <m:t>𝑚</m:t>
                       </m:r>
                       <m:r>
-                        <a:rPr lang="de-DE" b="0" i="1" smtClean="0">
+                        <a:rPr lang="de-DE" sz="2400" b="0" i="1" smtClean="0">
                           <a:latin typeface="Cambria Math" panose="02040503050406030204" pitchFamily="18" charset="0"/>
                           <a:ea typeface="Cambria Math" panose="02040503050406030204" pitchFamily="18" charset="0"/>
                         </a:rPr>
@@ -4843,7 +7338,7 @@
                       <m:sSup>
                         <m:sSupPr>
                           <m:ctrlPr>
-                            <a:rPr lang="de-DE" b="0" i="1" smtClean="0">
+                            <a:rPr lang="de-DE" sz="2400" b="0" i="1" smtClean="0">
                               <a:latin typeface="Cambria Math" panose="02040503050406030204" pitchFamily="18" charset="0"/>
                               <a:ea typeface="Cambria Math" panose="02040503050406030204" pitchFamily="18" charset="0"/>
                             </a:rPr>
@@ -4851,7 +7346,7 @@
                         </m:sSupPr>
                         <m:e>
                           <m:r>
-                            <a:rPr lang="de-DE" b="0" i="1" smtClean="0">
+                            <a:rPr lang="de-DE" sz="2400" b="0" i="1" smtClean="0">
                               <a:latin typeface="Cambria Math" panose="02040503050406030204" pitchFamily="18" charset="0"/>
                               <a:ea typeface="Cambria Math" panose="02040503050406030204" pitchFamily="18" charset="0"/>
                             </a:rPr>
@@ -4860,7 +7355,7 @@
                         </m:e>
                         <m:sup>
                           <m:r>
-                            <a:rPr lang="de-DE" b="0" i="1" smtClean="0">
+                            <a:rPr lang="de-DE" sz="2400" b="0" i="1" smtClean="0">
                               <a:latin typeface="Cambria Math" panose="02040503050406030204" pitchFamily="18" charset="0"/>
                               <a:ea typeface="Cambria Math" panose="02040503050406030204" pitchFamily="18" charset="0"/>
                             </a:rPr>
@@ -4869,7 +7364,7 @@
                         </m:sup>
                       </m:sSup>
                       <m:r>
-                        <a:rPr lang="de-DE" b="0" i="1" smtClean="0">
+                        <a:rPr lang="de-DE" sz="2400" b="0" i="1" smtClean="0">
                           <a:latin typeface="Cambria Math" panose="02040503050406030204" pitchFamily="18" charset="0"/>
                           <a:ea typeface="Cambria Math" panose="02040503050406030204" pitchFamily="18" charset="0"/>
                         </a:rPr>
@@ -4878,7 +7373,7 @@
                     </m:oMath>
                   </m:oMathPara>
                 </a14:m>
-                <a:endParaRPr lang="de-DE" dirty="0">
+                <a:endParaRPr lang="de-DE" sz="2400" dirty="0">
                   <a:latin typeface="+mj-lt"/>
                 </a:endParaRPr>
               </a:p>
@@ -4911,7 +7406,7 @@
               <a:blipFill>
                 <a:blip r:embed="rId2"/>
                 <a:stretch>
-                  <a:fillRect l="-1451" t="-2381" r="-622"/>
+                  <a:fillRect l="-1451" t="-2381" r="-1797"/>
                 </a:stretch>
               </a:blipFill>
             </p:spPr>
@@ -5120,7 +7615,7 @@
                 <a14:m>
                   <m:oMath xmlns:m="http://schemas.openxmlformats.org/officeDocument/2006/math">
                     <m:r>
-                      <a:rPr lang="de-DE" i="1" dirty="0" smtClean="0">
+                      <a:rPr lang="de-DE" sz="2400" i="1" dirty="0" smtClean="0">
                         <a:latin typeface="Cambria Math" panose="02040503050406030204" pitchFamily="18" charset="0"/>
                       </a:rPr>
                       <m:t>𝑚</m:t>
@@ -5142,12 +7637,18 @@
                   <a:rPr lang="de-DE" dirty="0">
                     <a:latin typeface="+mj-lt"/>
                   </a:rPr>
-                  <a:t>Als nächstes durch das Pfad Array laufen und für jedes Knotenpaar      (</a:t>
+                  <a:t>Als nächstes durch das Pfad Array laufen und für jedes Knotenpaar        </a:t>
+                </a:r>
+                <a:r>
+                  <a:rPr lang="de-DE" sz="2400" dirty="0">
+                    <a:latin typeface="+mj-lt"/>
+                  </a:rPr>
+                  <a:t>(</a:t>
                 </a:r>
                 <a14:m>
                   <m:oMath xmlns:m="http://schemas.openxmlformats.org/officeDocument/2006/math">
                     <m:r>
-                      <a:rPr lang="de-DE" i="1" dirty="0" smtClean="0">
+                      <a:rPr lang="de-DE" sz="2400" i="1" dirty="0" smtClean="0">
                         <a:latin typeface="Cambria Math" panose="02040503050406030204" pitchFamily="18" charset="0"/>
                       </a:rPr>
                       <m:t>𝑖</m:t>
@@ -5155,7 +7656,7 @@
                   </m:oMath>
                 </a14:m>
                 <a:r>
-                  <a:rPr lang="de-DE" dirty="0">
+                  <a:rPr lang="de-DE" sz="2400" dirty="0">
                     <a:latin typeface="+mj-lt"/>
                   </a:rPr>
                   <a:t>, </a:t>
@@ -5163,13 +7664,13 @@
                 <a14:m>
                   <m:oMath xmlns:m="http://schemas.openxmlformats.org/officeDocument/2006/math">
                     <m:r>
-                      <a:rPr lang="de-DE" i="1" dirty="0" smtClean="0">
+                      <a:rPr lang="de-DE" sz="2400" i="1" dirty="0" smtClean="0">
                         <a:latin typeface="Cambria Math" panose="02040503050406030204" pitchFamily="18" charset="0"/>
                       </a:rPr>
                       <m:t>𝑖</m:t>
                     </m:r>
                     <m:r>
-                      <a:rPr lang="de-DE" i="1" dirty="0" smtClean="0">
+                      <a:rPr lang="de-DE" sz="2400" i="1" dirty="0" smtClean="0">
                         <a:latin typeface="Cambria Math" panose="02040503050406030204" pitchFamily="18" charset="0"/>
                       </a:rPr>
                       <m:t>+1</m:t>
@@ -5177,48 +7678,54 @@
                   </m:oMath>
                 </a14:m>
                 <a:r>
+                  <a:rPr lang="de-DE" sz="2400" dirty="0">
+                    <a:latin typeface="+mj-lt"/>
+                  </a:rPr>
+                  <a:t>) </a:t>
+                </a:r>
+                <a:r>
                   <a:rPr lang="de-DE" dirty="0">
                     <a:latin typeface="+mj-lt"/>
                   </a:rPr>
-                  <a:t>) mit </a:t>
+                  <a:t>mit </a:t>
                 </a:r>
                 <a14:m>
                   <m:oMath xmlns:m="http://schemas.openxmlformats.org/officeDocument/2006/math">
                     <m:r>
-                      <a:rPr lang="de-DE" b="0" i="0" smtClean="0">
+                      <a:rPr lang="de-DE" sz="2400" b="0" i="0" smtClean="0">
                         <a:latin typeface="Cambria Math" panose="02040503050406030204" pitchFamily="18" charset="0"/>
                         <a:ea typeface="Cambria Math" panose="02040503050406030204" pitchFamily="18" charset="0"/>
                       </a:rPr>
                       <m:t>0</m:t>
                     </m:r>
                     <m:r>
-                      <a:rPr lang="de-DE" b="0" i="1" smtClean="0">
+                      <a:rPr lang="de-DE" sz="2400" b="0" i="1" smtClean="0">
                         <a:latin typeface="Cambria Math" panose="02040503050406030204" pitchFamily="18" charset="0"/>
                         <a:ea typeface="Cambria Math" panose="02040503050406030204" pitchFamily="18" charset="0"/>
                       </a:rPr>
                       <m:t>≤</m:t>
                     </m:r>
                     <m:r>
-                      <a:rPr lang="de-DE" b="0" i="1" smtClean="0">
+                      <a:rPr lang="de-DE" sz="2400" b="0" i="1" smtClean="0">
                         <a:latin typeface="Cambria Math" panose="02040503050406030204" pitchFamily="18" charset="0"/>
                       </a:rPr>
                       <m:t>𝑖</m:t>
                     </m:r>
                     <m:r>
-                      <a:rPr lang="de-DE" b="0" i="1" smtClean="0">
+                      <a:rPr lang="de-DE" sz="2400" b="0" i="1" smtClean="0">
                         <a:latin typeface="Cambria Math" panose="02040503050406030204" pitchFamily="18" charset="0"/>
                       </a:rPr>
                       <m:t> ≤</m:t>
                     </m:r>
                     <m:r>
-                      <a:rPr lang="de-DE" b="0" i="1" smtClean="0">
+                      <a:rPr lang="de-DE" sz="2400" b="0" i="1" smtClean="0">
                         <a:latin typeface="Cambria Math" panose="02040503050406030204" pitchFamily="18" charset="0"/>
                         <a:ea typeface="Cambria Math" panose="02040503050406030204" pitchFamily="18" charset="0"/>
                       </a:rPr>
                       <m:t>𝑚</m:t>
                     </m:r>
                     <m:r>
-                      <a:rPr lang="de-DE" b="0" i="1" smtClean="0">
+                      <a:rPr lang="de-DE" sz="2400" b="0" i="1" smtClean="0">
                         <a:latin typeface="Cambria Math" panose="02040503050406030204" pitchFamily="18" charset="0"/>
                         <a:ea typeface="Cambria Math" panose="02040503050406030204" pitchFamily="18" charset="0"/>
                       </a:rPr>
@@ -5227,10 +7734,16 @@
                   </m:oMath>
                 </a14:m>
                 <a:r>
+                  <a:rPr lang="de-DE" sz="2400" dirty="0">
+                    <a:latin typeface="+mj-lt"/>
+                  </a:rPr>
+                  <a:t> </a:t>
+                </a:r>
+                <a:r>
                   <a:rPr lang="de-DE" dirty="0">
                     <a:latin typeface="+mj-lt"/>
                   </a:rPr>
-                  <a:t> den kürzesten Weg berechnen.</a:t>
+                  <a:t>den kürzesten Weg berechnen.</a:t>
                 </a:r>
               </a:p>
               <a:p>
@@ -5244,13 +7757,13 @@
                     </m:oMathParaPr>
                     <m:oMath xmlns:m="http://schemas.openxmlformats.org/officeDocument/2006/math">
                       <m:r>
-                        <a:rPr lang="de-DE" b="0" i="1" smtClean="0">
+                        <a:rPr lang="de-DE" sz="2400" b="0" i="1" smtClean="0">
                           <a:latin typeface="Cambria Math" panose="02040503050406030204" pitchFamily="18" charset="0"/>
                         </a:rPr>
                         <m:t>⇒</m:t>
                       </m:r>
                       <m:r>
-                        <a:rPr lang="de-DE" b="0" i="1" smtClean="0">
+                        <a:rPr lang="de-DE" sz="2400" b="0" i="1" smtClean="0">
                           <a:latin typeface="Cambria Math" panose="02040503050406030204" pitchFamily="18" charset="0"/>
                         </a:rPr>
                         <m:t>𝑂</m:t>
@@ -5258,14 +7771,14 @@
                       <m:d>
                         <m:dPr>
                           <m:ctrlPr>
-                            <a:rPr lang="de-DE" b="0" i="1" smtClean="0">
+                            <a:rPr lang="de-DE" sz="2400" b="0" i="1" smtClean="0">
                               <a:latin typeface="Cambria Math" panose="02040503050406030204" pitchFamily="18" charset="0"/>
                             </a:rPr>
                           </m:ctrlPr>
                         </m:dPr>
                         <m:e>
                           <m:r>
-                            <a:rPr lang="de-DE" b="0" i="1" smtClean="0">
+                            <a:rPr lang="de-DE" sz="2400" b="0" i="1" smtClean="0">
                               <a:latin typeface="Cambria Math" panose="02040503050406030204" pitchFamily="18" charset="0"/>
                             </a:rPr>
                             <m:t>𝑚</m:t>
@@ -5273,13 +7786,13 @@
                         </m:e>
                       </m:d>
                       <m:r>
-                        <a:rPr lang="de-DE" b="0" i="1" smtClean="0">
+                        <a:rPr lang="de-DE" sz="2400" b="0" i="1" smtClean="0">
                           <a:latin typeface="Cambria Math" panose="02040503050406030204" pitchFamily="18" charset="0"/>
                         </a:rPr>
                         <m:t>∗</m:t>
                       </m:r>
                       <m:r>
-                        <a:rPr lang="de-DE" b="0" i="1" smtClean="0">
+                        <a:rPr lang="de-DE" sz="2400" b="0" i="1" smtClean="0">
                           <a:latin typeface="Cambria Math" panose="02040503050406030204" pitchFamily="18" charset="0"/>
                         </a:rPr>
                         <m:t>𝐵𝑒𝑠𝑡𝑖𝑚𝑚𝑒𝑛</m:t>
@@ -5287,7 +7800,7 @@
                     </m:oMath>
                   </m:oMathPara>
                 </a14:m>
-                <a:endParaRPr lang="de-DE" dirty="0">
+                <a:endParaRPr lang="de-DE" sz="2400" dirty="0">
                   <a:latin typeface="+mj-lt"/>
                 </a:endParaRPr>
               </a:p>
@@ -5304,13 +7817,13 @@
                 <a14:m>
                   <m:oMath xmlns:m="http://schemas.openxmlformats.org/officeDocument/2006/math">
                     <m:r>
-                      <a:rPr lang="de-DE" b="0" i="1" smtClean="0">
+                      <a:rPr lang="de-DE" sz="2400" b="0" i="1" smtClean="0">
                         <a:latin typeface="Cambria Math" panose="02040503050406030204" pitchFamily="18" charset="0"/>
                       </a:rPr>
                       <m:t>⇒</m:t>
                     </m:r>
                     <m:r>
-                      <a:rPr lang="de-DE" b="0" i="1" smtClean="0">
+                      <a:rPr lang="de-DE" sz="2400" b="0" i="1" smtClean="0">
                         <a:latin typeface="Cambria Math" panose="02040503050406030204" pitchFamily="18" charset="0"/>
                       </a:rPr>
                       <m:t>𝑂</m:t>
@@ -5318,7 +7831,7 @@
                     <m:d>
                       <m:dPr>
                         <m:ctrlPr>
-                          <a:rPr lang="de-DE" b="0" i="1" smtClean="0">
+                          <a:rPr lang="de-DE" sz="2400" b="0" i="1" smtClean="0">
                             <a:latin typeface="Cambria Math" panose="02040503050406030204" pitchFamily="18" charset="0"/>
                           </a:rPr>
                         </m:ctrlPr>
@@ -5329,14 +7842,14 @@
                             <m:begChr m:val="|"/>
                             <m:endChr m:val="|"/>
                             <m:ctrlPr>
-                              <a:rPr lang="de-DE" b="0" i="1" smtClean="0">
+                              <a:rPr lang="de-DE" sz="2400" b="0" i="1" smtClean="0">
                                 <a:latin typeface="Cambria Math" panose="02040503050406030204" pitchFamily="18" charset="0"/>
                               </a:rPr>
                             </m:ctrlPr>
                           </m:dPr>
                           <m:e>
                             <m:r>
-                              <a:rPr lang="de-DE" b="0" i="1" smtClean="0">
+                              <a:rPr lang="de-DE" sz="2400" b="0" i="1" smtClean="0">
                                 <a:latin typeface="Cambria Math" panose="02040503050406030204" pitchFamily="18" charset="0"/>
                               </a:rPr>
                               <m:t>𝐸</m:t>
@@ -5344,7 +7857,7 @@
                           </m:e>
                         </m:d>
                         <m:r>
-                          <a:rPr lang="de-DE" b="0" i="1" smtClean="0">
+                          <a:rPr lang="de-DE" sz="2400" b="0" i="1" smtClean="0">
                             <a:latin typeface="Cambria Math" panose="02040503050406030204" pitchFamily="18" charset="0"/>
                           </a:rPr>
                           <m:t>+</m:t>
@@ -5354,14 +7867,14 @@
                             <m:begChr m:val="|"/>
                             <m:endChr m:val="|"/>
                             <m:ctrlPr>
-                              <a:rPr lang="de-DE" b="0" i="1" smtClean="0">
+                              <a:rPr lang="de-DE" sz="2400" b="0" i="1" smtClean="0">
                                 <a:latin typeface="Cambria Math" panose="02040503050406030204" pitchFamily="18" charset="0"/>
                               </a:rPr>
                             </m:ctrlPr>
                           </m:dPr>
                           <m:e>
                             <m:r>
-                              <a:rPr lang="de-DE" b="0" i="1" smtClean="0">
+                              <a:rPr lang="de-DE" sz="2400" b="0" i="1" smtClean="0">
                                 <a:latin typeface="Cambria Math" panose="02040503050406030204" pitchFamily="18" charset="0"/>
                               </a:rPr>
                               <m:t>𝑉</m:t>
@@ -5369,7 +7882,7 @@
                           </m:e>
                         </m:d>
                         <m:r>
-                          <a:rPr lang="de-DE" b="0" i="1" smtClean="0">
+                          <a:rPr lang="de-DE" sz="2400" b="0" i="1" smtClean="0">
                             <a:latin typeface="Cambria Math" panose="02040503050406030204" pitchFamily="18" charset="0"/>
                           </a:rPr>
                           <m:t>∗</m:t>
@@ -5377,7 +7890,7 @@
                         <m:func>
                           <m:funcPr>
                             <m:ctrlPr>
-                              <a:rPr lang="de-DE" b="0" i="1" smtClean="0">
+                              <a:rPr lang="de-DE" sz="2400" b="0" i="1" smtClean="0">
                                 <a:latin typeface="Cambria Math" panose="02040503050406030204" pitchFamily="18" charset="0"/>
                               </a:rPr>
                             </m:ctrlPr>
@@ -5387,7 +7900,7 @@
                               <m:rPr>
                                 <m:sty m:val="p"/>
                               </m:rPr>
-                              <a:rPr lang="de-DE" b="0" i="0" smtClean="0">
+                              <a:rPr lang="de-DE" sz="2400" b="0" i="0" smtClean="0">
                                 <a:latin typeface="Cambria Math" panose="02040503050406030204" pitchFamily="18" charset="0"/>
                               </a:rPr>
                               <m:t>log</m:t>
@@ -5397,7 +7910,7 @@
                             <m:d>
                               <m:dPr>
                                 <m:ctrlPr>
-                                  <a:rPr lang="de-DE" b="0" i="1" smtClean="0">
+                                  <a:rPr lang="de-DE" sz="2400" b="0" i="1" smtClean="0">
                                     <a:latin typeface="Cambria Math" panose="02040503050406030204" pitchFamily="18" charset="0"/>
                                   </a:rPr>
                                 </m:ctrlPr>
@@ -5408,14 +7921,14 @@
                                     <m:begChr m:val="|"/>
                                     <m:endChr m:val="|"/>
                                     <m:ctrlPr>
-                                      <a:rPr lang="de-DE" b="0" i="1" smtClean="0">
+                                      <a:rPr lang="de-DE" sz="2400" b="0" i="1" smtClean="0">
                                         <a:latin typeface="Cambria Math" panose="02040503050406030204" pitchFamily="18" charset="0"/>
                                       </a:rPr>
                                     </m:ctrlPr>
                                   </m:dPr>
                                   <m:e>
                                     <m:r>
-                                      <a:rPr lang="de-DE" b="0" i="1" smtClean="0">
+                                      <a:rPr lang="de-DE" sz="2400" b="0" i="1" smtClean="0">
                                         <a:latin typeface="Cambria Math" panose="02040503050406030204" pitchFamily="18" charset="0"/>
                                       </a:rPr>
                                       <m:t>𝑉</m:t>
@@ -5469,7 +7982,7 @@
               <a:blipFill>
                 <a:blip r:embed="rId2"/>
                 <a:stretch>
-                  <a:fillRect l="-1217" t="-2241" r="-986"/>
+                  <a:fillRect l="-1217" t="-2241"/>
                 </a:stretch>
               </a:blipFill>
             </p:spPr>
@@ -5583,13 +8096,13 @@
                 <a14:m>
                   <m:oMath xmlns:m="http://schemas.openxmlformats.org/officeDocument/2006/math">
                     <m:r>
-                      <a:rPr lang="de-DE" b="0" i="0" smtClean="0">
+                      <a:rPr lang="de-DE" sz="2400" b="0" i="0" smtClean="0">
                         <a:latin typeface="Cambria Math" panose="02040503050406030204" pitchFamily="18" charset="0"/>
                       </a:rPr>
                       <m:t>⇒</m:t>
                     </m:r>
                     <m:r>
-                      <a:rPr lang="de-DE" b="0" i="1" smtClean="0">
+                      <a:rPr lang="de-DE" sz="2400" b="0" i="1" smtClean="0">
                         <a:latin typeface="Cambria Math" panose="02040503050406030204" pitchFamily="18" charset="0"/>
                       </a:rPr>
                       <m:t>𝑂</m:t>
@@ -5597,14 +8110,14 @@
                     <m:d>
                       <m:dPr>
                         <m:ctrlPr>
-                          <a:rPr lang="de-DE" b="0" i="1" smtClean="0">
+                          <a:rPr lang="de-DE" sz="2400" b="0" i="1" smtClean="0">
                             <a:latin typeface="Cambria Math" panose="02040503050406030204" pitchFamily="18" charset="0"/>
                           </a:rPr>
                         </m:ctrlPr>
                       </m:dPr>
                       <m:e>
                         <m:r>
-                          <a:rPr lang="de-DE" b="0" i="1" smtClean="0">
+                          <a:rPr lang="de-DE" sz="2400" b="0" i="1" smtClean="0">
                             <a:latin typeface="Cambria Math" panose="02040503050406030204" pitchFamily="18" charset="0"/>
                           </a:rPr>
                           <m:t>𝑚</m:t>
@@ -5612,13 +8125,13 @@
                       </m:e>
                     </m:d>
                     <m:r>
-                      <a:rPr lang="de-DE" b="0" i="1" smtClean="0">
+                      <a:rPr lang="de-DE" sz="2400" b="0" i="1" smtClean="0">
                         <a:latin typeface="Cambria Math" panose="02040503050406030204" pitchFamily="18" charset="0"/>
                       </a:rPr>
                       <m:t>∗</m:t>
                     </m:r>
                     <m:r>
-                      <a:rPr lang="de-DE" b="0" i="1" smtClean="0">
+                      <a:rPr lang="de-DE" sz="2400" b="0" i="1" smtClean="0">
                         <a:latin typeface="Cambria Math" panose="02040503050406030204" pitchFamily="18" charset="0"/>
                       </a:rPr>
                       <m:t>𝐵𝑒𝑠𝑡𝑖𝑚𝑚𝑒𝑛</m:t>
@@ -5642,13 +8155,13 @@
                 <a14:m>
                   <m:oMath xmlns:m="http://schemas.openxmlformats.org/officeDocument/2006/math">
                     <m:r>
-                      <a:rPr lang="de-DE" b="0" i="1" smtClean="0">
+                      <a:rPr lang="de-DE" sz="2400" b="0" i="1" smtClean="0">
                         <a:latin typeface="Cambria Math" panose="02040503050406030204" pitchFamily="18" charset="0"/>
                       </a:rPr>
                       <m:t>⇒</m:t>
                     </m:r>
                     <m:r>
-                      <a:rPr lang="de-DE" b="0" i="1" smtClean="0">
+                      <a:rPr lang="de-DE" sz="2400" b="0" i="1" smtClean="0">
                         <a:latin typeface="Cambria Math" panose="02040503050406030204" pitchFamily="18" charset="0"/>
                       </a:rPr>
                       <m:t>𝑂</m:t>
@@ -5656,7 +8169,7 @@
                     <m:d>
                       <m:dPr>
                         <m:ctrlPr>
-                          <a:rPr lang="de-DE" b="0" i="1" smtClean="0">
+                          <a:rPr lang="de-DE" sz="2400" b="0" i="1" smtClean="0">
                             <a:latin typeface="Cambria Math" panose="02040503050406030204" pitchFamily="18" charset="0"/>
                           </a:rPr>
                         </m:ctrlPr>
@@ -5667,14 +8180,14 @@
                             <m:begChr m:val="|"/>
                             <m:endChr m:val="|"/>
                             <m:ctrlPr>
-                              <a:rPr lang="de-DE" b="0" i="1" smtClean="0">
+                              <a:rPr lang="de-DE" sz="2400" b="0" i="1" smtClean="0">
                                 <a:latin typeface="Cambria Math" panose="02040503050406030204" pitchFamily="18" charset="0"/>
                               </a:rPr>
                             </m:ctrlPr>
                           </m:dPr>
                           <m:e>
                             <m:r>
-                              <a:rPr lang="de-DE" b="0" i="1" smtClean="0">
+                              <a:rPr lang="de-DE" sz="2400" b="0" i="1" smtClean="0">
                                 <a:latin typeface="Cambria Math" panose="02040503050406030204" pitchFamily="18" charset="0"/>
                               </a:rPr>
                               <m:t>𝐸</m:t>
@@ -5682,7 +8195,7 @@
                           </m:e>
                         </m:d>
                         <m:r>
-                          <a:rPr lang="de-DE" b="0" i="1" smtClean="0">
+                          <a:rPr lang="de-DE" sz="2400" b="0" i="1" smtClean="0">
                             <a:latin typeface="Cambria Math" panose="02040503050406030204" pitchFamily="18" charset="0"/>
                           </a:rPr>
                           <m:t>+</m:t>
@@ -5692,14 +8205,14 @@
                             <m:begChr m:val="|"/>
                             <m:endChr m:val="|"/>
                             <m:ctrlPr>
-                              <a:rPr lang="de-DE" b="0" i="1" smtClean="0">
+                              <a:rPr lang="de-DE" sz="2400" b="0" i="1" smtClean="0">
                                 <a:latin typeface="Cambria Math" panose="02040503050406030204" pitchFamily="18" charset="0"/>
                               </a:rPr>
                             </m:ctrlPr>
                           </m:dPr>
                           <m:e>
                             <m:r>
-                              <a:rPr lang="de-DE" b="0" i="1" smtClean="0">
+                              <a:rPr lang="de-DE" sz="2400" b="0" i="1" smtClean="0">
                                 <a:latin typeface="Cambria Math" panose="02040503050406030204" pitchFamily="18" charset="0"/>
                               </a:rPr>
                               <m:t>𝑉</m:t>
@@ -5707,7 +8220,7 @@
                           </m:e>
                         </m:d>
                         <m:r>
-                          <a:rPr lang="de-DE" b="0" i="1" smtClean="0">
+                          <a:rPr lang="de-DE" sz="2400" b="0" i="1" smtClean="0">
                             <a:latin typeface="Cambria Math" panose="02040503050406030204" pitchFamily="18" charset="0"/>
                           </a:rPr>
                           <m:t>∗</m:t>
@@ -5715,7 +8228,7 @@
                         <m:func>
                           <m:funcPr>
                             <m:ctrlPr>
-                              <a:rPr lang="de-DE" b="0" i="1" smtClean="0">
+                              <a:rPr lang="de-DE" sz="2400" b="0" i="1" smtClean="0">
                                 <a:latin typeface="Cambria Math" panose="02040503050406030204" pitchFamily="18" charset="0"/>
                               </a:rPr>
                             </m:ctrlPr>
@@ -5725,7 +8238,7 @@
                               <m:rPr>
                                 <m:sty m:val="p"/>
                               </m:rPr>
-                              <a:rPr lang="de-DE" b="0" i="0" smtClean="0">
+                              <a:rPr lang="de-DE" sz="2400" b="0" i="0" smtClean="0">
                                 <a:latin typeface="Cambria Math" panose="02040503050406030204" pitchFamily="18" charset="0"/>
                               </a:rPr>
                               <m:t>log</m:t>
@@ -5735,7 +8248,7 @@
                             <m:d>
                               <m:dPr>
                                 <m:ctrlPr>
-                                  <a:rPr lang="de-DE" b="0" i="1" smtClean="0">
+                                  <a:rPr lang="de-DE" sz="2400" b="0" i="1" smtClean="0">
                                     <a:latin typeface="Cambria Math" panose="02040503050406030204" pitchFamily="18" charset="0"/>
                                   </a:rPr>
                                 </m:ctrlPr>
@@ -5746,14 +8259,14 @@
                                     <m:begChr m:val="|"/>
                                     <m:endChr m:val="|"/>
                                     <m:ctrlPr>
-                                      <a:rPr lang="de-DE" b="0" i="1" smtClean="0">
+                                      <a:rPr lang="de-DE" sz="2400" b="0" i="1" smtClean="0">
                                         <a:latin typeface="Cambria Math" panose="02040503050406030204" pitchFamily="18" charset="0"/>
                                       </a:rPr>
                                     </m:ctrlPr>
                                   </m:dPr>
                                   <m:e>
                                     <m:r>
-                                      <a:rPr lang="de-DE" b="0" i="1" smtClean="0">
+                                      <a:rPr lang="de-DE" sz="2400" b="0" i="1" smtClean="0">
                                         <a:latin typeface="Cambria Math" panose="02040503050406030204" pitchFamily="18" charset="0"/>
                                       </a:rPr>
                                       <m:t>𝑉</m:t>
@@ -5788,13 +8301,13 @@
                     </m:oMathParaPr>
                     <m:oMath xmlns:m="http://schemas.openxmlformats.org/officeDocument/2006/math">
                       <m:r>
-                        <a:rPr lang="de-DE" b="0" i="1" smtClean="0">
+                        <a:rPr lang="de-DE" sz="2400" b="0" i="1" smtClean="0">
                           <a:latin typeface="Cambria Math" panose="02040503050406030204" pitchFamily="18" charset="0"/>
                         </a:rPr>
                         <m:t>⇒</m:t>
                       </m:r>
                       <m:r>
-                        <a:rPr lang="de-DE" b="0" i="1" smtClean="0">
+                        <a:rPr lang="de-DE" sz="2400" b="0" i="1" smtClean="0">
                           <a:latin typeface="Cambria Math" panose="02040503050406030204" pitchFamily="18" charset="0"/>
                         </a:rPr>
                         <m:t>𝑂</m:t>
@@ -5802,14 +8315,14 @@
                       <m:d>
                         <m:dPr>
                           <m:ctrlPr>
-                            <a:rPr lang="de-DE" b="0" i="1" smtClean="0">
+                            <a:rPr lang="de-DE" sz="2400" b="0" i="1" smtClean="0">
                               <a:latin typeface="Cambria Math" panose="02040503050406030204" pitchFamily="18" charset="0"/>
                             </a:rPr>
                           </m:ctrlPr>
                         </m:dPr>
                         <m:e>
                           <m:r>
-                            <a:rPr lang="de-DE" b="0" i="1" smtClean="0">
+                            <a:rPr lang="de-DE" sz="2400" b="0" i="1" smtClean="0">
                               <a:latin typeface="Cambria Math" panose="02040503050406030204" pitchFamily="18" charset="0"/>
                             </a:rPr>
                             <m:t>𝑚</m:t>
@@ -5817,13 +8330,13 @@
                         </m:e>
                       </m:d>
                       <m:r>
-                        <a:rPr lang="de-DE" b="0" i="1" smtClean="0">
+                        <a:rPr lang="de-DE" sz="2400" b="0" i="1" smtClean="0">
                           <a:latin typeface="Cambria Math" panose="02040503050406030204" pitchFamily="18" charset="0"/>
                         </a:rPr>
                         <m:t>∗</m:t>
                       </m:r>
                       <m:r>
-                        <a:rPr lang="de-DE" b="0" i="1" smtClean="0">
+                        <a:rPr lang="de-DE" sz="2400" b="0" i="1" smtClean="0">
                           <a:latin typeface="Cambria Math" panose="02040503050406030204" pitchFamily="18" charset="0"/>
                         </a:rPr>
                         <m:t>𝑂</m:t>
@@ -5831,7 +8344,7 @@
                       <m:d>
                         <m:dPr>
                           <m:ctrlPr>
-                            <a:rPr lang="de-DE" b="0" i="1" smtClean="0">
+                            <a:rPr lang="de-DE" sz="2400" b="0" i="1" smtClean="0">
                               <a:latin typeface="Cambria Math" panose="02040503050406030204" pitchFamily="18" charset="0"/>
                             </a:rPr>
                           </m:ctrlPr>
@@ -5842,14 +8355,14 @@
                               <m:begChr m:val="|"/>
                               <m:endChr m:val="|"/>
                               <m:ctrlPr>
-                                <a:rPr lang="de-DE" b="0" i="1" smtClean="0">
+                                <a:rPr lang="de-DE" sz="2400" b="0" i="1" smtClean="0">
                                   <a:latin typeface="Cambria Math" panose="02040503050406030204" pitchFamily="18" charset="0"/>
                                 </a:rPr>
                               </m:ctrlPr>
                             </m:dPr>
                             <m:e>
                               <m:r>
-                                <a:rPr lang="de-DE" b="0" i="1" smtClean="0">
+                                <a:rPr lang="de-DE" sz="2400" b="0" i="1" smtClean="0">
                                   <a:latin typeface="Cambria Math" panose="02040503050406030204" pitchFamily="18" charset="0"/>
                                 </a:rPr>
                                 <m:t>𝐸</m:t>
@@ -5857,7 +8370,7 @@
                             </m:e>
                           </m:d>
                           <m:r>
-                            <a:rPr lang="de-DE" b="0" i="1" smtClean="0">
+                            <a:rPr lang="de-DE" sz="2400" b="0" i="1" smtClean="0">
                               <a:latin typeface="Cambria Math" panose="02040503050406030204" pitchFamily="18" charset="0"/>
                             </a:rPr>
                             <m:t>+</m:t>
@@ -5867,14 +8380,14 @@
                               <m:begChr m:val="|"/>
                               <m:endChr m:val="|"/>
                               <m:ctrlPr>
-                                <a:rPr lang="de-DE" b="0" i="1" smtClean="0">
+                                <a:rPr lang="de-DE" sz="2400" b="0" i="1" smtClean="0">
                                   <a:latin typeface="Cambria Math" panose="02040503050406030204" pitchFamily="18" charset="0"/>
                                 </a:rPr>
                               </m:ctrlPr>
                             </m:dPr>
                             <m:e>
                               <m:r>
-                                <a:rPr lang="de-DE" b="0" i="1" smtClean="0">
+                                <a:rPr lang="de-DE" sz="2400" b="0" i="1" smtClean="0">
                                   <a:latin typeface="Cambria Math" panose="02040503050406030204" pitchFamily="18" charset="0"/>
                                 </a:rPr>
                                 <m:t>𝑉</m:t>
@@ -5882,7 +8395,7 @@
                             </m:e>
                           </m:d>
                           <m:r>
-                            <a:rPr lang="de-DE" b="0" i="1" smtClean="0">
+                            <a:rPr lang="de-DE" sz="2400" b="0" i="1" smtClean="0">
                               <a:latin typeface="Cambria Math" panose="02040503050406030204" pitchFamily="18" charset="0"/>
                             </a:rPr>
                             <m:t>∗</m:t>
@@ -5890,7 +8403,7 @@
                           <m:func>
                             <m:funcPr>
                               <m:ctrlPr>
-                                <a:rPr lang="de-DE" b="0" i="1" smtClean="0">
+                                <a:rPr lang="de-DE" sz="2400" b="0" i="1" smtClean="0">
                                   <a:latin typeface="Cambria Math" panose="02040503050406030204" pitchFamily="18" charset="0"/>
                                 </a:rPr>
                               </m:ctrlPr>
@@ -5900,7 +8413,7 @@
                                 <m:rPr>
                                   <m:sty m:val="p"/>
                                 </m:rPr>
-                                <a:rPr lang="de-DE" b="0" i="0" smtClean="0">
+                                <a:rPr lang="de-DE" sz="2400" b="0" i="0" smtClean="0">
                                   <a:latin typeface="Cambria Math" panose="02040503050406030204" pitchFamily="18" charset="0"/>
                                 </a:rPr>
                                 <m:t>log</m:t>
@@ -5910,7 +8423,7 @@
                               <m:d>
                                 <m:dPr>
                                   <m:ctrlPr>
-                                    <a:rPr lang="de-DE" b="0" i="1" smtClean="0">
+                                    <a:rPr lang="de-DE" sz="2400" b="0" i="1" smtClean="0">
                                       <a:latin typeface="Cambria Math" panose="02040503050406030204" pitchFamily="18" charset="0"/>
                                     </a:rPr>
                                   </m:ctrlPr>
@@ -5921,14 +8434,14 @@
                                       <m:begChr m:val="|"/>
                                       <m:endChr m:val="|"/>
                                       <m:ctrlPr>
-                                        <a:rPr lang="de-DE" b="0" i="1" smtClean="0">
+                                        <a:rPr lang="de-DE" sz="2400" b="0" i="1" smtClean="0">
                                           <a:latin typeface="Cambria Math" panose="02040503050406030204" pitchFamily="18" charset="0"/>
                                         </a:rPr>
                                       </m:ctrlPr>
                                     </m:dPr>
                                     <m:e>
                                       <m:r>
-                                        <a:rPr lang="de-DE" b="0" i="1" smtClean="0">
+                                        <a:rPr lang="de-DE" sz="2400" b="0" i="1" smtClean="0">
                                           <a:latin typeface="Cambria Math" panose="02040503050406030204" pitchFamily="18" charset="0"/>
                                         </a:rPr>
                                         <m:t>𝑉</m:t>
@@ -5944,7 +8457,7 @@
                     </m:oMath>
                   </m:oMathPara>
                 </a14:m>
-                <a:endParaRPr lang="de-DE" b="0" i="1" dirty="0">
+                <a:endParaRPr lang="de-DE" sz="2400" b="0" i="1" dirty="0">
                   <a:latin typeface="Cambria Math" panose="02040503050406030204" pitchFamily="18" charset="0"/>
                 </a:endParaRPr>
               </a:p>
@@ -5970,14 +8483,14 @@
                         <m:begChr m:val="|"/>
                         <m:endChr m:val="|"/>
                         <m:ctrlPr>
-                          <a:rPr lang="de-DE" i="1" dirty="0" smtClean="0">
+                          <a:rPr lang="de-DE" sz="2400" i="1" dirty="0" smtClean="0">
                             <a:latin typeface="Cambria Math" panose="02040503050406030204" pitchFamily="18" charset="0"/>
                           </a:rPr>
                         </m:ctrlPr>
                       </m:dPr>
                       <m:e>
                         <m:r>
-                          <a:rPr lang="de-DE" i="1" dirty="0" smtClean="0">
+                          <a:rPr lang="de-DE" sz="2400" i="1" dirty="0" smtClean="0">
                             <a:latin typeface="Cambria Math" panose="02040503050406030204" pitchFamily="18" charset="0"/>
                           </a:rPr>
                           <m:t>𝑉</m:t>
@@ -5985,37 +8498,37 @@
                       </m:e>
                     </m:d>
                     <m:r>
-                      <a:rPr lang="de-DE" b="0" i="1" dirty="0" smtClean="0">
+                      <a:rPr lang="de-DE" sz="2400" b="0" i="1" dirty="0" smtClean="0">
                         <a:latin typeface="Cambria Math" panose="02040503050406030204" pitchFamily="18" charset="0"/>
                       </a:rPr>
                       <m:t>=</m:t>
                     </m:r>
                     <m:r>
-                      <a:rPr lang="de-DE" b="0" i="1" dirty="0" smtClean="0">
+                      <a:rPr lang="de-DE" sz="2400" b="0" i="1" dirty="0" smtClean="0">
                         <a:latin typeface="Cambria Math" panose="02040503050406030204" pitchFamily="18" charset="0"/>
                       </a:rPr>
                       <m:t>𝑤</m:t>
                     </m:r>
                     <m:r>
-                      <a:rPr lang="de-DE" b="0" i="1" dirty="0" smtClean="0">
+                      <a:rPr lang="de-DE" sz="2400" b="0" i="1" dirty="0" smtClean="0">
                         <a:latin typeface="Cambria Math" panose="02040503050406030204" pitchFamily="18" charset="0"/>
                       </a:rPr>
                       <m:t>∗</m:t>
                     </m:r>
                     <m:r>
-                      <a:rPr lang="de-DE" b="0" i="1" dirty="0" smtClean="0">
+                      <a:rPr lang="de-DE" sz="2400" b="0" i="1" dirty="0" smtClean="0">
                         <a:latin typeface="Cambria Math" panose="02040503050406030204" pitchFamily="18" charset="0"/>
                       </a:rPr>
                       <m:t>h</m:t>
                     </m:r>
                     <m:r>
-                      <a:rPr lang="de-DE" b="0" i="1" smtClean="0">
+                      <a:rPr lang="de-DE" sz="2400" b="0" i="1" smtClean="0">
                         <a:latin typeface="Cambria Math" panose="02040503050406030204" pitchFamily="18" charset="0"/>
                       </a:rPr>
                       <m:t>=</m:t>
                     </m:r>
                     <m:r>
-                      <a:rPr lang="de-DE" b="0" i="1" smtClean="0">
+                      <a:rPr lang="de-DE" sz="2400" b="0" i="1" smtClean="0">
                         <a:latin typeface="Cambria Math" panose="02040503050406030204" pitchFamily="18" charset="0"/>
                       </a:rPr>
                       <m:t>𝑂</m:t>
@@ -6023,26 +8536,26 @@
                     <m:d>
                       <m:dPr>
                         <m:ctrlPr>
-                          <a:rPr lang="de-DE" b="0" i="1" smtClean="0">
+                          <a:rPr lang="de-DE" sz="2400" b="0" i="1" smtClean="0">
                             <a:latin typeface="Cambria Math" panose="02040503050406030204" pitchFamily="18" charset="0"/>
                           </a:rPr>
                         </m:ctrlPr>
                       </m:dPr>
                       <m:e>
                         <m:r>
-                          <a:rPr lang="de-DE" b="0" i="1" smtClean="0">
+                          <a:rPr lang="de-DE" sz="2400" b="0" i="1" smtClean="0">
                             <a:latin typeface="Cambria Math" panose="02040503050406030204" pitchFamily="18" charset="0"/>
                           </a:rPr>
                           <m:t>𝑤</m:t>
                         </m:r>
                         <m:r>
-                          <a:rPr lang="de-DE" b="0" i="1" smtClean="0">
+                          <a:rPr lang="de-DE" sz="2400" b="0" i="1" smtClean="0">
                             <a:latin typeface="Cambria Math" panose="02040503050406030204" pitchFamily="18" charset="0"/>
                           </a:rPr>
                           <m:t>∗</m:t>
                         </m:r>
                         <m:r>
-                          <a:rPr lang="de-DE" b="0" i="1" smtClean="0">
+                          <a:rPr lang="de-DE" sz="2400" b="0" i="1" smtClean="0">
                             <a:latin typeface="Cambria Math" panose="02040503050406030204" pitchFamily="18" charset="0"/>
                           </a:rPr>
                           <m:t>h</m:t>
@@ -6052,7 +8565,7 @@
                   </m:oMath>
                 </a14:m>
                 <a:r>
-                  <a:rPr lang="de-DE" dirty="0">
+                  <a:rPr lang="de-DE" sz="2400" dirty="0">
                     <a:latin typeface="+mj-lt"/>
                   </a:rPr>
                   <a:t> und </a:t>
@@ -6073,14 +8586,14 @@
                           <m:begChr m:val="|"/>
                           <m:endChr m:val="|"/>
                           <m:ctrlPr>
-                            <a:rPr lang="de-DE" b="0" i="1" smtClean="0">
+                            <a:rPr lang="de-DE" sz="2400" b="0" i="1" smtClean="0">
                               <a:latin typeface="Cambria Math" panose="02040503050406030204" pitchFamily="18" charset="0"/>
                             </a:rPr>
                           </m:ctrlPr>
                         </m:dPr>
                         <m:e>
                           <m:r>
-                            <a:rPr lang="de-DE" b="0" i="1" smtClean="0">
+                            <a:rPr lang="de-DE" sz="2400" b="0" i="1" smtClean="0">
                               <a:latin typeface="Cambria Math" panose="02040503050406030204" pitchFamily="18" charset="0"/>
                             </a:rPr>
                             <m:t>𝐸</m:t>
@@ -6088,7 +8601,7 @@
                         </m:e>
                       </m:d>
                       <m:r>
-                        <a:rPr lang="de-DE" b="0" i="1" smtClean="0">
+                        <a:rPr lang="de-DE" sz="2400" b="0" i="1" smtClean="0">
                           <a:latin typeface="Cambria Math" panose="02040503050406030204" pitchFamily="18" charset="0"/>
                         </a:rPr>
                         <m:t>=</m:t>
@@ -6096,20 +8609,20 @@
                       <m:d>
                         <m:dPr>
                           <m:ctrlPr>
-                            <a:rPr lang="de-DE" b="0" i="1" smtClean="0">
+                            <a:rPr lang="de-DE" sz="2400" b="0" i="1" smtClean="0">
                               <a:latin typeface="Cambria Math" panose="02040503050406030204" pitchFamily="18" charset="0"/>
                             </a:rPr>
                           </m:ctrlPr>
                         </m:dPr>
                         <m:e>
                           <m:r>
-                            <a:rPr lang="de-DE" b="0" i="1" smtClean="0">
+                            <a:rPr lang="de-DE" sz="2400" b="0" i="1" smtClean="0">
                               <a:latin typeface="Cambria Math" panose="02040503050406030204" pitchFamily="18" charset="0"/>
                             </a:rPr>
                             <m:t>𝑤</m:t>
                           </m:r>
                           <m:r>
-                            <a:rPr lang="de-DE" b="0" i="1" smtClean="0">
+                            <a:rPr lang="de-DE" sz="2400" b="0" i="1" smtClean="0">
                               <a:latin typeface="Cambria Math" panose="02040503050406030204" pitchFamily="18" charset="0"/>
                             </a:rPr>
                             <m:t>−1</m:t>
@@ -6117,19 +8630,19 @@
                         </m:e>
                       </m:d>
                       <m:r>
-                        <a:rPr lang="de-DE" b="0" i="1" smtClean="0">
+                        <a:rPr lang="de-DE" sz="2400" b="0" i="1" smtClean="0">
                           <a:latin typeface="Cambria Math" panose="02040503050406030204" pitchFamily="18" charset="0"/>
                         </a:rPr>
                         <m:t>∗</m:t>
                       </m:r>
                       <m:r>
-                        <a:rPr lang="de-DE" b="0" i="1" smtClean="0">
+                        <a:rPr lang="de-DE" sz="2400" b="0" i="1" smtClean="0">
                           <a:latin typeface="Cambria Math" panose="02040503050406030204" pitchFamily="18" charset="0"/>
                         </a:rPr>
                         <m:t>h</m:t>
                       </m:r>
                       <m:r>
-                        <a:rPr lang="de-DE" b="0" i="1" smtClean="0">
+                        <a:rPr lang="de-DE" sz="2400" b="0" i="1" smtClean="0">
                           <a:latin typeface="Cambria Math" panose="02040503050406030204" pitchFamily="18" charset="0"/>
                         </a:rPr>
                         <m:t>+</m:t>
@@ -6137,20 +8650,20 @@
                       <m:d>
                         <m:dPr>
                           <m:ctrlPr>
-                            <a:rPr lang="de-DE" b="0" i="1" smtClean="0">
+                            <a:rPr lang="de-DE" sz="2400" b="0" i="1" smtClean="0">
                               <a:latin typeface="Cambria Math" panose="02040503050406030204" pitchFamily="18" charset="0"/>
                             </a:rPr>
                           </m:ctrlPr>
                         </m:dPr>
                         <m:e>
                           <m:r>
-                            <a:rPr lang="de-DE" b="0" i="1" smtClean="0">
+                            <a:rPr lang="de-DE" sz="2400" b="0" i="1" smtClean="0">
                               <a:latin typeface="Cambria Math" panose="02040503050406030204" pitchFamily="18" charset="0"/>
                             </a:rPr>
                             <m:t>h</m:t>
                           </m:r>
                           <m:r>
-                            <a:rPr lang="de-DE" b="0" i="1" smtClean="0">
+                            <a:rPr lang="de-DE" sz="2400" b="0" i="1" smtClean="0">
                               <a:latin typeface="Cambria Math" panose="02040503050406030204" pitchFamily="18" charset="0"/>
                             </a:rPr>
                             <m:t>−1</m:t>
@@ -6158,25 +8671,25 @@
                         </m:e>
                       </m:d>
                       <m:r>
-                        <a:rPr lang="de-DE" b="0" i="1" smtClean="0">
+                        <a:rPr lang="de-DE" sz="2400" b="0" i="1" smtClean="0">
                           <a:latin typeface="Cambria Math" panose="02040503050406030204" pitchFamily="18" charset="0"/>
                         </a:rPr>
                         <m:t>∗</m:t>
                       </m:r>
                       <m:r>
-                        <a:rPr lang="de-DE" b="0" i="1" smtClean="0">
+                        <a:rPr lang="de-DE" sz="2400" b="0" i="1" smtClean="0">
                           <a:latin typeface="Cambria Math" panose="02040503050406030204" pitchFamily="18" charset="0"/>
                         </a:rPr>
                         <m:t>𝑤</m:t>
                       </m:r>
                       <m:r>
-                        <a:rPr lang="de-DE" b="0" i="1" smtClean="0">
+                        <a:rPr lang="de-DE" sz="2400" b="0" i="1" smtClean="0">
                           <a:latin typeface="Cambria Math" panose="02040503050406030204" pitchFamily="18" charset="0"/>
                         </a:rPr>
                         <m:t>=</m:t>
                       </m:r>
                       <m:r>
-                        <a:rPr lang="de-DE" b="0" i="1" smtClean="0">
+                        <a:rPr lang="de-DE" sz="2400" b="0" i="1" smtClean="0">
                           <a:latin typeface="Cambria Math" panose="02040503050406030204" pitchFamily="18" charset="0"/>
                         </a:rPr>
                         <m:t>𝑂</m:t>
@@ -6184,26 +8697,26 @@
                       <m:d>
                         <m:dPr>
                           <m:ctrlPr>
-                            <a:rPr lang="de-DE" b="0" i="1" smtClean="0">
+                            <a:rPr lang="de-DE" sz="2400" b="0" i="1" smtClean="0">
                               <a:latin typeface="Cambria Math" panose="02040503050406030204" pitchFamily="18" charset="0"/>
                             </a:rPr>
                           </m:ctrlPr>
                         </m:dPr>
                         <m:e>
                           <m:r>
-                            <a:rPr lang="de-DE" b="0" i="1" smtClean="0">
+                            <a:rPr lang="de-DE" sz="2400" b="0" i="1" smtClean="0">
                               <a:latin typeface="Cambria Math" panose="02040503050406030204" pitchFamily="18" charset="0"/>
                             </a:rPr>
                             <m:t>𝑤</m:t>
                           </m:r>
                           <m:r>
-                            <a:rPr lang="de-DE" b="0" i="1" smtClean="0">
+                            <a:rPr lang="de-DE" sz="2400" b="0" i="1" smtClean="0">
                               <a:latin typeface="Cambria Math" panose="02040503050406030204" pitchFamily="18" charset="0"/>
                             </a:rPr>
                             <m:t>∗</m:t>
                           </m:r>
                           <m:r>
-                            <a:rPr lang="de-DE" b="0" i="1" smtClean="0">
+                            <a:rPr lang="de-DE" sz="2400" b="0" i="1" smtClean="0">
                               <a:latin typeface="Cambria Math" panose="02040503050406030204" pitchFamily="18" charset="0"/>
                             </a:rPr>
                             <m:t>h</m:t>
@@ -6213,7 +8726,7 @@
                     </m:oMath>
                   </m:oMathPara>
                 </a14:m>
-                <a:endParaRPr lang="de-DE" dirty="0">
+                <a:endParaRPr lang="de-DE" sz="2400" dirty="0">
                   <a:latin typeface="+mj-lt"/>
                 </a:endParaRPr>
               </a:p>
@@ -6231,13 +8744,13 @@
                     </m:oMathParaPr>
                     <m:oMath xmlns:m="http://schemas.openxmlformats.org/officeDocument/2006/math">
                       <m:r>
-                        <a:rPr lang="de-DE" b="0" i="1" smtClean="0">
+                        <a:rPr lang="de-DE" sz="2400" b="0" i="1" smtClean="0">
                           <a:latin typeface="Cambria Math" panose="02040503050406030204" pitchFamily="18" charset="0"/>
                         </a:rPr>
                         <m:t>⇒</m:t>
                       </m:r>
                       <m:r>
-                        <a:rPr lang="de-DE" b="0" i="1" smtClean="0">
+                        <a:rPr lang="de-DE" sz="2400" b="0" i="1" smtClean="0">
                           <a:latin typeface="Cambria Math" panose="02040503050406030204" pitchFamily="18" charset="0"/>
                         </a:rPr>
                         <m:t>𝑂</m:t>
@@ -6245,7 +8758,7 @@
                       <m:d>
                         <m:dPr>
                           <m:ctrlPr>
-                            <a:rPr lang="de-DE" b="0" i="1" smtClean="0">
+                            <a:rPr lang="de-DE" sz="2400" b="0" i="1" smtClean="0">
                               <a:latin typeface="Cambria Math" panose="02040503050406030204" pitchFamily="18" charset="0"/>
                             </a:rPr>
                           </m:ctrlPr>
@@ -6256,14 +8769,14 @@
                               <m:begChr m:val="|"/>
                               <m:endChr m:val="|"/>
                               <m:ctrlPr>
-                                <a:rPr lang="de-DE" b="0" i="1" smtClean="0">
+                                <a:rPr lang="de-DE" sz="2400" b="0" i="1" smtClean="0">
                                   <a:latin typeface="Cambria Math" panose="02040503050406030204" pitchFamily="18" charset="0"/>
                                 </a:rPr>
                               </m:ctrlPr>
                             </m:dPr>
                             <m:e>
                               <m:r>
-                                <a:rPr lang="de-DE" b="0" i="1" smtClean="0">
+                                <a:rPr lang="de-DE" sz="2400" b="0" i="1" smtClean="0">
                                   <a:latin typeface="Cambria Math" panose="02040503050406030204" pitchFamily="18" charset="0"/>
                                 </a:rPr>
                                 <m:t>𝐸</m:t>
@@ -6273,13 +8786,13 @@
                         </m:e>
                       </m:d>
                       <m:r>
-                        <a:rPr lang="de-DE" b="0" i="1" smtClean="0">
+                        <a:rPr lang="de-DE" sz="2400" b="0" i="1" smtClean="0">
                           <a:latin typeface="Cambria Math" panose="02040503050406030204" pitchFamily="18" charset="0"/>
                         </a:rPr>
                         <m:t>=</m:t>
                       </m:r>
                       <m:r>
-                        <a:rPr lang="de-DE" b="0" i="1" smtClean="0">
+                        <a:rPr lang="de-DE" sz="2400" b="0" i="1" smtClean="0">
                           <a:latin typeface="Cambria Math" panose="02040503050406030204" pitchFamily="18" charset="0"/>
                         </a:rPr>
                         <m:t>𝑂</m:t>
@@ -6287,7 +8800,7 @@
                       <m:d>
                         <m:dPr>
                           <m:ctrlPr>
-                            <a:rPr lang="de-DE" b="0" i="1" smtClean="0">
+                            <a:rPr lang="de-DE" sz="2400" b="0" i="1" smtClean="0">
                               <a:latin typeface="Cambria Math" panose="02040503050406030204" pitchFamily="18" charset="0"/>
                             </a:rPr>
                           </m:ctrlPr>
@@ -6298,14 +8811,14 @@
                               <m:begChr m:val="|"/>
                               <m:endChr m:val="|"/>
                               <m:ctrlPr>
-                                <a:rPr lang="de-DE" b="0" i="1" smtClean="0">
+                                <a:rPr lang="de-DE" sz="2400" b="0" i="1" smtClean="0">
                                   <a:latin typeface="Cambria Math" panose="02040503050406030204" pitchFamily="18" charset="0"/>
                                 </a:rPr>
                               </m:ctrlPr>
                             </m:dPr>
                             <m:e>
                               <m:r>
-                                <a:rPr lang="de-DE" b="0" i="1" smtClean="0">
+                                <a:rPr lang="de-DE" sz="2400" b="0" i="1" smtClean="0">
                                   <a:latin typeface="Cambria Math" panose="02040503050406030204" pitchFamily="18" charset="0"/>
                                 </a:rPr>
                                 <m:t>𝑉</m:t>
@@ -6317,7 +8830,7 @@
                     </m:oMath>
                   </m:oMathPara>
                 </a14:m>
-                <a:endParaRPr lang="de-DE" b="0" dirty="0">
+                <a:endParaRPr lang="de-DE" sz="2400" b="0" dirty="0">
                   <a:latin typeface="+mj-lt"/>
                 </a:endParaRPr>
               </a:p>
@@ -6332,31 +8845,31 @@
                     </m:oMathParaPr>
                     <m:oMath xmlns:m="http://schemas.openxmlformats.org/officeDocument/2006/math">
                       <m:r>
-                        <a:rPr lang="de-DE" b="0" i="1" smtClean="0">
+                        <a:rPr lang="de-DE" sz="2400" b="0" i="1" smtClean="0">
                           <a:latin typeface="Cambria Math" panose="02040503050406030204" pitchFamily="18" charset="0"/>
                         </a:rPr>
                         <m:t>⇒</m:t>
                       </m:r>
                       <m:r>
-                        <a:rPr lang="de-DE" b="0" i="1" smtClean="0">
+                        <a:rPr lang="de-DE" sz="2400" b="0" i="1" smtClean="0">
                           <a:latin typeface="Cambria Math" panose="02040503050406030204" pitchFamily="18" charset="0"/>
                         </a:rPr>
                         <m:t>𝑂</m:t>
                       </m:r>
                       <m:r>
-                        <a:rPr lang="de-DE" b="0" i="1" smtClean="0">
+                        <a:rPr lang="de-DE" sz="2400" b="0" i="1" smtClean="0">
                           <a:latin typeface="Cambria Math" panose="02040503050406030204" pitchFamily="18" charset="0"/>
                         </a:rPr>
                         <m:t>(</m:t>
                       </m:r>
                       <m:r>
-                        <a:rPr lang="de-DE" b="0" i="1" smtClean="0">
+                        <a:rPr lang="de-DE" sz="2400" b="0" i="1" smtClean="0">
                           <a:latin typeface="Cambria Math" panose="02040503050406030204" pitchFamily="18" charset="0"/>
                         </a:rPr>
                         <m:t>𝑚</m:t>
                       </m:r>
                       <m:r>
-                        <a:rPr lang="de-DE" b="0" i="1" smtClean="0">
+                        <a:rPr lang="de-DE" sz="2400" b="0" i="1" smtClean="0">
                           <a:latin typeface="Cambria Math" panose="02040503050406030204" pitchFamily="18" charset="0"/>
                         </a:rPr>
                         <m:t>∗</m:t>
@@ -6366,14 +8879,14 @@
                           <m:begChr m:val="|"/>
                           <m:endChr m:val="|"/>
                           <m:ctrlPr>
-                            <a:rPr lang="de-DE" b="0" i="1" smtClean="0">
+                            <a:rPr lang="de-DE" sz="2400" b="0" i="1" smtClean="0">
                               <a:latin typeface="Cambria Math" panose="02040503050406030204" pitchFamily="18" charset="0"/>
                             </a:rPr>
                           </m:ctrlPr>
                         </m:dPr>
                         <m:e>
                           <m:r>
-                            <a:rPr lang="de-DE" b="0" i="1" smtClean="0">
+                            <a:rPr lang="de-DE" sz="2400" b="0" i="1" smtClean="0">
                               <a:latin typeface="Cambria Math" panose="02040503050406030204" pitchFamily="18" charset="0"/>
                             </a:rPr>
                             <m:t>𝑉</m:t>
@@ -6381,7 +8894,7 @@
                         </m:e>
                       </m:d>
                       <m:r>
-                        <a:rPr lang="de-DE" b="0" i="1" smtClean="0">
+                        <a:rPr lang="de-DE" sz="2400" b="0" i="1" smtClean="0">
                           <a:latin typeface="Cambria Math" panose="02040503050406030204" pitchFamily="18" charset="0"/>
                         </a:rPr>
                         <m:t>∗</m:t>
@@ -6389,7 +8902,7 @@
                       <m:func>
                         <m:funcPr>
                           <m:ctrlPr>
-                            <a:rPr lang="de-DE" b="0" i="1" smtClean="0">
+                            <a:rPr lang="de-DE" sz="2400" b="0" i="1" smtClean="0">
                               <a:latin typeface="Cambria Math" panose="02040503050406030204" pitchFamily="18" charset="0"/>
                             </a:rPr>
                           </m:ctrlPr>
@@ -6399,7 +8912,7 @@
                             <m:rPr>
                               <m:sty m:val="p"/>
                             </m:rPr>
-                            <a:rPr lang="de-DE" b="0" i="0" smtClean="0">
+                            <a:rPr lang="de-DE" sz="2400" b="0" i="0" smtClean="0">
                               <a:latin typeface="Cambria Math" panose="02040503050406030204" pitchFamily="18" charset="0"/>
                             </a:rPr>
                             <m:t>log</m:t>
@@ -6409,7 +8922,7 @@
                           <m:d>
                             <m:dPr>
                               <m:ctrlPr>
-                                <a:rPr lang="de-DE" b="0" i="1" smtClean="0">
+                                <a:rPr lang="de-DE" sz="2400" b="0" i="1" smtClean="0">
                                   <a:latin typeface="Cambria Math" panose="02040503050406030204" pitchFamily="18" charset="0"/>
                                 </a:rPr>
                               </m:ctrlPr>
@@ -6420,14 +8933,14 @@
                                   <m:begChr m:val="|"/>
                                   <m:endChr m:val="|"/>
                                   <m:ctrlPr>
-                                    <a:rPr lang="de-DE" b="0" i="1" smtClean="0">
+                                    <a:rPr lang="de-DE" sz="2400" b="0" i="1" smtClean="0">
                                       <a:latin typeface="Cambria Math" panose="02040503050406030204" pitchFamily="18" charset="0"/>
                                     </a:rPr>
                                   </m:ctrlPr>
                                 </m:dPr>
                                 <m:e>
                                   <m:r>
-                                    <a:rPr lang="de-DE" b="0" i="1" smtClean="0">
+                                    <a:rPr lang="de-DE" sz="2400" b="0" i="1" smtClean="0">
                                       <a:latin typeface="Cambria Math" panose="02040503050406030204" pitchFamily="18" charset="0"/>
                                     </a:rPr>
                                     <m:t>𝑉</m:t>
@@ -6439,7 +8952,7 @@
                         </m:e>
                       </m:func>
                       <m:r>
-                        <a:rPr lang="de-DE" b="0" i="1" smtClean="0">
+                        <a:rPr lang="de-DE" sz="2400" b="0" i="1" smtClean="0">
                           <a:latin typeface="Cambria Math" panose="02040503050406030204" pitchFamily="18" charset="0"/>
                         </a:rPr>
                         <m:t>)</m:t>
@@ -6524,12 +9037,2447 @@
           <a:chExt cx="0" cy="0"/>
         </a:xfrm>
       </p:grpSpPr>
+      <p:pic>
+        <p:nvPicPr>
+          <p:cNvPr id="11" name="Grafik 10" descr="Ein Bild, das Uhr, Zeichnung enthält.&#10;&#10;Automatisch generierte Beschreibung">
+            <a:extLst>
+              <a:ext uri="{FF2B5EF4-FFF2-40B4-BE49-F238E27FC236}">
+                <a16:creationId xmlns:a16="http://schemas.microsoft.com/office/drawing/2014/main" id="{8996E2F6-46B3-4A37-BB37-4DC2E9752F24}"/>
+              </a:ext>
+            </a:extLst>
+          </p:cNvPr>
+          <p:cNvPicPr>
+            <a:picLocks noChangeAspect="1"/>
+          </p:cNvPicPr>
+          <p:nvPr/>
+        </p:nvPicPr>
+        <p:blipFill>
+          <a:blip r:embed="rId3">
+            <a:extLst>
+              <a:ext uri="{28A0092B-C50C-407E-A947-70E740481C1C}">
+                <a14:useLocalDpi xmlns:a14="http://schemas.microsoft.com/office/drawing/2010/main" val="0"/>
+              </a:ext>
+            </a:extLst>
+          </a:blip>
+          <a:stretch>
+            <a:fillRect/>
+          </a:stretch>
+        </p:blipFill>
+        <p:spPr>
+          <a:xfrm>
+            <a:off x="1439815" y="503725"/>
+            <a:ext cx="1371118" cy="1409742"/>
+          </a:xfrm>
+          <a:prstGeom prst="rect">
+            <a:avLst/>
+          </a:prstGeom>
+        </p:spPr>
+      </p:pic>
+      <p:grpSp>
+        <p:nvGrpSpPr>
+          <p:cNvPr id="35" name="Gruppieren 34">
+            <a:extLst>
+              <a:ext uri="{FF2B5EF4-FFF2-40B4-BE49-F238E27FC236}">
+                <a16:creationId xmlns:a16="http://schemas.microsoft.com/office/drawing/2014/main" id="{473B311D-BD96-4661-87A9-704EF1EFB4F0}"/>
+              </a:ext>
+            </a:extLst>
+          </p:cNvPr>
+          <p:cNvGrpSpPr/>
+          <p:nvPr/>
+        </p:nvGrpSpPr>
+        <p:grpSpPr>
+          <a:xfrm>
+            <a:off x="5232244" y="990600"/>
+            <a:ext cx="2478623" cy="1906269"/>
+            <a:chOff x="5232244" y="990600"/>
+            <a:chExt cx="2478623" cy="1906269"/>
+          </a:xfrm>
+        </p:grpSpPr>
+        <p:sp>
+          <p:nvSpPr>
+            <p:cNvPr id="6" name="Ellipse 5">
+              <a:extLst>
+                <a:ext uri="{FF2B5EF4-FFF2-40B4-BE49-F238E27FC236}">
+                  <a16:creationId xmlns:a16="http://schemas.microsoft.com/office/drawing/2014/main" id="{40D7B243-961F-44E7-B9E0-8D761813E5FC}"/>
+                </a:ext>
+              </a:extLst>
+            </p:cNvPr>
+            <p:cNvSpPr/>
+            <p:nvPr/>
+          </p:nvSpPr>
+          <p:spPr>
+            <a:xfrm>
+              <a:off x="5865545" y="990600"/>
+              <a:ext cx="518322" cy="518322"/>
+            </a:xfrm>
+            <a:prstGeom prst="ellipse">
+              <a:avLst/>
+            </a:prstGeom>
+            <a:solidFill>
+              <a:schemeClr val="bg2"/>
+            </a:solidFill>
+            <a:ln>
+              <a:solidFill>
+                <a:schemeClr val="tx1"/>
+              </a:solidFill>
+            </a:ln>
+          </p:spPr>
+          <p:style>
+            <a:lnRef idx="2">
+              <a:schemeClr val="accent1">
+                <a:shade val="50000"/>
+              </a:schemeClr>
+            </a:lnRef>
+            <a:fillRef idx="1">
+              <a:schemeClr val="accent1"/>
+            </a:fillRef>
+            <a:effectRef idx="0">
+              <a:schemeClr val="accent1"/>
+            </a:effectRef>
+            <a:fontRef idx="minor">
+              <a:schemeClr val="lt1"/>
+            </a:fontRef>
+          </p:style>
+          <p:txBody>
+            <a:bodyPr rtlCol="0" anchor="ctr"/>
+            <a:lstStyle/>
+            <a:p>
+              <a:pPr algn="ctr"/>
+              <a:r>
+                <a:rPr lang="de-DE" dirty="0">
+                  <a:solidFill>
+                    <a:schemeClr val="tx1"/>
+                  </a:solidFill>
+                </a:rPr>
+                <a:t>0</a:t>
+              </a:r>
+            </a:p>
+          </p:txBody>
+        </p:sp>
+        <p:sp>
+          <p:nvSpPr>
+            <p:cNvPr id="7" name="Ellipse 6">
+              <a:extLst>
+                <a:ext uri="{FF2B5EF4-FFF2-40B4-BE49-F238E27FC236}">
+                  <a16:creationId xmlns:a16="http://schemas.microsoft.com/office/drawing/2014/main" id="{07D49045-4F33-4F55-BAA3-F6BCD598D877}"/>
+                </a:ext>
+              </a:extLst>
+            </p:cNvPr>
+            <p:cNvSpPr/>
+            <p:nvPr/>
+          </p:nvSpPr>
+          <p:spPr>
+            <a:xfrm>
+              <a:off x="5232244" y="1711194"/>
+              <a:ext cx="518322" cy="518322"/>
+            </a:xfrm>
+            <a:prstGeom prst="ellipse">
+              <a:avLst/>
+            </a:prstGeom>
+            <a:solidFill>
+              <a:schemeClr val="bg2"/>
+            </a:solidFill>
+            <a:ln>
+              <a:solidFill>
+                <a:schemeClr val="tx1"/>
+              </a:solidFill>
+            </a:ln>
+          </p:spPr>
+          <p:style>
+            <a:lnRef idx="2">
+              <a:schemeClr val="accent1">
+                <a:shade val="50000"/>
+              </a:schemeClr>
+            </a:lnRef>
+            <a:fillRef idx="1">
+              <a:schemeClr val="accent1"/>
+            </a:fillRef>
+            <a:effectRef idx="0">
+              <a:schemeClr val="accent1"/>
+            </a:effectRef>
+            <a:fontRef idx="minor">
+              <a:schemeClr val="lt1"/>
+            </a:fontRef>
+          </p:style>
+          <p:txBody>
+            <a:bodyPr rtlCol="0" anchor="ctr"/>
+            <a:lstStyle/>
+            <a:p>
+              <a:pPr algn="ctr"/>
+              <a:r>
+                <a:rPr lang="de-DE" dirty="0">
+                  <a:solidFill>
+                    <a:schemeClr val="tx1"/>
+                  </a:solidFill>
+                </a:rPr>
+                <a:t>1</a:t>
+              </a:r>
+            </a:p>
+          </p:txBody>
+        </p:sp>
+        <p:sp>
+          <p:nvSpPr>
+            <p:cNvPr id="8" name="Ellipse 7">
+              <a:extLst>
+                <a:ext uri="{FF2B5EF4-FFF2-40B4-BE49-F238E27FC236}">
+                  <a16:creationId xmlns:a16="http://schemas.microsoft.com/office/drawing/2014/main" id="{EBC27219-0949-49E0-9F6E-A26DA9328487}"/>
+                </a:ext>
+              </a:extLst>
+            </p:cNvPr>
+            <p:cNvSpPr/>
+            <p:nvPr/>
+          </p:nvSpPr>
+          <p:spPr>
+            <a:xfrm>
+              <a:off x="6536006" y="1711194"/>
+              <a:ext cx="518322" cy="518322"/>
+            </a:xfrm>
+            <a:prstGeom prst="ellipse">
+              <a:avLst/>
+            </a:prstGeom>
+            <a:solidFill>
+              <a:schemeClr val="bg2"/>
+            </a:solidFill>
+            <a:ln>
+              <a:solidFill>
+                <a:schemeClr val="tx1"/>
+              </a:solidFill>
+            </a:ln>
+          </p:spPr>
+          <p:style>
+            <a:lnRef idx="2">
+              <a:schemeClr val="accent1">
+                <a:shade val="50000"/>
+              </a:schemeClr>
+            </a:lnRef>
+            <a:fillRef idx="1">
+              <a:schemeClr val="accent1"/>
+            </a:fillRef>
+            <a:effectRef idx="0">
+              <a:schemeClr val="accent1"/>
+            </a:effectRef>
+            <a:fontRef idx="minor">
+              <a:schemeClr val="lt1"/>
+            </a:fontRef>
+          </p:style>
+          <p:txBody>
+            <a:bodyPr rtlCol="0" anchor="ctr"/>
+            <a:lstStyle/>
+            <a:p>
+              <a:pPr algn="ctr"/>
+              <a:r>
+                <a:rPr lang="de-DE" dirty="0">
+                  <a:solidFill>
+                    <a:schemeClr val="tx1"/>
+                  </a:solidFill>
+                </a:rPr>
+                <a:t>2</a:t>
+              </a:r>
+            </a:p>
+          </p:txBody>
+        </p:sp>
+        <p:sp>
+          <p:nvSpPr>
+            <p:cNvPr id="9" name="Ellipse 8">
+              <a:extLst>
+                <a:ext uri="{FF2B5EF4-FFF2-40B4-BE49-F238E27FC236}">
+                  <a16:creationId xmlns:a16="http://schemas.microsoft.com/office/drawing/2014/main" id="{48A258EB-6135-48CF-9591-CF14461DD1F9}"/>
+                </a:ext>
+              </a:extLst>
+            </p:cNvPr>
+            <p:cNvSpPr/>
+            <p:nvPr/>
+          </p:nvSpPr>
+          <p:spPr>
+            <a:xfrm>
+              <a:off x="7192545" y="2378547"/>
+              <a:ext cx="518322" cy="518322"/>
+            </a:xfrm>
+            <a:prstGeom prst="ellipse">
+              <a:avLst/>
+            </a:prstGeom>
+            <a:solidFill>
+              <a:schemeClr val="bg2"/>
+            </a:solidFill>
+            <a:ln>
+              <a:solidFill>
+                <a:schemeClr val="tx1"/>
+              </a:solidFill>
+            </a:ln>
+          </p:spPr>
+          <p:style>
+            <a:lnRef idx="2">
+              <a:schemeClr val="accent1">
+                <a:shade val="50000"/>
+              </a:schemeClr>
+            </a:lnRef>
+            <a:fillRef idx="1">
+              <a:schemeClr val="accent1"/>
+            </a:fillRef>
+            <a:effectRef idx="0">
+              <a:schemeClr val="accent1"/>
+            </a:effectRef>
+            <a:fontRef idx="minor">
+              <a:schemeClr val="lt1"/>
+            </a:fontRef>
+          </p:style>
+          <p:txBody>
+            <a:bodyPr rtlCol="0" anchor="ctr"/>
+            <a:lstStyle/>
+            <a:p>
+              <a:pPr algn="ctr"/>
+              <a:r>
+                <a:rPr lang="de-DE" dirty="0">
+                  <a:solidFill>
+                    <a:schemeClr val="tx1"/>
+                  </a:solidFill>
+                </a:rPr>
+                <a:t>3</a:t>
+              </a:r>
+            </a:p>
+          </p:txBody>
+        </p:sp>
+        <p:cxnSp>
+          <p:nvCxnSpPr>
+            <p:cNvPr id="13" name="Gerade Verbindung mit Pfeil 12">
+              <a:extLst>
+                <a:ext uri="{FF2B5EF4-FFF2-40B4-BE49-F238E27FC236}">
+                  <a16:creationId xmlns:a16="http://schemas.microsoft.com/office/drawing/2014/main" id="{9318A79D-CE5D-4B39-A4C7-6DF1DD28513A}"/>
+                </a:ext>
+              </a:extLst>
+            </p:cNvPr>
+            <p:cNvCxnSpPr>
+              <a:stCxn id="6" idx="5"/>
+              <a:endCxn id="8" idx="1"/>
+            </p:cNvCxnSpPr>
+            <p:nvPr/>
+          </p:nvCxnSpPr>
+          <p:spPr>
+            <a:xfrm>
+              <a:off x="6307961" y="1433016"/>
+              <a:ext cx="303951" cy="354084"/>
+            </a:xfrm>
+            <a:prstGeom prst="straightConnector1">
+              <a:avLst/>
+            </a:prstGeom>
+            <a:ln>
+              <a:solidFill>
+                <a:schemeClr val="tx1"/>
+              </a:solidFill>
+              <a:tailEnd type="triangle"/>
+            </a:ln>
+          </p:spPr>
+          <p:style>
+            <a:lnRef idx="1">
+              <a:schemeClr val="accent1"/>
+            </a:lnRef>
+            <a:fillRef idx="0">
+              <a:schemeClr val="accent1"/>
+            </a:fillRef>
+            <a:effectRef idx="0">
+              <a:schemeClr val="accent1"/>
+            </a:effectRef>
+            <a:fontRef idx="minor">
+              <a:schemeClr val="tx1"/>
+            </a:fontRef>
+          </p:style>
+        </p:cxnSp>
+        <p:cxnSp>
+          <p:nvCxnSpPr>
+            <p:cNvPr id="15" name="Gerade Verbindung mit Pfeil 14">
+              <a:extLst>
+                <a:ext uri="{FF2B5EF4-FFF2-40B4-BE49-F238E27FC236}">
+                  <a16:creationId xmlns:a16="http://schemas.microsoft.com/office/drawing/2014/main" id="{C6996614-1D18-427B-A88F-821DCA0841EE}"/>
+                </a:ext>
+              </a:extLst>
+            </p:cNvPr>
+            <p:cNvCxnSpPr>
+              <a:stCxn id="8" idx="5"/>
+              <a:endCxn id="9" idx="1"/>
+            </p:cNvCxnSpPr>
+            <p:nvPr/>
+          </p:nvCxnSpPr>
+          <p:spPr>
+            <a:xfrm>
+              <a:off x="6978422" y="2153610"/>
+              <a:ext cx="290029" cy="300843"/>
+            </a:xfrm>
+            <a:prstGeom prst="straightConnector1">
+              <a:avLst/>
+            </a:prstGeom>
+            <a:ln>
+              <a:solidFill>
+                <a:schemeClr val="tx1"/>
+              </a:solidFill>
+              <a:tailEnd type="triangle"/>
+            </a:ln>
+          </p:spPr>
+          <p:style>
+            <a:lnRef idx="1">
+              <a:schemeClr val="accent1"/>
+            </a:lnRef>
+            <a:fillRef idx="0">
+              <a:schemeClr val="accent1"/>
+            </a:fillRef>
+            <a:effectRef idx="0">
+              <a:schemeClr val="accent1"/>
+            </a:effectRef>
+            <a:fontRef idx="minor">
+              <a:schemeClr val="tx1"/>
+            </a:fontRef>
+          </p:style>
+        </p:cxnSp>
+        <p:cxnSp>
+          <p:nvCxnSpPr>
+            <p:cNvPr id="17" name="Gerade Verbindung mit Pfeil 16">
+              <a:extLst>
+                <a:ext uri="{FF2B5EF4-FFF2-40B4-BE49-F238E27FC236}">
+                  <a16:creationId xmlns:a16="http://schemas.microsoft.com/office/drawing/2014/main" id="{2EC0A414-33CE-4C7A-8F7D-A14C9ADBBF44}"/>
+                </a:ext>
+              </a:extLst>
+            </p:cNvPr>
+            <p:cNvCxnSpPr>
+              <a:stCxn id="6" idx="3"/>
+              <a:endCxn id="7" idx="7"/>
+            </p:cNvCxnSpPr>
+            <p:nvPr/>
+          </p:nvCxnSpPr>
+          <p:spPr>
+            <a:xfrm flipH="1">
+              <a:off x="5674660" y="1433016"/>
+              <a:ext cx="266791" cy="354084"/>
+            </a:xfrm>
+            <a:prstGeom prst="straightConnector1">
+              <a:avLst/>
+            </a:prstGeom>
+            <a:ln>
+              <a:solidFill>
+                <a:schemeClr val="tx1"/>
+              </a:solidFill>
+              <a:tailEnd type="triangle"/>
+            </a:ln>
+          </p:spPr>
+          <p:style>
+            <a:lnRef idx="1">
+              <a:schemeClr val="accent1"/>
+            </a:lnRef>
+            <a:fillRef idx="0">
+              <a:schemeClr val="accent1"/>
+            </a:fillRef>
+            <a:effectRef idx="0">
+              <a:schemeClr val="accent1"/>
+            </a:effectRef>
+            <a:fontRef idx="minor">
+              <a:schemeClr val="tx1"/>
+            </a:fontRef>
+          </p:style>
+        </p:cxnSp>
+      </p:grpSp>
+      <p:grpSp>
+        <p:nvGrpSpPr>
+          <p:cNvPr id="36" name="Gruppieren 35">
+            <a:extLst>
+              <a:ext uri="{FF2B5EF4-FFF2-40B4-BE49-F238E27FC236}">
+                <a16:creationId xmlns:a16="http://schemas.microsoft.com/office/drawing/2014/main" id="{3905FE6E-7BCD-4ECE-B0DA-157FB865C26A}"/>
+              </a:ext>
+            </a:extLst>
+          </p:cNvPr>
+          <p:cNvGrpSpPr/>
+          <p:nvPr/>
+        </p:nvGrpSpPr>
+        <p:grpSpPr>
+          <a:xfrm>
+            <a:off x="7104316" y="1875124"/>
+            <a:ext cx="328270" cy="450013"/>
+            <a:chOff x="7104316" y="1875124"/>
+            <a:chExt cx="328270" cy="450013"/>
+          </a:xfrm>
+        </p:grpSpPr>
+        <p:cxnSp>
+          <p:nvCxnSpPr>
+            <p:cNvPr id="27" name="Gerade Verbindung mit Pfeil 26">
+              <a:extLst>
+                <a:ext uri="{FF2B5EF4-FFF2-40B4-BE49-F238E27FC236}">
+                  <a16:creationId xmlns:a16="http://schemas.microsoft.com/office/drawing/2014/main" id="{5B41CC44-8056-4A77-B06B-656C42D585F0}"/>
+                </a:ext>
+              </a:extLst>
+            </p:cNvPr>
+            <p:cNvCxnSpPr/>
+            <p:nvPr/>
+          </p:nvCxnSpPr>
+          <p:spPr>
+            <a:xfrm flipH="1" flipV="1">
+              <a:off x="7104316" y="1991461"/>
+              <a:ext cx="328270" cy="333676"/>
+            </a:xfrm>
+            <a:prstGeom prst="straightConnector1">
+              <a:avLst/>
+            </a:prstGeom>
+            <a:ln w="12700">
+              <a:solidFill>
+                <a:srgbClr val="FF0000"/>
+              </a:solidFill>
+              <a:tailEnd type="triangle"/>
+            </a:ln>
+          </p:spPr>
+          <p:style>
+            <a:lnRef idx="1">
+              <a:schemeClr val="accent1"/>
+            </a:lnRef>
+            <a:fillRef idx="0">
+              <a:schemeClr val="accent1"/>
+            </a:fillRef>
+            <a:effectRef idx="0">
+              <a:schemeClr val="accent1"/>
+            </a:effectRef>
+            <a:fontRef idx="minor">
+              <a:schemeClr val="tx1"/>
+            </a:fontRef>
+          </p:style>
+        </p:cxnSp>
+        <p:sp>
+          <p:nvSpPr>
+            <p:cNvPr id="32" name="Textfeld 31">
+              <a:extLst>
+                <a:ext uri="{FF2B5EF4-FFF2-40B4-BE49-F238E27FC236}">
+                  <a16:creationId xmlns:a16="http://schemas.microsoft.com/office/drawing/2014/main" id="{9D4F3FAD-D25B-4C08-B5CF-35EEF666AC9A}"/>
+                </a:ext>
+              </a:extLst>
+            </p:cNvPr>
+            <p:cNvSpPr txBox="1"/>
+            <p:nvPr/>
+          </p:nvSpPr>
+          <p:spPr>
+            <a:xfrm>
+              <a:off x="7318440" y="1875124"/>
+              <a:ext cx="75906" cy="369332"/>
+            </a:xfrm>
+            <a:prstGeom prst="rect">
+              <a:avLst/>
+            </a:prstGeom>
+            <a:noFill/>
+          </p:spPr>
+          <p:txBody>
+            <a:bodyPr wrap="square" rtlCol="0">
+              <a:spAutoFit/>
+            </a:bodyPr>
+            <a:lstStyle/>
+            <a:p>
+              <a:r>
+                <a:rPr lang="de-DE" dirty="0">
+                  <a:solidFill>
+                    <a:srgbClr val="FF0000"/>
+                  </a:solidFill>
+                </a:rPr>
+                <a:t>1</a:t>
+              </a:r>
+            </a:p>
+          </p:txBody>
+        </p:sp>
+      </p:grpSp>
+      <p:grpSp>
+        <p:nvGrpSpPr>
+          <p:cNvPr id="37" name="Gruppieren 36">
+            <a:extLst>
+              <a:ext uri="{FF2B5EF4-FFF2-40B4-BE49-F238E27FC236}">
+                <a16:creationId xmlns:a16="http://schemas.microsoft.com/office/drawing/2014/main" id="{8FBA38D9-4D51-4ED8-A32C-4D2DF962DCD6}"/>
+              </a:ext>
+            </a:extLst>
+          </p:cNvPr>
+          <p:cNvGrpSpPr/>
+          <p:nvPr/>
+        </p:nvGrpSpPr>
+        <p:grpSpPr>
+          <a:xfrm>
+            <a:off x="6431543" y="1107147"/>
+            <a:ext cx="328270" cy="503948"/>
+            <a:chOff x="6431543" y="1107147"/>
+            <a:chExt cx="328270" cy="503948"/>
+          </a:xfrm>
+        </p:grpSpPr>
+        <p:cxnSp>
+          <p:nvCxnSpPr>
+            <p:cNvPr id="28" name="Gerade Verbindung mit Pfeil 27">
+              <a:extLst>
+                <a:ext uri="{FF2B5EF4-FFF2-40B4-BE49-F238E27FC236}">
+                  <a16:creationId xmlns:a16="http://schemas.microsoft.com/office/drawing/2014/main" id="{2CDE9740-1410-48B3-939A-B3822EC0C924}"/>
+                </a:ext>
+              </a:extLst>
+            </p:cNvPr>
+            <p:cNvCxnSpPr/>
+            <p:nvPr/>
+          </p:nvCxnSpPr>
+          <p:spPr>
+            <a:xfrm flipH="1" flipV="1">
+              <a:off x="6431543" y="1277419"/>
+              <a:ext cx="328270" cy="333676"/>
+            </a:xfrm>
+            <a:prstGeom prst="straightConnector1">
+              <a:avLst/>
+            </a:prstGeom>
+            <a:ln w="12700">
+              <a:solidFill>
+                <a:srgbClr val="FF0000"/>
+              </a:solidFill>
+              <a:tailEnd type="triangle"/>
+            </a:ln>
+          </p:spPr>
+          <p:style>
+            <a:lnRef idx="1">
+              <a:schemeClr val="accent1"/>
+            </a:lnRef>
+            <a:fillRef idx="0">
+              <a:schemeClr val="accent1"/>
+            </a:fillRef>
+            <a:effectRef idx="0">
+              <a:schemeClr val="accent1"/>
+            </a:effectRef>
+            <a:fontRef idx="minor">
+              <a:schemeClr val="tx1"/>
+            </a:fontRef>
+          </p:style>
+        </p:cxnSp>
+        <p:sp>
+          <p:nvSpPr>
+            <p:cNvPr id="33" name="Textfeld 32">
+              <a:extLst>
+                <a:ext uri="{FF2B5EF4-FFF2-40B4-BE49-F238E27FC236}">
+                  <a16:creationId xmlns:a16="http://schemas.microsoft.com/office/drawing/2014/main" id="{64759FD4-3D8D-4244-820F-A9CE211BB770}"/>
+                </a:ext>
+              </a:extLst>
+            </p:cNvPr>
+            <p:cNvSpPr txBox="1"/>
+            <p:nvPr/>
+          </p:nvSpPr>
+          <p:spPr>
+            <a:xfrm>
+              <a:off x="6602227" y="1107147"/>
+              <a:ext cx="133267" cy="369332"/>
+            </a:xfrm>
+            <a:prstGeom prst="rect">
+              <a:avLst/>
+            </a:prstGeom>
+            <a:noFill/>
+          </p:spPr>
+          <p:txBody>
+            <a:bodyPr wrap="square" rtlCol="0">
+              <a:spAutoFit/>
+            </a:bodyPr>
+            <a:lstStyle/>
+            <a:p>
+              <a:r>
+                <a:rPr lang="de-DE" dirty="0">
+                  <a:solidFill>
+                    <a:srgbClr val="FF0000"/>
+                  </a:solidFill>
+                </a:rPr>
+                <a:t>2</a:t>
+              </a:r>
+            </a:p>
+          </p:txBody>
+        </p:sp>
+      </p:grpSp>
+      <p:grpSp>
+        <p:nvGrpSpPr>
+          <p:cNvPr id="38" name="Gruppieren 37">
+            <a:extLst>
+              <a:ext uri="{FF2B5EF4-FFF2-40B4-BE49-F238E27FC236}">
+                <a16:creationId xmlns:a16="http://schemas.microsoft.com/office/drawing/2014/main" id="{34BBDCAD-EDBC-4EA9-B325-2E7288569EBD}"/>
+              </a:ext>
+            </a:extLst>
+          </p:cNvPr>
+          <p:cNvGrpSpPr/>
+          <p:nvPr/>
+        </p:nvGrpSpPr>
+        <p:grpSpPr>
+          <a:xfrm>
+            <a:off x="5421593" y="1092753"/>
+            <a:ext cx="374320" cy="525946"/>
+            <a:chOff x="5421593" y="1092753"/>
+            <a:chExt cx="374320" cy="525946"/>
+          </a:xfrm>
+        </p:grpSpPr>
+        <p:cxnSp>
+          <p:nvCxnSpPr>
+            <p:cNvPr id="29" name="Gerade Verbindung mit Pfeil 28">
+              <a:extLst>
+                <a:ext uri="{FF2B5EF4-FFF2-40B4-BE49-F238E27FC236}">
+                  <a16:creationId xmlns:a16="http://schemas.microsoft.com/office/drawing/2014/main" id="{54219F83-BFE3-4B40-9FDB-8B982ED535CF}"/>
+                </a:ext>
+              </a:extLst>
+            </p:cNvPr>
+            <p:cNvCxnSpPr>
+              <a:cxnSpLocks/>
+            </p:cNvCxnSpPr>
+            <p:nvPr/>
+          </p:nvCxnSpPr>
+          <p:spPr>
+            <a:xfrm flipH="1">
+              <a:off x="5518952" y="1277419"/>
+              <a:ext cx="276961" cy="341280"/>
+            </a:xfrm>
+            <a:prstGeom prst="straightConnector1">
+              <a:avLst/>
+            </a:prstGeom>
+            <a:ln w="12700">
+              <a:solidFill>
+                <a:srgbClr val="FF0000"/>
+              </a:solidFill>
+              <a:tailEnd type="triangle"/>
+            </a:ln>
+          </p:spPr>
+          <p:style>
+            <a:lnRef idx="1">
+              <a:schemeClr val="accent1"/>
+            </a:lnRef>
+            <a:fillRef idx="0">
+              <a:schemeClr val="accent1"/>
+            </a:fillRef>
+            <a:effectRef idx="0">
+              <a:schemeClr val="accent1"/>
+            </a:effectRef>
+            <a:fontRef idx="minor">
+              <a:schemeClr val="tx1"/>
+            </a:fontRef>
+          </p:style>
+        </p:cxnSp>
+        <p:sp>
+          <p:nvSpPr>
+            <p:cNvPr id="34" name="Textfeld 33">
+              <a:extLst>
+                <a:ext uri="{FF2B5EF4-FFF2-40B4-BE49-F238E27FC236}">
+                  <a16:creationId xmlns:a16="http://schemas.microsoft.com/office/drawing/2014/main" id="{84673575-154C-44F7-A48F-AF0BEEA5BA01}"/>
+                </a:ext>
+              </a:extLst>
+            </p:cNvPr>
+            <p:cNvSpPr txBox="1"/>
+            <p:nvPr/>
+          </p:nvSpPr>
+          <p:spPr>
+            <a:xfrm>
+              <a:off x="5421593" y="1092753"/>
+              <a:ext cx="133267" cy="369332"/>
+            </a:xfrm>
+            <a:prstGeom prst="rect">
+              <a:avLst/>
+            </a:prstGeom>
+            <a:noFill/>
+          </p:spPr>
+          <p:txBody>
+            <a:bodyPr wrap="square" rtlCol="0">
+              <a:spAutoFit/>
+            </a:bodyPr>
+            <a:lstStyle/>
+            <a:p>
+              <a:r>
+                <a:rPr lang="de-DE" dirty="0">
+                  <a:solidFill>
+                    <a:srgbClr val="FF0000"/>
+                  </a:solidFill>
+                </a:rPr>
+                <a:t>3</a:t>
+              </a:r>
+            </a:p>
+          </p:txBody>
+        </p:sp>
+      </p:grpSp>
+    </p:spTree>
+    <p:extLst>
+      <p:ext uri="{BB962C8B-B14F-4D97-AF65-F5344CB8AC3E}">
+        <p14:creationId xmlns:p14="http://schemas.microsoft.com/office/powerpoint/2010/main" val="522049958"/>
+      </p:ext>
+    </p:extLst>
+  </p:cSld>
+  <p:clrMapOvr>
+    <a:masterClrMapping/>
+  </p:clrMapOvr>
+</p:sld>
+</file>
+
+<file path=ppt/slides/slide9.xml><?xml version="1.0" encoding="utf-8"?>
+<p:sld xmlns:a="http://schemas.openxmlformats.org/drawingml/2006/main" xmlns:r="http://schemas.openxmlformats.org/officeDocument/2006/relationships" xmlns:p="http://schemas.openxmlformats.org/presentationml/2006/main">
+  <p:cSld>
+    <p:spTree>
+      <p:nvGrpSpPr>
+        <p:cNvPr id="1" name=""/>
+        <p:cNvGrpSpPr/>
+        <p:nvPr/>
+      </p:nvGrpSpPr>
+      <p:grpSpPr>
+        <a:xfrm>
+          <a:off x="0" y="0"/>
+          <a:ext cx="0" cy="0"/>
+          <a:chOff x="0" y="0"/>
+          <a:chExt cx="0" cy="0"/>
+        </a:xfrm>
+      </p:grpSpPr>
+      <p:pic>
+        <p:nvPicPr>
+          <p:cNvPr id="16" name="Grafik 15" descr="Ein Bild, das Elektronik, Zeichnung, Tastatur, Uhr enthält.&#10;&#10;Automatisch generierte Beschreibung">
+            <a:extLst>
+              <a:ext uri="{FF2B5EF4-FFF2-40B4-BE49-F238E27FC236}">
+                <a16:creationId xmlns:a16="http://schemas.microsoft.com/office/drawing/2014/main" id="{C723280C-94AB-49D2-BB1E-28495793B81E}"/>
+              </a:ext>
+            </a:extLst>
+          </p:cNvPr>
+          <p:cNvPicPr>
+            <a:picLocks noChangeAspect="1"/>
+          </p:cNvPicPr>
+          <p:nvPr/>
+        </p:nvPicPr>
+        <p:blipFill>
+          <a:blip r:embed="rId2">
+            <a:extLst>
+              <a:ext uri="{28A0092B-C50C-407E-A947-70E740481C1C}">
+                <a14:useLocalDpi xmlns:a14="http://schemas.microsoft.com/office/drawing/2010/main" val="0"/>
+              </a:ext>
+            </a:extLst>
+          </a:blip>
+          <a:stretch>
+            <a:fillRect/>
+          </a:stretch>
+        </p:blipFill>
+        <p:spPr>
+          <a:xfrm>
+            <a:off x="610840" y="1562169"/>
+            <a:ext cx="1629002" cy="1571844"/>
+          </a:xfrm>
+          <a:prstGeom prst="rect">
+            <a:avLst/>
+          </a:prstGeom>
+        </p:spPr>
+      </p:pic>
       <p:sp>
         <p:nvSpPr>
-          <p:cNvPr id="2" name="Titel 1">
+          <p:cNvPr id="86" name="Textfeld 85">
             <a:extLst>
               <a:ext uri="{FF2B5EF4-FFF2-40B4-BE49-F238E27FC236}">
-                <a16:creationId xmlns:a16="http://schemas.microsoft.com/office/drawing/2014/main" id="{4DC556E0-994B-43AC-B7F0-9AA54469DC97}"/>
+                <a16:creationId xmlns:a16="http://schemas.microsoft.com/office/drawing/2014/main" id="{EAEB63D9-E7D4-4487-94B4-162C4D697650}"/>
+              </a:ext>
+            </a:extLst>
+          </p:cNvPr>
+          <p:cNvSpPr txBox="1"/>
+          <p:nvPr/>
+        </p:nvSpPr>
+        <p:spPr>
+          <a:xfrm>
+            <a:off x="6177306" y="1735405"/>
+            <a:ext cx="5601903" cy="369332"/>
+          </a:xfrm>
+          <a:prstGeom prst="rect">
+            <a:avLst/>
+          </a:prstGeom>
+          <a:noFill/>
+        </p:spPr>
+        <p:txBody>
+          <a:bodyPr wrap="square" rtlCol="0">
+            <a:spAutoFit/>
+          </a:bodyPr>
+          <a:lstStyle/>
+          <a:p>
+            <a:r>
+              <a:rPr lang="de-DE" dirty="0"/>
+              <a:t>Eulertour-Array: […, 7, 11, 7, 12, 17, 12, 7, 13, 8, 13, 7, …]</a:t>
+            </a:r>
+          </a:p>
+        </p:txBody>
+      </p:sp>
+      <p:grpSp>
+        <p:nvGrpSpPr>
+          <p:cNvPr id="95" name="Gruppieren 94">
+            <a:extLst>
+              <a:ext uri="{FF2B5EF4-FFF2-40B4-BE49-F238E27FC236}">
+                <a16:creationId xmlns:a16="http://schemas.microsoft.com/office/drawing/2014/main" id="{62412EDD-9A0C-420D-9EB4-5EF3FF934641}"/>
+              </a:ext>
+            </a:extLst>
+          </p:cNvPr>
+          <p:cNvGrpSpPr/>
+          <p:nvPr/>
+        </p:nvGrpSpPr>
+        <p:grpSpPr>
+          <a:xfrm>
+            <a:off x="2365740" y="1603223"/>
+            <a:ext cx="4204222" cy="4304704"/>
+            <a:chOff x="2229553" y="552636"/>
+            <a:chExt cx="4204222" cy="4304704"/>
+          </a:xfrm>
+        </p:grpSpPr>
+        <p:grpSp>
+          <p:nvGrpSpPr>
+            <p:cNvPr id="85" name="Gruppieren 84">
+              <a:extLst>
+                <a:ext uri="{FF2B5EF4-FFF2-40B4-BE49-F238E27FC236}">
+                  <a16:creationId xmlns:a16="http://schemas.microsoft.com/office/drawing/2014/main" id="{1CCBA18B-7B40-440E-A4B4-1D422FFE720C}"/>
+                </a:ext>
+              </a:extLst>
+            </p:cNvPr>
+            <p:cNvGrpSpPr/>
+            <p:nvPr/>
+          </p:nvGrpSpPr>
+          <p:grpSpPr>
+            <a:xfrm>
+              <a:off x="2229553" y="552636"/>
+              <a:ext cx="4204222" cy="3868534"/>
+              <a:chOff x="3432711" y="2302298"/>
+              <a:chExt cx="2774871" cy="2553310"/>
+            </a:xfrm>
+          </p:grpSpPr>
+          <p:grpSp>
+            <p:nvGrpSpPr>
+              <p:cNvPr id="50" name="Gruppieren 49">
+                <a:extLst>
+                  <a:ext uri="{FF2B5EF4-FFF2-40B4-BE49-F238E27FC236}">
+                    <a16:creationId xmlns:a16="http://schemas.microsoft.com/office/drawing/2014/main" id="{1CF65B7A-90EE-45A6-AF3D-D232C31E18CA}"/>
+                  </a:ext>
+                </a:extLst>
+              </p:cNvPr>
+              <p:cNvGrpSpPr/>
+              <p:nvPr/>
+            </p:nvGrpSpPr>
+            <p:grpSpPr>
+              <a:xfrm>
+                <a:off x="3432711" y="2302298"/>
+                <a:ext cx="2774871" cy="2553310"/>
+                <a:chOff x="3432711" y="2302298"/>
+                <a:chExt cx="2774871" cy="2553310"/>
+              </a:xfrm>
+            </p:grpSpPr>
+            <p:sp>
+              <p:nvSpPr>
+                <p:cNvPr id="17" name="Ellipse 16">
+                  <a:extLst>
+                    <a:ext uri="{FF2B5EF4-FFF2-40B4-BE49-F238E27FC236}">
+                      <a16:creationId xmlns:a16="http://schemas.microsoft.com/office/drawing/2014/main" id="{4375F240-944E-43B7-AF37-C4540DDF3417}"/>
+                    </a:ext>
+                  </a:extLst>
+                </p:cNvPr>
+                <p:cNvSpPr/>
+                <p:nvPr/>
+              </p:nvSpPr>
+              <p:spPr>
+                <a:xfrm>
+                  <a:off x="4268812" y="2604557"/>
+                  <a:ext cx="518322" cy="518322"/>
+                </a:xfrm>
+                <a:prstGeom prst="ellipse">
+                  <a:avLst/>
+                </a:prstGeom>
+                <a:solidFill>
+                  <a:schemeClr val="bg2"/>
+                </a:solidFill>
+                <a:ln>
+                  <a:solidFill>
+                    <a:schemeClr val="tx1"/>
+                  </a:solidFill>
+                </a:ln>
+              </p:spPr>
+              <p:style>
+                <a:lnRef idx="2">
+                  <a:schemeClr val="accent1">
+                    <a:shade val="50000"/>
+                  </a:schemeClr>
+                </a:lnRef>
+                <a:fillRef idx="1">
+                  <a:schemeClr val="accent1"/>
+                </a:fillRef>
+                <a:effectRef idx="0">
+                  <a:schemeClr val="accent1"/>
+                </a:effectRef>
+                <a:fontRef idx="minor">
+                  <a:schemeClr val="lt1"/>
+                </a:fontRef>
+              </p:style>
+              <p:txBody>
+                <a:bodyPr rtlCol="0" anchor="ctr"/>
+                <a:lstStyle/>
+                <a:p>
+                  <a:pPr algn="ctr"/>
+                  <a:r>
+                    <a:rPr lang="de-DE" sz="1400" dirty="0">
+                      <a:solidFill>
+                        <a:schemeClr val="tx1"/>
+                      </a:solidFill>
+                    </a:rPr>
+                    <a:t>7</a:t>
+                  </a:r>
+                </a:p>
+              </p:txBody>
+            </p:sp>
+            <p:sp>
+              <p:nvSpPr>
+                <p:cNvPr id="22" name="Ellipse 21">
+                  <a:extLst>
+                    <a:ext uri="{FF2B5EF4-FFF2-40B4-BE49-F238E27FC236}">
+                      <a16:creationId xmlns:a16="http://schemas.microsoft.com/office/drawing/2014/main" id="{081DFEC4-FFE3-456F-8A30-98445C551636}"/>
+                    </a:ext>
+                  </a:extLst>
+                </p:cNvPr>
+                <p:cNvSpPr/>
+                <p:nvPr/>
+              </p:nvSpPr>
+              <p:spPr>
+                <a:xfrm flipV="1">
+                  <a:off x="4505113" y="2488564"/>
+                  <a:ext cx="45720" cy="45720"/>
+                </a:xfrm>
+                <a:prstGeom prst="ellipse">
+                  <a:avLst/>
+                </a:prstGeom>
+                <a:solidFill>
+                  <a:schemeClr val="tx1"/>
+                </a:solidFill>
+                <a:ln>
+                  <a:solidFill>
+                    <a:schemeClr val="tx1"/>
+                  </a:solidFill>
+                </a:ln>
+              </p:spPr>
+              <p:style>
+                <a:lnRef idx="2">
+                  <a:schemeClr val="accent1">
+                    <a:shade val="50000"/>
+                  </a:schemeClr>
+                </a:lnRef>
+                <a:fillRef idx="1">
+                  <a:schemeClr val="accent1"/>
+                </a:fillRef>
+                <a:effectRef idx="0">
+                  <a:schemeClr val="accent1"/>
+                </a:effectRef>
+                <a:fontRef idx="minor">
+                  <a:schemeClr val="lt1"/>
+                </a:fontRef>
+              </p:style>
+              <p:txBody>
+                <a:bodyPr rtlCol="0" anchor="ctr"/>
+                <a:lstStyle/>
+                <a:p>
+                  <a:pPr algn="ctr"/>
+                  <a:endParaRPr lang="de-DE"/>
+                </a:p>
+              </p:txBody>
+            </p:sp>
+            <p:sp>
+              <p:nvSpPr>
+                <p:cNvPr id="23" name="Ellipse 22">
+                  <a:extLst>
+                    <a:ext uri="{FF2B5EF4-FFF2-40B4-BE49-F238E27FC236}">
+                      <a16:creationId xmlns:a16="http://schemas.microsoft.com/office/drawing/2014/main" id="{9E9F2299-2ED1-4986-BEE1-7EDCFDEA0B88}"/>
+                    </a:ext>
+                  </a:extLst>
+                </p:cNvPr>
+                <p:cNvSpPr/>
+                <p:nvPr/>
+              </p:nvSpPr>
+              <p:spPr>
+                <a:xfrm flipV="1">
+                  <a:off x="4505113" y="2395431"/>
+                  <a:ext cx="45720" cy="45720"/>
+                </a:xfrm>
+                <a:prstGeom prst="ellipse">
+                  <a:avLst/>
+                </a:prstGeom>
+                <a:solidFill>
+                  <a:schemeClr val="tx1"/>
+                </a:solidFill>
+                <a:ln>
+                  <a:solidFill>
+                    <a:schemeClr val="tx1"/>
+                  </a:solidFill>
+                </a:ln>
+              </p:spPr>
+              <p:style>
+                <a:lnRef idx="2">
+                  <a:schemeClr val="accent1">
+                    <a:shade val="50000"/>
+                  </a:schemeClr>
+                </a:lnRef>
+                <a:fillRef idx="1">
+                  <a:schemeClr val="accent1"/>
+                </a:fillRef>
+                <a:effectRef idx="0">
+                  <a:schemeClr val="accent1"/>
+                </a:effectRef>
+                <a:fontRef idx="minor">
+                  <a:schemeClr val="lt1"/>
+                </a:fontRef>
+              </p:style>
+              <p:txBody>
+                <a:bodyPr rtlCol="0" anchor="ctr"/>
+                <a:lstStyle/>
+                <a:p>
+                  <a:pPr algn="ctr"/>
+                  <a:endParaRPr lang="de-DE"/>
+                </a:p>
+              </p:txBody>
+            </p:sp>
+            <p:sp>
+              <p:nvSpPr>
+                <p:cNvPr id="24" name="Ellipse 23">
+                  <a:extLst>
+                    <a:ext uri="{FF2B5EF4-FFF2-40B4-BE49-F238E27FC236}">
+                      <a16:creationId xmlns:a16="http://schemas.microsoft.com/office/drawing/2014/main" id="{72706BC0-4679-412F-9781-AA26671BD298}"/>
+                    </a:ext>
+                  </a:extLst>
+                </p:cNvPr>
+                <p:cNvSpPr/>
+                <p:nvPr/>
+              </p:nvSpPr>
+              <p:spPr>
+                <a:xfrm flipV="1">
+                  <a:off x="4505113" y="2302298"/>
+                  <a:ext cx="45720" cy="45720"/>
+                </a:xfrm>
+                <a:prstGeom prst="ellipse">
+                  <a:avLst/>
+                </a:prstGeom>
+                <a:solidFill>
+                  <a:schemeClr val="tx1"/>
+                </a:solidFill>
+                <a:ln>
+                  <a:solidFill>
+                    <a:schemeClr val="tx1"/>
+                  </a:solidFill>
+                </a:ln>
+              </p:spPr>
+              <p:style>
+                <a:lnRef idx="2">
+                  <a:schemeClr val="accent1">
+                    <a:shade val="50000"/>
+                  </a:schemeClr>
+                </a:lnRef>
+                <a:fillRef idx="1">
+                  <a:schemeClr val="accent1"/>
+                </a:fillRef>
+                <a:effectRef idx="0">
+                  <a:schemeClr val="accent1"/>
+                </a:effectRef>
+                <a:fontRef idx="minor">
+                  <a:schemeClr val="lt1"/>
+                </a:fontRef>
+              </p:style>
+              <p:txBody>
+                <a:bodyPr rtlCol="0" anchor="ctr"/>
+                <a:lstStyle/>
+                <a:p>
+                  <a:pPr algn="ctr"/>
+                  <a:endParaRPr lang="de-DE"/>
+                </a:p>
+              </p:txBody>
+            </p:sp>
+            <p:sp>
+              <p:nvSpPr>
+                <p:cNvPr id="25" name="Ellipse 24">
+                  <a:extLst>
+                    <a:ext uri="{FF2B5EF4-FFF2-40B4-BE49-F238E27FC236}">
+                      <a16:creationId xmlns:a16="http://schemas.microsoft.com/office/drawing/2014/main" id="{6D3FC993-66EF-4730-8380-E9CCB2C5C395}"/>
+                    </a:ext>
+                  </a:extLst>
+                </p:cNvPr>
+                <p:cNvSpPr/>
+                <p:nvPr/>
+              </p:nvSpPr>
+              <p:spPr>
+                <a:xfrm>
+                  <a:off x="3432711" y="3630321"/>
+                  <a:ext cx="518322" cy="518322"/>
+                </a:xfrm>
+                <a:prstGeom prst="ellipse">
+                  <a:avLst/>
+                </a:prstGeom>
+                <a:solidFill>
+                  <a:schemeClr val="bg2"/>
+                </a:solidFill>
+                <a:ln>
+                  <a:solidFill>
+                    <a:schemeClr val="tx1"/>
+                  </a:solidFill>
+                </a:ln>
+              </p:spPr>
+              <p:style>
+                <a:lnRef idx="2">
+                  <a:schemeClr val="accent1">
+                    <a:shade val="50000"/>
+                  </a:schemeClr>
+                </a:lnRef>
+                <a:fillRef idx="1">
+                  <a:schemeClr val="accent1"/>
+                </a:fillRef>
+                <a:effectRef idx="0">
+                  <a:schemeClr val="accent1"/>
+                </a:effectRef>
+                <a:fontRef idx="minor">
+                  <a:schemeClr val="lt1"/>
+                </a:fontRef>
+              </p:style>
+              <p:txBody>
+                <a:bodyPr rtlCol="0" anchor="ctr"/>
+                <a:lstStyle/>
+                <a:p>
+                  <a:pPr algn="ctr"/>
+                  <a:r>
+                    <a:rPr lang="de-DE" sz="1400" dirty="0">
+                      <a:solidFill>
+                        <a:schemeClr val="tx1"/>
+                      </a:solidFill>
+                    </a:rPr>
+                    <a:t>11</a:t>
+                  </a:r>
+                </a:p>
+              </p:txBody>
+            </p:sp>
+            <p:cxnSp>
+              <p:nvCxnSpPr>
+                <p:cNvPr id="26" name="Gerade Verbindung mit Pfeil 25">
+                  <a:extLst>
+                    <a:ext uri="{FF2B5EF4-FFF2-40B4-BE49-F238E27FC236}">
+                      <a16:creationId xmlns:a16="http://schemas.microsoft.com/office/drawing/2014/main" id="{EBCB9D91-BC8E-49BE-82BC-4C66F110E267}"/>
+                    </a:ext>
+                  </a:extLst>
+                </p:cNvPr>
+                <p:cNvCxnSpPr>
+                  <a:cxnSpLocks/>
+                  <a:stCxn id="17" idx="3"/>
+                  <a:endCxn id="25" idx="7"/>
+                </p:cNvCxnSpPr>
+                <p:nvPr/>
+              </p:nvCxnSpPr>
+              <p:spPr>
+                <a:xfrm flipH="1">
+                  <a:off x="3875127" y="3046973"/>
+                  <a:ext cx="469591" cy="659254"/>
+                </a:xfrm>
+                <a:prstGeom prst="straightConnector1">
+                  <a:avLst/>
+                </a:prstGeom>
+                <a:ln>
+                  <a:solidFill>
+                    <a:schemeClr val="tx1"/>
+                  </a:solidFill>
+                  <a:tailEnd type="triangle"/>
+                </a:ln>
+              </p:spPr>
+              <p:style>
+                <a:lnRef idx="1">
+                  <a:schemeClr val="accent1"/>
+                </a:lnRef>
+                <a:fillRef idx="0">
+                  <a:schemeClr val="accent1"/>
+                </a:fillRef>
+                <a:effectRef idx="0">
+                  <a:schemeClr val="accent1"/>
+                </a:effectRef>
+                <a:fontRef idx="minor">
+                  <a:schemeClr val="tx1"/>
+                </a:fontRef>
+              </p:style>
+            </p:cxnSp>
+            <p:sp>
+              <p:nvSpPr>
+                <p:cNvPr id="27" name="Ellipse 26">
+                  <a:extLst>
+                    <a:ext uri="{FF2B5EF4-FFF2-40B4-BE49-F238E27FC236}">
+                      <a16:creationId xmlns:a16="http://schemas.microsoft.com/office/drawing/2014/main" id="{2B5F8B33-7955-4BB0-8698-1269C1E2D2FD}"/>
+                    </a:ext>
+                  </a:extLst>
+                </p:cNvPr>
+                <p:cNvSpPr/>
+                <p:nvPr/>
+              </p:nvSpPr>
+              <p:spPr>
+                <a:xfrm>
+                  <a:off x="5092919" y="3630321"/>
+                  <a:ext cx="518322" cy="518322"/>
+                </a:xfrm>
+                <a:prstGeom prst="ellipse">
+                  <a:avLst/>
+                </a:prstGeom>
+                <a:solidFill>
+                  <a:schemeClr val="bg2"/>
+                </a:solidFill>
+                <a:ln>
+                  <a:solidFill>
+                    <a:schemeClr val="tx1"/>
+                  </a:solidFill>
+                </a:ln>
+              </p:spPr>
+              <p:style>
+                <a:lnRef idx="2">
+                  <a:schemeClr val="accent1">
+                    <a:shade val="50000"/>
+                  </a:schemeClr>
+                </a:lnRef>
+                <a:fillRef idx="1">
+                  <a:schemeClr val="accent1"/>
+                </a:fillRef>
+                <a:effectRef idx="0">
+                  <a:schemeClr val="accent1"/>
+                </a:effectRef>
+                <a:fontRef idx="minor">
+                  <a:schemeClr val="lt1"/>
+                </a:fontRef>
+              </p:style>
+              <p:txBody>
+                <a:bodyPr rtlCol="0" anchor="ctr"/>
+                <a:lstStyle/>
+                <a:p>
+                  <a:pPr algn="ctr"/>
+                  <a:r>
+                    <a:rPr lang="de-DE" sz="1400" dirty="0">
+                      <a:solidFill>
+                        <a:schemeClr val="tx1"/>
+                      </a:solidFill>
+                    </a:rPr>
+                    <a:t>13</a:t>
+                  </a:r>
+                </a:p>
+              </p:txBody>
+            </p:sp>
+            <p:cxnSp>
+              <p:nvCxnSpPr>
+                <p:cNvPr id="28" name="Gerade Verbindung mit Pfeil 27">
+                  <a:extLst>
+                    <a:ext uri="{FF2B5EF4-FFF2-40B4-BE49-F238E27FC236}">
+                      <a16:creationId xmlns:a16="http://schemas.microsoft.com/office/drawing/2014/main" id="{DC957F97-B111-4D94-9C23-7BC41961AD2D}"/>
+                    </a:ext>
+                  </a:extLst>
+                </p:cNvPr>
+                <p:cNvCxnSpPr>
+                  <a:cxnSpLocks/>
+                  <a:stCxn id="17" idx="5"/>
+                  <a:endCxn id="27" idx="1"/>
+                </p:cNvCxnSpPr>
+                <p:nvPr/>
+              </p:nvCxnSpPr>
+              <p:spPr>
+                <a:xfrm>
+                  <a:off x="4711228" y="3046973"/>
+                  <a:ext cx="457597" cy="659254"/>
+                </a:xfrm>
+                <a:prstGeom prst="straightConnector1">
+                  <a:avLst/>
+                </a:prstGeom>
+                <a:ln>
+                  <a:solidFill>
+                    <a:schemeClr val="tx1"/>
+                  </a:solidFill>
+                  <a:tailEnd type="triangle"/>
+                </a:ln>
+              </p:spPr>
+              <p:style>
+                <a:lnRef idx="1">
+                  <a:schemeClr val="accent1"/>
+                </a:lnRef>
+                <a:fillRef idx="0">
+                  <a:schemeClr val="accent1"/>
+                </a:fillRef>
+                <a:effectRef idx="0">
+                  <a:schemeClr val="accent1"/>
+                </a:effectRef>
+                <a:fontRef idx="minor">
+                  <a:schemeClr val="tx1"/>
+                </a:fontRef>
+              </p:style>
+            </p:cxnSp>
+            <p:sp>
+              <p:nvSpPr>
+                <p:cNvPr id="29" name="Ellipse 28">
+                  <a:extLst>
+                    <a:ext uri="{FF2B5EF4-FFF2-40B4-BE49-F238E27FC236}">
+                      <a16:creationId xmlns:a16="http://schemas.microsoft.com/office/drawing/2014/main" id="{E1CC0020-727C-4EF8-B9B1-856EDA1B49C3}"/>
+                    </a:ext>
+                  </a:extLst>
+                </p:cNvPr>
+                <p:cNvSpPr/>
+                <p:nvPr/>
+              </p:nvSpPr>
+              <p:spPr>
+                <a:xfrm>
+                  <a:off x="4262815" y="3630321"/>
+                  <a:ext cx="518322" cy="518322"/>
+                </a:xfrm>
+                <a:prstGeom prst="ellipse">
+                  <a:avLst/>
+                </a:prstGeom>
+                <a:solidFill>
+                  <a:schemeClr val="bg2"/>
+                </a:solidFill>
+                <a:ln>
+                  <a:solidFill>
+                    <a:schemeClr val="tx1"/>
+                  </a:solidFill>
+                </a:ln>
+              </p:spPr>
+              <p:style>
+                <a:lnRef idx="2">
+                  <a:schemeClr val="accent1">
+                    <a:shade val="50000"/>
+                  </a:schemeClr>
+                </a:lnRef>
+                <a:fillRef idx="1">
+                  <a:schemeClr val="accent1"/>
+                </a:fillRef>
+                <a:effectRef idx="0">
+                  <a:schemeClr val="accent1"/>
+                </a:effectRef>
+                <a:fontRef idx="minor">
+                  <a:schemeClr val="lt1"/>
+                </a:fontRef>
+              </p:style>
+              <p:txBody>
+                <a:bodyPr rtlCol="0" anchor="ctr"/>
+                <a:lstStyle/>
+                <a:p>
+                  <a:pPr algn="ctr"/>
+                  <a:r>
+                    <a:rPr lang="de-DE" sz="1400" dirty="0">
+                      <a:solidFill>
+                        <a:schemeClr val="tx1"/>
+                      </a:solidFill>
+                    </a:rPr>
+                    <a:t>12</a:t>
+                  </a:r>
+                </a:p>
+              </p:txBody>
+            </p:sp>
+            <p:cxnSp>
+              <p:nvCxnSpPr>
+                <p:cNvPr id="36" name="Gerade Verbindung mit Pfeil 35">
+                  <a:extLst>
+                    <a:ext uri="{FF2B5EF4-FFF2-40B4-BE49-F238E27FC236}">
+                      <a16:creationId xmlns:a16="http://schemas.microsoft.com/office/drawing/2014/main" id="{1BE8D24F-A03E-4A95-91DC-BD359ADA8DA0}"/>
+                    </a:ext>
+                  </a:extLst>
+                </p:cNvPr>
+                <p:cNvCxnSpPr>
+                  <a:stCxn id="17" idx="4"/>
+                  <a:endCxn id="29" idx="0"/>
+                </p:cNvCxnSpPr>
+                <p:nvPr/>
+              </p:nvCxnSpPr>
+              <p:spPr>
+                <a:xfrm flipH="1">
+                  <a:off x="4521976" y="3122879"/>
+                  <a:ext cx="5997" cy="507442"/>
+                </a:xfrm>
+                <a:prstGeom prst="straightConnector1">
+                  <a:avLst/>
+                </a:prstGeom>
+                <a:ln>
+                  <a:solidFill>
+                    <a:schemeClr val="tx1"/>
+                  </a:solidFill>
+                  <a:tailEnd type="triangle"/>
+                </a:ln>
+              </p:spPr>
+              <p:style>
+                <a:lnRef idx="1">
+                  <a:schemeClr val="accent1"/>
+                </a:lnRef>
+                <a:fillRef idx="0">
+                  <a:schemeClr val="accent1"/>
+                </a:fillRef>
+                <a:effectRef idx="0">
+                  <a:schemeClr val="accent1"/>
+                </a:effectRef>
+                <a:fontRef idx="minor">
+                  <a:schemeClr val="tx1"/>
+                </a:fontRef>
+              </p:style>
+            </p:cxnSp>
+            <p:sp>
+              <p:nvSpPr>
+                <p:cNvPr id="42" name="Ellipse 41">
+                  <a:extLst>
+                    <a:ext uri="{FF2B5EF4-FFF2-40B4-BE49-F238E27FC236}">
+                      <a16:creationId xmlns:a16="http://schemas.microsoft.com/office/drawing/2014/main" id="{E01615CB-9F1F-413B-AB27-4037BBBD6A54}"/>
+                    </a:ext>
+                  </a:extLst>
+                </p:cNvPr>
+                <p:cNvSpPr/>
+                <p:nvPr/>
+              </p:nvSpPr>
+              <p:spPr>
+                <a:xfrm>
+                  <a:off x="5689260" y="4337286"/>
+                  <a:ext cx="518322" cy="518322"/>
+                </a:xfrm>
+                <a:prstGeom prst="ellipse">
+                  <a:avLst/>
+                </a:prstGeom>
+                <a:solidFill>
+                  <a:schemeClr val="bg2"/>
+                </a:solidFill>
+                <a:ln>
+                  <a:solidFill>
+                    <a:schemeClr val="tx1"/>
+                  </a:solidFill>
+                </a:ln>
+              </p:spPr>
+              <p:style>
+                <a:lnRef idx="2">
+                  <a:schemeClr val="accent1">
+                    <a:shade val="50000"/>
+                  </a:schemeClr>
+                </a:lnRef>
+                <a:fillRef idx="1">
+                  <a:schemeClr val="accent1"/>
+                </a:fillRef>
+                <a:effectRef idx="0">
+                  <a:schemeClr val="accent1"/>
+                </a:effectRef>
+                <a:fontRef idx="minor">
+                  <a:schemeClr val="lt1"/>
+                </a:fontRef>
+              </p:style>
+              <p:txBody>
+                <a:bodyPr rtlCol="0" anchor="ctr"/>
+                <a:lstStyle/>
+                <a:p>
+                  <a:pPr algn="ctr"/>
+                  <a:r>
+                    <a:rPr lang="de-DE" sz="1400" dirty="0">
+                      <a:solidFill>
+                        <a:schemeClr val="tx1"/>
+                      </a:solidFill>
+                    </a:rPr>
+                    <a:t>8</a:t>
+                  </a:r>
+                </a:p>
+              </p:txBody>
+            </p:sp>
+            <p:cxnSp>
+              <p:nvCxnSpPr>
+                <p:cNvPr id="43" name="Gerade Verbindung mit Pfeil 42">
+                  <a:extLst>
+                    <a:ext uri="{FF2B5EF4-FFF2-40B4-BE49-F238E27FC236}">
+                      <a16:creationId xmlns:a16="http://schemas.microsoft.com/office/drawing/2014/main" id="{8A187414-3144-4D03-A877-8AF07F9142B9}"/>
+                    </a:ext>
+                  </a:extLst>
+                </p:cNvPr>
+                <p:cNvCxnSpPr>
+                  <a:cxnSpLocks/>
+                  <a:endCxn id="42" idx="1"/>
+                </p:cNvCxnSpPr>
+                <p:nvPr/>
+              </p:nvCxnSpPr>
+              <p:spPr>
+                <a:xfrm>
+                  <a:off x="5532037" y="4068232"/>
+                  <a:ext cx="233129" cy="344960"/>
+                </a:xfrm>
+                <a:prstGeom prst="straightConnector1">
+                  <a:avLst/>
+                </a:prstGeom>
+                <a:ln>
+                  <a:solidFill>
+                    <a:schemeClr val="tx1"/>
+                  </a:solidFill>
+                  <a:tailEnd type="triangle"/>
+                </a:ln>
+              </p:spPr>
+              <p:style>
+                <a:lnRef idx="1">
+                  <a:schemeClr val="accent1"/>
+                </a:lnRef>
+                <a:fillRef idx="0">
+                  <a:schemeClr val="accent1"/>
+                </a:fillRef>
+                <a:effectRef idx="0">
+                  <a:schemeClr val="accent1"/>
+                </a:effectRef>
+                <a:fontRef idx="minor">
+                  <a:schemeClr val="tx1"/>
+                </a:fontRef>
+              </p:style>
+            </p:cxnSp>
+            <p:sp>
+              <p:nvSpPr>
+                <p:cNvPr id="45" name="Ellipse 44">
+                  <a:extLst>
+                    <a:ext uri="{FF2B5EF4-FFF2-40B4-BE49-F238E27FC236}">
+                      <a16:creationId xmlns:a16="http://schemas.microsoft.com/office/drawing/2014/main" id="{DA53366B-F6F4-4F11-AF6C-0371C235F85A}"/>
+                    </a:ext>
+                  </a:extLst>
+                </p:cNvPr>
+                <p:cNvSpPr/>
+                <p:nvPr/>
+              </p:nvSpPr>
+              <p:spPr>
+                <a:xfrm>
+                  <a:off x="4262815" y="4337286"/>
+                  <a:ext cx="518322" cy="518322"/>
+                </a:xfrm>
+                <a:prstGeom prst="ellipse">
+                  <a:avLst/>
+                </a:prstGeom>
+                <a:solidFill>
+                  <a:schemeClr val="bg2"/>
+                </a:solidFill>
+                <a:ln>
+                  <a:solidFill>
+                    <a:schemeClr val="tx1"/>
+                  </a:solidFill>
+                </a:ln>
+              </p:spPr>
+              <p:style>
+                <a:lnRef idx="2">
+                  <a:schemeClr val="accent1">
+                    <a:shade val="50000"/>
+                  </a:schemeClr>
+                </a:lnRef>
+                <a:fillRef idx="1">
+                  <a:schemeClr val="accent1"/>
+                </a:fillRef>
+                <a:effectRef idx="0">
+                  <a:schemeClr val="accent1"/>
+                </a:effectRef>
+                <a:fontRef idx="minor">
+                  <a:schemeClr val="lt1"/>
+                </a:fontRef>
+              </p:style>
+              <p:txBody>
+                <a:bodyPr rtlCol="0" anchor="ctr"/>
+                <a:lstStyle/>
+                <a:p>
+                  <a:pPr algn="ctr"/>
+                  <a:r>
+                    <a:rPr lang="de-DE" sz="1400" dirty="0">
+                      <a:solidFill>
+                        <a:schemeClr val="tx1"/>
+                      </a:solidFill>
+                    </a:rPr>
+                    <a:t>17</a:t>
+                  </a:r>
+                </a:p>
+              </p:txBody>
+            </p:sp>
+            <p:cxnSp>
+              <p:nvCxnSpPr>
+                <p:cNvPr id="46" name="Gerade Verbindung mit Pfeil 45">
+                  <a:extLst>
+                    <a:ext uri="{FF2B5EF4-FFF2-40B4-BE49-F238E27FC236}">
+                      <a16:creationId xmlns:a16="http://schemas.microsoft.com/office/drawing/2014/main" id="{1A44B2E5-CE71-46D3-9BC1-3C3BCD3412AD}"/>
+                    </a:ext>
+                  </a:extLst>
+                </p:cNvPr>
+                <p:cNvCxnSpPr>
+                  <a:cxnSpLocks/>
+                  <a:stCxn id="29" idx="4"/>
+                  <a:endCxn id="45" idx="0"/>
+                </p:cNvCxnSpPr>
+                <p:nvPr/>
+              </p:nvCxnSpPr>
+              <p:spPr>
+                <a:xfrm>
+                  <a:off x="4521976" y="4148643"/>
+                  <a:ext cx="0" cy="188643"/>
+                </a:xfrm>
+                <a:prstGeom prst="straightConnector1">
+                  <a:avLst/>
+                </a:prstGeom>
+                <a:ln>
+                  <a:solidFill>
+                    <a:schemeClr val="tx1"/>
+                  </a:solidFill>
+                  <a:tailEnd type="triangle"/>
+                </a:ln>
+              </p:spPr>
+              <p:style>
+                <a:lnRef idx="1">
+                  <a:schemeClr val="accent1"/>
+                </a:lnRef>
+                <a:fillRef idx="0">
+                  <a:schemeClr val="accent1"/>
+                </a:fillRef>
+                <a:effectRef idx="0">
+                  <a:schemeClr val="accent1"/>
+                </a:effectRef>
+                <a:fontRef idx="minor">
+                  <a:schemeClr val="tx1"/>
+                </a:fontRef>
+              </p:style>
+            </p:cxnSp>
+          </p:grpSp>
+          <p:cxnSp>
+            <p:nvCxnSpPr>
+              <p:cNvPr id="54" name="Gerade Verbindung mit Pfeil 53">
+                <a:extLst>
+                  <a:ext uri="{FF2B5EF4-FFF2-40B4-BE49-F238E27FC236}">
+                    <a16:creationId xmlns:a16="http://schemas.microsoft.com/office/drawing/2014/main" id="{9484F21B-D82B-47E5-BB69-D89D471E954B}"/>
+                  </a:ext>
+                </a:extLst>
+              </p:cNvPr>
+              <p:cNvCxnSpPr/>
+              <p:nvPr/>
+            </p:nvCxnSpPr>
+            <p:spPr>
+              <a:xfrm flipH="1">
+                <a:off x="3852333" y="3031067"/>
+                <a:ext cx="402167" cy="541866"/>
+              </a:xfrm>
+              <a:prstGeom prst="straightConnector1">
+                <a:avLst/>
+              </a:prstGeom>
+              <a:ln>
+                <a:tailEnd type="triangle"/>
+              </a:ln>
+            </p:spPr>
+            <p:style>
+              <a:lnRef idx="3">
+                <a:schemeClr val="accent1"/>
+              </a:lnRef>
+              <a:fillRef idx="0">
+                <a:schemeClr val="accent1"/>
+              </a:fillRef>
+              <a:effectRef idx="2">
+                <a:schemeClr val="accent1"/>
+              </a:effectRef>
+              <a:fontRef idx="minor">
+                <a:schemeClr val="tx1"/>
+              </a:fontRef>
+            </p:style>
+          </p:cxnSp>
+          <p:cxnSp>
+            <p:nvCxnSpPr>
+              <p:cNvPr id="55" name="Gerade Verbindung mit Pfeil 54">
+                <a:extLst>
+                  <a:ext uri="{FF2B5EF4-FFF2-40B4-BE49-F238E27FC236}">
+                    <a16:creationId xmlns:a16="http://schemas.microsoft.com/office/drawing/2014/main" id="{8C0F9048-694E-4F17-9F78-92057360FFD7}"/>
+                  </a:ext>
+                </a:extLst>
+              </p:cNvPr>
+              <p:cNvCxnSpPr>
+                <a:cxnSpLocks/>
+              </p:cNvCxnSpPr>
+              <p:nvPr/>
+            </p:nvCxnSpPr>
+            <p:spPr>
+              <a:xfrm flipV="1">
+                <a:off x="4020077" y="3128433"/>
+                <a:ext cx="344490" cy="501890"/>
+              </a:xfrm>
+              <a:prstGeom prst="straightConnector1">
+                <a:avLst/>
+              </a:prstGeom>
+              <a:ln>
+                <a:tailEnd type="triangle"/>
+              </a:ln>
+            </p:spPr>
+            <p:style>
+              <a:lnRef idx="3">
+                <a:schemeClr val="accent1"/>
+              </a:lnRef>
+              <a:fillRef idx="0">
+                <a:schemeClr val="accent1"/>
+              </a:fillRef>
+              <a:effectRef idx="2">
+                <a:schemeClr val="accent1"/>
+              </a:effectRef>
+              <a:fontRef idx="minor">
+                <a:schemeClr val="tx1"/>
+              </a:fontRef>
+            </p:style>
+          </p:cxnSp>
+          <p:cxnSp>
+            <p:nvCxnSpPr>
+              <p:cNvPr id="60" name="Gerade Verbindung mit Pfeil 59">
+                <a:extLst>
+                  <a:ext uri="{FF2B5EF4-FFF2-40B4-BE49-F238E27FC236}">
+                    <a16:creationId xmlns:a16="http://schemas.microsoft.com/office/drawing/2014/main" id="{A40C3C9D-395B-4713-BC88-9821E9E6D323}"/>
+                  </a:ext>
+                </a:extLst>
+              </p:cNvPr>
+              <p:cNvCxnSpPr>
+                <a:cxnSpLocks/>
+              </p:cNvCxnSpPr>
+              <p:nvPr/>
+            </p:nvCxnSpPr>
+            <p:spPr>
+              <a:xfrm>
+                <a:off x="4434944" y="3151573"/>
+                <a:ext cx="0" cy="450054"/>
+              </a:xfrm>
+              <a:prstGeom prst="straightConnector1">
+                <a:avLst/>
+              </a:prstGeom>
+              <a:ln>
+                <a:tailEnd type="triangle"/>
+              </a:ln>
+            </p:spPr>
+            <p:style>
+              <a:lnRef idx="3">
+                <a:schemeClr val="accent1"/>
+              </a:lnRef>
+              <a:fillRef idx="0">
+                <a:schemeClr val="accent1"/>
+              </a:fillRef>
+              <a:effectRef idx="2">
+                <a:schemeClr val="accent1"/>
+              </a:effectRef>
+              <a:fontRef idx="minor">
+                <a:schemeClr val="tx1"/>
+              </a:fontRef>
+            </p:style>
+          </p:cxnSp>
+          <p:cxnSp>
+            <p:nvCxnSpPr>
+              <p:cNvPr id="65" name="Gerade Verbindung mit Pfeil 64">
+                <a:extLst>
+                  <a:ext uri="{FF2B5EF4-FFF2-40B4-BE49-F238E27FC236}">
+                    <a16:creationId xmlns:a16="http://schemas.microsoft.com/office/drawing/2014/main" id="{B3AB8CFF-A0C1-49B9-B2EF-5D8432074C89}"/>
+                  </a:ext>
+                </a:extLst>
+              </p:cNvPr>
+              <p:cNvCxnSpPr>
+                <a:cxnSpLocks/>
+              </p:cNvCxnSpPr>
+              <p:nvPr/>
+            </p:nvCxnSpPr>
+            <p:spPr>
+              <a:xfrm>
+                <a:off x="4434944" y="4165398"/>
+                <a:ext cx="0" cy="171888"/>
+              </a:xfrm>
+              <a:prstGeom prst="straightConnector1">
+                <a:avLst/>
+              </a:prstGeom>
+              <a:ln>
+                <a:tailEnd type="triangle"/>
+              </a:ln>
+            </p:spPr>
+            <p:style>
+              <a:lnRef idx="3">
+                <a:schemeClr val="accent1"/>
+              </a:lnRef>
+              <a:fillRef idx="0">
+                <a:schemeClr val="accent1"/>
+              </a:fillRef>
+              <a:effectRef idx="2">
+                <a:schemeClr val="accent1"/>
+              </a:effectRef>
+              <a:fontRef idx="minor">
+                <a:schemeClr val="tx1"/>
+              </a:fontRef>
+            </p:style>
+          </p:cxnSp>
+          <p:cxnSp>
+            <p:nvCxnSpPr>
+              <p:cNvPr id="67" name="Gerade Verbindung mit Pfeil 66">
+                <a:extLst>
+                  <a:ext uri="{FF2B5EF4-FFF2-40B4-BE49-F238E27FC236}">
+                    <a16:creationId xmlns:a16="http://schemas.microsoft.com/office/drawing/2014/main" id="{B6AAE0BB-7431-4786-8F57-B294415EBA58}"/>
+                  </a:ext>
+                </a:extLst>
+              </p:cNvPr>
+              <p:cNvCxnSpPr>
+                <a:cxnSpLocks/>
+              </p:cNvCxnSpPr>
+              <p:nvPr/>
+            </p:nvCxnSpPr>
+            <p:spPr>
+              <a:xfrm flipV="1">
+                <a:off x="4612744" y="4148643"/>
+                <a:ext cx="0" cy="152400"/>
+              </a:xfrm>
+              <a:prstGeom prst="straightConnector1">
+                <a:avLst/>
+              </a:prstGeom>
+              <a:ln>
+                <a:tailEnd type="triangle"/>
+              </a:ln>
+            </p:spPr>
+            <p:style>
+              <a:lnRef idx="3">
+                <a:schemeClr val="accent1"/>
+              </a:lnRef>
+              <a:fillRef idx="0">
+                <a:schemeClr val="accent1"/>
+              </a:fillRef>
+              <a:effectRef idx="2">
+                <a:schemeClr val="accent1"/>
+              </a:effectRef>
+              <a:fontRef idx="minor">
+                <a:schemeClr val="tx1"/>
+              </a:fontRef>
+            </p:style>
+          </p:cxnSp>
+          <p:cxnSp>
+            <p:nvCxnSpPr>
+              <p:cNvPr id="69" name="Gerade Verbindung mit Pfeil 68">
+                <a:extLst>
+                  <a:ext uri="{FF2B5EF4-FFF2-40B4-BE49-F238E27FC236}">
+                    <a16:creationId xmlns:a16="http://schemas.microsoft.com/office/drawing/2014/main" id="{8227DA6E-5A34-439A-BC8B-631A3CB4BC52}"/>
+                  </a:ext>
+                </a:extLst>
+              </p:cNvPr>
+              <p:cNvCxnSpPr>
+                <a:cxnSpLocks/>
+              </p:cNvCxnSpPr>
+              <p:nvPr/>
+            </p:nvCxnSpPr>
+            <p:spPr>
+              <a:xfrm flipV="1">
+                <a:off x="4606921" y="3141134"/>
+                <a:ext cx="0" cy="431799"/>
+              </a:xfrm>
+              <a:prstGeom prst="straightConnector1">
+                <a:avLst/>
+              </a:prstGeom>
+              <a:ln>
+                <a:tailEnd type="triangle"/>
+              </a:ln>
+            </p:spPr>
+            <p:style>
+              <a:lnRef idx="3">
+                <a:schemeClr val="accent1"/>
+              </a:lnRef>
+              <a:fillRef idx="0">
+                <a:schemeClr val="accent1"/>
+              </a:fillRef>
+              <a:effectRef idx="2">
+                <a:schemeClr val="accent1"/>
+              </a:effectRef>
+              <a:fontRef idx="minor">
+                <a:schemeClr val="tx1"/>
+              </a:fontRef>
+            </p:style>
+          </p:cxnSp>
+          <p:cxnSp>
+            <p:nvCxnSpPr>
+              <p:cNvPr id="72" name="Gerade Verbindung mit Pfeil 71">
+                <a:extLst>
+                  <a:ext uri="{FF2B5EF4-FFF2-40B4-BE49-F238E27FC236}">
+                    <a16:creationId xmlns:a16="http://schemas.microsoft.com/office/drawing/2014/main" id="{D9ECA461-2503-432E-A8B4-4C0585FDC04D}"/>
+                  </a:ext>
+                </a:extLst>
+              </p:cNvPr>
+              <p:cNvCxnSpPr>
+                <a:cxnSpLocks/>
+              </p:cNvCxnSpPr>
+              <p:nvPr/>
+            </p:nvCxnSpPr>
+            <p:spPr>
+              <a:xfrm>
+                <a:off x="4690533" y="3141133"/>
+                <a:ext cx="389209" cy="571961"/>
+              </a:xfrm>
+              <a:prstGeom prst="straightConnector1">
+                <a:avLst/>
+              </a:prstGeom>
+              <a:ln>
+                <a:tailEnd type="triangle"/>
+              </a:ln>
+            </p:spPr>
+            <p:style>
+              <a:lnRef idx="3">
+                <a:schemeClr val="accent1"/>
+              </a:lnRef>
+              <a:fillRef idx="0">
+                <a:schemeClr val="accent1"/>
+              </a:fillRef>
+              <a:effectRef idx="2">
+                <a:schemeClr val="accent1"/>
+              </a:effectRef>
+              <a:fontRef idx="minor">
+                <a:schemeClr val="tx1"/>
+              </a:fontRef>
+            </p:style>
+          </p:cxnSp>
+          <p:cxnSp>
+            <p:nvCxnSpPr>
+              <p:cNvPr id="76" name="Gerade Verbindung mit Pfeil 75">
+                <a:extLst>
+                  <a:ext uri="{FF2B5EF4-FFF2-40B4-BE49-F238E27FC236}">
+                    <a16:creationId xmlns:a16="http://schemas.microsoft.com/office/drawing/2014/main" id="{FA16A00B-305E-4F5A-915A-3391853273AF}"/>
+                  </a:ext>
+                </a:extLst>
+              </p:cNvPr>
+              <p:cNvCxnSpPr>
+                <a:cxnSpLocks/>
+              </p:cNvCxnSpPr>
+              <p:nvPr/>
+            </p:nvCxnSpPr>
+            <p:spPr>
+              <a:xfrm>
+                <a:off x="5479966" y="4148643"/>
+                <a:ext cx="221401" cy="326256"/>
+              </a:xfrm>
+              <a:prstGeom prst="straightConnector1">
+                <a:avLst/>
+              </a:prstGeom>
+              <a:ln>
+                <a:tailEnd type="triangle"/>
+              </a:ln>
+            </p:spPr>
+            <p:style>
+              <a:lnRef idx="3">
+                <a:schemeClr val="accent1"/>
+              </a:lnRef>
+              <a:fillRef idx="0">
+                <a:schemeClr val="accent1"/>
+              </a:fillRef>
+              <a:effectRef idx="2">
+                <a:schemeClr val="accent1"/>
+              </a:effectRef>
+              <a:fontRef idx="minor">
+                <a:schemeClr val="tx1"/>
+              </a:fontRef>
+            </p:style>
+          </p:cxnSp>
+          <p:cxnSp>
+            <p:nvCxnSpPr>
+              <p:cNvPr id="78" name="Gerade Verbindung mit Pfeil 77">
+                <a:extLst>
+                  <a:ext uri="{FF2B5EF4-FFF2-40B4-BE49-F238E27FC236}">
+                    <a16:creationId xmlns:a16="http://schemas.microsoft.com/office/drawing/2014/main" id="{49626B3A-64BB-4805-9CF4-F28E70B2A68B}"/>
+                  </a:ext>
+                </a:extLst>
+              </p:cNvPr>
+              <p:cNvCxnSpPr>
+                <a:cxnSpLocks/>
+              </p:cNvCxnSpPr>
+              <p:nvPr/>
+            </p:nvCxnSpPr>
+            <p:spPr>
+              <a:xfrm flipH="1" flipV="1">
+                <a:off x="5611242" y="4024659"/>
+                <a:ext cx="205995" cy="287112"/>
+              </a:xfrm>
+              <a:prstGeom prst="straightConnector1">
+                <a:avLst/>
+              </a:prstGeom>
+              <a:ln>
+                <a:tailEnd type="triangle"/>
+              </a:ln>
+            </p:spPr>
+            <p:style>
+              <a:lnRef idx="3">
+                <a:schemeClr val="accent1"/>
+              </a:lnRef>
+              <a:fillRef idx="0">
+                <a:schemeClr val="accent1"/>
+              </a:fillRef>
+              <a:effectRef idx="2">
+                <a:schemeClr val="accent1"/>
+              </a:effectRef>
+              <a:fontRef idx="minor">
+                <a:schemeClr val="tx1"/>
+              </a:fontRef>
+            </p:style>
+          </p:cxnSp>
+          <p:cxnSp>
+            <p:nvCxnSpPr>
+              <p:cNvPr id="82" name="Gerade Verbindung mit Pfeil 81">
+                <a:extLst>
+                  <a:ext uri="{FF2B5EF4-FFF2-40B4-BE49-F238E27FC236}">
+                    <a16:creationId xmlns:a16="http://schemas.microsoft.com/office/drawing/2014/main" id="{125B9B76-5BEB-4936-AB6B-6088D301DEF7}"/>
+                  </a:ext>
+                </a:extLst>
+              </p:cNvPr>
+              <p:cNvCxnSpPr>
+                <a:cxnSpLocks/>
+              </p:cNvCxnSpPr>
+              <p:nvPr/>
+            </p:nvCxnSpPr>
+            <p:spPr>
+              <a:xfrm flipH="1" flipV="1">
+                <a:off x="4801455" y="3006129"/>
+                <a:ext cx="413397" cy="566804"/>
+              </a:xfrm>
+              <a:prstGeom prst="straightConnector1">
+                <a:avLst/>
+              </a:prstGeom>
+              <a:ln>
+                <a:tailEnd type="triangle"/>
+              </a:ln>
+            </p:spPr>
+            <p:style>
+              <a:lnRef idx="3">
+                <a:schemeClr val="accent1"/>
+              </a:lnRef>
+              <a:fillRef idx="0">
+                <a:schemeClr val="accent1"/>
+              </a:fillRef>
+              <a:effectRef idx="2">
+                <a:schemeClr val="accent1"/>
+              </a:effectRef>
+              <a:fontRef idx="minor">
+                <a:schemeClr val="tx1"/>
+              </a:fontRef>
+            </p:style>
+          </p:cxnSp>
+        </p:grpSp>
+        <p:cxnSp>
+          <p:nvCxnSpPr>
+            <p:cNvPr id="88" name="Gerade Verbindung mit Pfeil 87">
+              <a:extLst>
+                <a:ext uri="{FF2B5EF4-FFF2-40B4-BE49-F238E27FC236}">
+                  <a16:creationId xmlns:a16="http://schemas.microsoft.com/office/drawing/2014/main" id="{D25BFC80-E073-482A-979E-53BD5FA87B84}"/>
+                </a:ext>
+              </a:extLst>
+            </p:cNvPr>
+            <p:cNvCxnSpPr/>
+            <p:nvPr/>
+          </p:nvCxnSpPr>
+          <p:spPr>
+            <a:xfrm>
+              <a:off x="5039310" y="890033"/>
+              <a:ext cx="982412" cy="0"/>
+            </a:xfrm>
+            <a:prstGeom prst="straightConnector1">
+              <a:avLst/>
+            </a:prstGeom>
+            <a:ln w="38100">
+              <a:tailEnd type="triangle"/>
+            </a:ln>
+          </p:spPr>
+          <p:style>
+            <a:lnRef idx="1">
+              <a:schemeClr val="dk1"/>
+            </a:lnRef>
+            <a:fillRef idx="0">
+              <a:schemeClr val="dk1"/>
+            </a:fillRef>
+            <a:effectRef idx="0">
+              <a:schemeClr val="dk1"/>
+            </a:effectRef>
+            <a:fontRef idx="minor">
+              <a:schemeClr val="tx1"/>
+            </a:fontRef>
+          </p:style>
+        </p:cxnSp>
+        <p:sp>
+          <p:nvSpPr>
+            <p:cNvPr id="89" name="Ellipse 88">
+              <a:extLst>
+                <a:ext uri="{FF2B5EF4-FFF2-40B4-BE49-F238E27FC236}">
+                  <a16:creationId xmlns:a16="http://schemas.microsoft.com/office/drawing/2014/main" id="{050088D6-F18D-49D6-B2E9-490452B42D1C}"/>
+                </a:ext>
+              </a:extLst>
+            </p:cNvPr>
+            <p:cNvSpPr/>
+            <p:nvPr/>
+          </p:nvSpPr>
+          <p:spPr>
+            <a:xfrm flipV="1">
+              <a:off x="3845268" y="4788069"/>
+              <a:ext cx="69271" cy="69271"/>
+            </a:xfrm>
+            <a:prstGeom prst="ellipse">
+              <a:avLst/>
+            </a:prstGeom>
+            <a:solidFill>
+              <a:schemeClr val="tx1"/>
+            </a:solidFill>
+            <a:ln>
+              <a:solidFill>
+                <a:schemeClr val="tx1"/>
+              </a:solidFill>
+            </a:ln>
+          </p:spPr>
+          <p:style>
+            <a:lnRef idx="2">
+              <a:schemeClr val="accent1">
+                <a:shade val="50000"/>
+              </a:schemeClr>
+            </a:lnRef>
+            <a:fillRef idx="1">
+              <a:schemeClr val="accent1"/>
+            </a:fillRef>
+            <a:effectRef idx="0">
+              <a:schemeClr val="accent1"/>
+            </a:effectRef>
+            <a:fontRef idx="minor">
+              <a:schemeClr val="lt1"/>
+            </a:fontRef>
+          </p:style>
+          <p:txBody>
+            <a:bodyPr rtlCol="0" anchor="ctr"/>
+            <a:lstStyle/>
+            <a:p>
+              <a:pPr algn="ctr"/>
+              <a:endParaRPr lang="de-DE"/>
+            </a:p>
+          </p:txBody>
+        </p:sp>
+        <p:sp>
+          <p:nvSpPr>
+            <p:cNvPr id="90" name="Ellipse 89">
+              <a:extLst>
+                <a:ext uri="{FF2B5EF4-FFF2-40B4-BE49-F238E27FC236}">
+                  <a16:creationId xmlns:a16="http://schemas.microsoft.com/office/drawing/2014/main" id="{4BB22FDA-34A9-4EFD-948E-BF138BD24CF7}"/>
+                </a:ext>
+              </a:extLst>
+            </p:cNvPr>
+            <p:cNvSpPr/>
+            <p:nvPr/>
+          </p:nvSpPr>
+          <p:spPr>
+            <a:xfrm flipV="1">
+              <a:off x="3845268" y="4646962"/>
+              <a:ext cx="69271" cy="69271"/>
+            </a:xfrm>
+            <a:prstGeom prst="ellipse">
+              <a:avLst/>
+            </a:prstGeom>
+            <a:solidFill>
+              <a:schemeClr val="tx1"/>
+            </a:solidFill>
+            <a:ln>
+              <a:solidFill>
+                <a:schemeClr val="tx1"/>
+              </a:solidFill>
+            </a:ln>
+          </p:spPr>
+          <p:style>
+            <a:lnRef idx="2">
+              <a:schemeClr val="accent1">
+                <a:shade val="50000"/>
+              </a:schemeClr>
+            </a:lnRef>
+            <a:fillRef idx="1">
+              <a:schemeClr val="accent1"/>
+            </a:fillRef>
+            <a:effectRef idx="0">
+              <a:schemeClr val="accent1"/>
+            </a:effectRef>
+            <a:fontRef idx="minor">
+              <a:schemeClr val="lt1"/>
+            </a:fontRef>
+          </p:style>
+          <p:txBody>
+            <a:bodyPr rtlCol="0" anchor="ctr"/>
+            <a:lstStyle/>
+            <a:p>
+              <a:pPr algn="ctr"/>
+              <a:endParaRPr lang="de-DE"/>
+            </a:p>
+          </p:txBody>
+        </p:sp>
+        <p:sp>
+          <p:nvSpPr>
+            <p:cNvPr id="91" name="Ellipse 90">
+              <a:extLst>
+                <a:ext uri="{FF2B5EF4-FFF2-40B4-BE49-F238E27FC236}">
+                  <a16:creationId xmlns:a16="http://schemas.microsoft.com/office/drawing/2014/main" id="{8AB6C564-0B68-4F12-BAD8-ED8C2BEB6CA7}"/>
+                </a:ext>
+              </a:extLst>
+            </p:cNvPr>
+            <p:cNvSpPr/>
+            <p:nvPr/>
+          </p:nvSpPr>
+          <p:spPr>
+            <a:xfrm flipV="1">
+              <a:off x="3845268" y="4505856"/>
+              <a:ext cx="69271" cy="69271"/>
+            </a:xfrm>
+            <a:prstGeom prst="ellipse">
+              <a:avLst/>
+            </a:prstGeom>
+            <a:solidFill>
+              <a:schemeClr val="tx1"/>
+            </a:solidFill>
+            <a:ln>
+              <a:solidFill>
+                <a:schemeClr val="tx1"/>
+              </a:solidFill>
+            </a:ln>
+          </p:spPr>
+          <p:style>
+            <a:lnRef idx="2">
+              <a:schemeClr val="accent1">
+                <a:shade val="50000"/>
+              </a:schemeClr>
+            </a:lnRef>
+            <a:fillRef idx="1">
+              <a:schemeClr val="accent1"/>
+            </a:fillRef>
+            <a:effectRef idx="0">
+              <a:schemeClr val="accent1"/>
+            </a:effectRef>
+            <a:fontRef idx="minor">
+              <a:schemeClr val="lt1"/>
+            </a:fontRef>
+          </p:style>
+          <p:txBody>
+            <a:bodyPr rtlCol="0" anchor="ctr"/>
+            <a:lstStyle/>
+            <a:p>
+              <a:pPr algn="ctr"/>
+              <a:endParaRPr lang="de-DE"/>
+            </a:p>
+          </p:txBody>
+        </p:sp>
+        <p:sp>
+          <p:nvSpPr>
+            <p:cNvPr id="92" name="Ellipse 91">
+              <a:extLst>
+                <a:ext uri="{FF2B5EF4-FFF2-40B4-BE49-F238E27FC236}">
+                  <a16:creationId xmlns:a16="http://schemas.microsoft.com/office/drawing/2014/main" id="{794F090A-677E-4628-BB30-6181AF2C498B}"/>
+                </a:ext>
+              </a:extLst>
+            </p:cNvPr>
+            <p:cNvSpPr/>
+            <p:nvPr/>
+          </p:nvSpPr>
+          <p:spPr>
+            <a:xfrm flipV="1">
+              <a:off x="6248305" y="4720219"/>
+              <a:ext cx="69271" cy="69271"/>
+            </a:xfrm>
+            <a:prstGeom prst="ellipse">
+              <a:avLst/>
+            </a:prstGeom>
+            <a:solidFill>
+              <a:schemeClr val="tx1"/>
+            </a:solidFill>
+            <a:ln>
+              <a:solidFill>
+                <a:schemeClr val="tx1"/>
+              </a:solidFill>
+            </a:ln>
+          </p:spPr>
+          <p:style>
+            <a:lnRef idx="2">
+              <a:schemeClr val="accent1">
+                <a:shade val="50000"/>
+              </a:schemeClr>
+            </a:lnRef>
+            <a:fillRef idx="1">
+              <a:schemeClr val="accent1"/>
+            </a:fillRef>
+            <a:effectRef idx="0">
+              <a:schemeClr val="accent1"/>
+            </a:effectRef>
+            <a:fontRef idx="minor">
+              <a:schemeClr val="lt1"/>
+            </a:fontRef>
+          </p:style>
+          <p:txBody>
+            <a:bodyPr rtlCol="0" anchor="ctr"/>
+            <a:lstStyle/>
+            <a:p>
+              <a:pPr algn="ctr"/>
+              <a:endParaRPr lang="de-DE"/>
+            </a:p>
+          </p:txBody>
+        </p:sp>
+        <p:sp>
+          <p:nvSpPr>
+            <p:cNvPr id="93" name="Ellipse 92">
+              <a:extLst>
+                <a:ext uri="{FF2B5EF4-FFF2-40B4-BE49-F238E27FC236}">
+                  <a16:creationId xmlns:a16="http://schemas.microsoft.com/office/drawing/2014/main" id="{C624C75B-4264-4118-8DD4-C9A111874328}"/>
+                </a:ext>
+              </a:extLst>
+            </p:cNvPr>
+            <p:cNvSpPr/>
+            <p:nvPr/>
+          </p:nvSpPr>
+          <p:spPr>
+            <a:xfrm flipV="1">
+              <a:off x="6248305" y="4579112"/>
+              <a:ext cx="69271" cy="69271"/>
+            </a:xfrm>
+            <a:prstGeom prst="ellipse">
+              <a:avLst/>
+            </a:prstGeom>
+            <a:solidFill>
+              <a:schemeClr val="tx1"/>
+            </a:solidFill>
+            <a:ln>
+              <a:solidFill>
+                <a:schemeClr val="tx1"/>
+              </a:solidFill>
+            </a:ln>
+          </p:spPr>
+          <p:style>
+            <a:lnRef idx="2">
+              <a:schemeClr val="accent1">
+                <a:shade val="50000"/>
+              </a:schemeClr>
+            </a:lnRef>
+            <a:fillRef idx="1">
+              <a:schemeClr val="accent1"/>
+            </a:fillRef>
+            <a:effectRef idx="0">
+              <a:schemeClr val="accent1"/>
+            </a:effectRef>
+            <a:fontRef idx="minor">
+              <a:schemeClr val="lt1"/>
+            </a:fontRef>
+          </p:style>
+          <p:txBody>
+            <a:bodyPr rtlCol="0" anchor="ctr"/>
+            <a:lstStyle/>
+            <a:p>
+              <a:pPr algn="ctr"/>
+              <a:endParaRPr lang="de-DE"/>
+            </a:p>
+          </p:txBody>
+        </p:sp>
+        <p:sp>
+          <p:nvSpPr>
+            <p:cNvPr id="94" name="Ellipse 93">
+              <a:extLst>
+                <a:ext uri="{FF2B5EF4-FFF2-40B4-BE49-F238E27FC236}">
+                  <a16:creationId xmlns:a16="http://schemas.microsoft.com/office/drawing/2014/main" id="{26C44C9F-77BC-4426-81AA-447DA9BC8D1D}"/>
+                </a:ext>
+              </a:extLst>
+            </p:cNvPr>
+            <p:cNvSpPr/>
+            <p:nvPr/>
+          </p:nvSpPr>
+          <p:spPr>
+            <a:xfrm flipV="1">
+              <a:off x="6248305" y="4438006"/>
+              <a:ext cx="69271" cy="69271"/>
+            </a:xfrm>
+            <a:prstGeom prst="ellipse">
+              <a:avLst/>
+            </a:prstGeom>
+            <a:solidFill>
+              <a:schemeClr val="tx1"/>
+            </a:solidFill>
+            <a:ln>
+              <a:solidFill>
+                <a:schemeClr val="tx1"/>
+              </a:solidFill>
+            </a:ln>
+          </p:spPr>
+          <p:style>
+            <a:lnRef idx="2">
+              <a:schemeClr val="accent1">
+                <a:shade val="50000"/>
+              </a:schemeClr>
+            </a:lnRef>
+            <a:fillRef idx="1">
+              <a:schemeClr val="accent1"/>
+            </a:fillRef>
+            <a:effectRef idx="0">
+              <a:schemeClr val="accent1"/>
+            </a:effectRef>
+            <a:fontRef idx="minor">
+              <a:schemeClr val="lt1"/>
+            </a:fontRef>
+          </p:style>
+          <p:txBody>
+            <a:bodyPr rtlCol="0" anchor="ctr"/>
+            <a:lstStyle/>
+            <a:p>
+              <a:pPr algn="ctr"/>
+              <a:endParaRPr lang="de-DE"/>
+            </a:p>
+          </p:txBody>
+        </p:sp>
+      </p:grpSp>
+      <p:sp>
+        <p:nvSpPr>
+          <p:cNvPr id="96" name="Titel 1">
+            <a:extLst>
+              <a:ext uri="{FF2B5EF4-FFF2-40B4-BE49-F238E27FC236}">
+                <a16:creationId xmlns:a16="http://schemas.microsoft.com/office/drawing/2014/main" id="{8BE6663A-3DB0-4E03-852C-783838E9EB1F}"/>
               </a:ext>
             </a:extLst>
           </p:cNvPr>
@@ -6540,44 +11488,27 @@
             <p:ph type="title"/>
           </p:nvPr>
         </p:nvSpPr>
-        <p:spPr/>
+        <p:spPr>
+          <a:xfrm>
+            <a:off x="838200" y="365125"/>
+            <a:ext cx="10515600" cy="1325563"/>
+          </a:xfrm>
+        </p:spPr>
         <p:txBody>
           <a:bodyPr/>
           <a:lstStyle/>
           <a:p>
-            <a:endParaRPr lang="de-DE" dirty="0"/>
-          </a:p>
-        </p:txBody>
-      </p:sp>
-      <p:sp>
-        <p:nvSpPr>
-          <p:cNvPr id="3" name="Inhaltsplatzhalter 2">
-            <a:extLst>
-              <a:ext uri="{FF2B5EF4-FFF2-40B4-BE49-F238E27FC236}">
-                <a16:creationId xmlns:a16="http://schemas.microsoft.com/office/drawing/2014/main" id="{028EE124-D06E-469D-B751-56E237D17002}"/>
-              </a:ext>
-            </a:extLst>
-          </p:cNvPr>
-          <p:cNvSpPr>
-            <a:spLocks noGrp="1"/>
-          </p:cNvSpPr>
-          <p:nvPr>
-            <p:ph idx="1"/>
-          </p:nvPr>
-        </p:nvSpPr>
-        <p:spPr/>
-        <p:txBody>
-          <a:bodyPr/>
-          <a:lstStyle/>
-          <a:p>
-            <a:endParaRPr lang="de-DE"/>
+            <a:r>
+              <a:rPr lang="de-DE" dirty="0"/>
+              <a:t>Lösungsansatz – Eulertour</a:t>
+            </a:r>
           </a:p>
         </p:txBody>
       </p:sp>
     </p:spTree>
     <p:extLst>
       <p:ext uri="{BB962C8B-B14F-4D97-AF65-F5344CB8AC3E}">
-        <p14:creationId xmlns:p14="http://schemas.microsoft.com/office/powerpoint/2010/main" val="522049958"/>
+        <p14:creationId xmlns:p14="http://schemas.microsoft.com/office/powerpoint/2010/main" val="2059749685"/>
       </p:ext>
     </p:extLst>
   </p:cSld>
@@ -6880,4 +11811,299 @@
     </a:ext>
   </a:extLst>
 </a:theme>
+</file>
+
+<file path=ppt/theme/theme2.xml><?xml version="1.0" encoding="utf-8"?>
+<a:theme xmlns:a="http://schemas.openxmlformats.org/drawingml/2006/main" name="Office">
+  <a:themeElements>
+    <a:clrScheme name="Office">
+      <a:dk1>
+        <a:sysClr val="windowText" lastClr="000000"/>
+      </a:dk1>
+      <a:lt1>
+        <a:sysClr val="window" lastClr="FFFFFF"/>
+      </a:lt1>
+      <a:dk2>
+        <a:srgbClr val="44546A"/>
+      </a:dk2>
+      <a:lt2>
+        <a:srgbClr val="E7E6E6"/>
+      </a:lt2>
+      <a:accent1>
+        <a:srgbClr val="4472C4"/>
+      </a:accent1>
+      <a:accent2>
+        <a:srgbClr val="ED7D31"/>
+      </a:accent2>
+      <a:accent3>
+        <a:srgbClr val="A5A5A5"/>
+      </a:accent3>
+      <a:accent4>
+        <a:srgbClr val="FFC000"/>
+      </a:accent4>
+      <a:accent5>
+        <a:srgbClr val="5B9BD5"/>
+      </a:accent5>
+      <a:accent6>
+        <a:srgbClr val="70AD47"/>
+      </a:accent6>
+      <a:hlink>
+        <a:srgbClr val="0563C1"/>
+      </a:hlink>
+      <a:folHlink>
+        <a:srgbClr val="954F72"/>
+      </a:folHlink>
+    </a:clrScheme>
+    <a:fontScheme name="Office">
+      <a:majorFont>
+        <a:latin typeface="Calibri Light" panose="020F0302020204030204"/>
+        <a:ea typeface=""/>
+        <a:cs typeface=""/>
+        <a:font script="Jpan" typeface="游ゴシック Light"/>
+        <a:font script="Hang" typeface="맑은 고딕"/>
+        <a:font script="Hans" typeface="等线 Light"/>
+        <a:font script="Hant" typeface="新細明體"/>
+        <a:font script="Arab" typeface="Times New Roman"/>
+        <a:font script="Hebr" typeface="Times New Roman"/>
+        <a:font script="Thai" typeface="Angsana New"/>
+        <a:font script="Ethi" typeface="Nyala"/>
+        <a:font script="Beng" typeface="Vrinda"/>
+        <a:font script="Gujr" typeface="Shruti"/>
+        <a:font script="Khmr" typeface="MoolBoran"/>
+        <a:font script="Knda" typeface="Tunga"/>
+        <a:font script="Guru" typeface="Raavi"/>
+        <a:font script="Cans" typeface="Euphemia"/>
+        <a:font script="Cher" typeface="Plantagenet Cherokee"/>
+        <a:font script="Yiii" typeface="Microsoft Yi Baiti"/>
+        <a:font script="Tibt" typeface="Microsoft Himalaya"/>
+        <a:font script="Thaa" typeface="MV Boli"/>
+        <a:font script="Deva" typeface="Mangal"/>
+        <a:font script="Telu" typeface="Gautami"/>
+        <a:font script="Taml" typeface="Latha"/>
+        <a:font script="Syrc" typeface="Estrangelo Edessa"/>
+        <a:font script="Orya" typeface="Kalinga"/>
+        <a:font script="Mlym" typeface="Kartika"/>
+        <a:font script="Laoo" typeface="DokChampa"/>
+        <a:font script="Sinh" typeface="Iskoola Pota"/>
+        <a:font script="Mong" typeface="Mongolian Baiti"/>
+        <a:font script="Viet" typeface="Times New Roman"/>
+        <a:font script="Uigh" typeface="Microsoft Uighur"/>
+        <a:font script="Geor" typeface="Sylfaen"/>
+        <a:font script="Armn" typeface="Arial"/>
+        <a:font script="Bugi" typeface="Leelawadee UI"/>
+        <a:font script="Bopo" typeface="Microsoft JhengHei"/>
+        <a:font script="Java" typeface="Javanese Text"/>
+        <a:font script="Lisu" typeface="Segoe UI"/>
+        <a:font script="Mymr" typeface="Myanmar Text"/>
+        <a:font script="Nkoo" typeface="Ebrima"/>
+        <a:font script="Olck" typeface="Nirmala UI"/>
+        <a:font script="Osma" typeface="Ebrima"/>
+        <a:font script="Phag" typeface="Phagspa"/>
+        <a:font script="Syrn" typeface="Estrangelo Edessa"/>
+        <a:font script="Syrj" typeface="Estrangelo Edessa"/>
+        <a:font script="Syre" typeface="Estrangelo Edessa"/>
+        <a:font script="Sora" typeface="Nirmala UI"/>
+        <a:font script="Tale" typeface="Microsoft Tai Le"/>
+        <a:font script="Talu" typeface="Microsoft New Tai Lue"/>
+        <a:font script="Tfng" typeface="Ebrima"/>
+      </a:majorFont>
+      <a:minorFont>
+        <a:latin typeface="Calibri" panose="020F0502020204030204"/>
+        <a:ea typeface=""/>
+        <a:cs typeface=""/>
+        <a:font script="Jpan" typeface="游ゴシック"/>
+        <a:font script="Hang" typeface="맑은 고딕"/>
+        <a:font script="Hans" typeface="等线"/>
+        <a:font script="Hant" typeface="新細明體"/>
+        <a:font script="Arab" typeface="Arial"/>
+        <a:font script="Hebr" typeface="Arial"/>
+        <a:font script="Thai" typeface="Cordia New"/>
+        <a:font script="Ethi" typeface="Nyala"/>
+        <a:font script="Beng" typeface="Vrinda"/>
+        <a:font script="Gujr" typeface="Shruti"/>
+        <a:font script="Khmr" typeface="DaunPenh"/>
+        <a:font script="Knda" typeface="Tunga"/>
+        <a:font script="Guru" typeface="Raavi"/>
+        <a:font script="Cans" typeface="Euphemia"/>
+        <a:font script="Cher" typeface="Plantagenet Cherokee"/>
+        <a:font script="Yiii" typeface="Microsoft Yi Baiti"/>
+        <a:font script="Tibt" typeface="Microsoft Himalaya"/>
+        <a:font script="Thaa" typeface="MV Boli"/>
+        <a:font script="Deva" typeface="Mangal"/>
+        <a:font script="Telu" typeface="Gautami"/>
+        <a:font script="Taml" typeface="Latha"/>
+        <a:font script="Syrc" typeface="Estrangelo Edessa"/>
+        <a:font script="Orya" typeface="Kalinga"/>
+        <a:font script="Mlym" typeface="Kartika"/>
+        <a:font script="Laoo" typeface="DokChampa"/>
+        <a:font script="Sinh" typeface="Iskoola Pota"/>
+        <a:font script="Mong" typeface="Mongolian Baiti"/>
+        <a:font script="Viet" typeface="Arial"/>
+        <a:font script="Uigh" typeface="Microsoft Uighur"/>
+        <a:font script="Geor" typeface="Sylfaen"/>
+        <a:font script="Armn" typeface="Arial"/>
+        <a:font script="Bugi" typeface="Leelawadee UI"/>
+        <a:font script="Bopo" typeface="Microsoft JhengHei"/>
+        <a:font script="Java" typeface="Javanese Text"/>
+        <a:font script="Lisu" typeface="Segoe UI"/>
+        <a:font script="Mymr" typeface="Myanmar Text"/>
+        <a:font script="Nkoo" typeface="Ebrima"/>
+        <a:font script="Olck" typeface="Nirmala UI"/>
+        <a:font script="Osma" typeface="Ebrima"/>
+        <a:font script="Phag" typeface="Phagspa"/>
+        <a:font script="Syrn" typeface="Estrangelo Edessa"/>
+        <a:font script="Syrj" typeface="Estrangelo Edessa"/>
+        <a:font script="Syre" typeface="Estrangelo Edessa"/>
+        <a:font script="Sora" typeface="Nirmala UI"/>
+        <a:font script="Tale" typeface="Microsoft Tai Le"/>
+        <a:font script="Talu" typeface="Microsoft New Tai Lue"/>
+        <a:font script="Tfng" typeface="Ebrima"/>
+      </a:minorFont>
+    </a:fontScheme>
+    <a:fmtScheme name="Office">
+      <a:fillStyleLst>
+        <a:solidFill>
+          <a:schemeClr val="phClr"/>
+        </a:solidFill>
+        <a:gradFill rotWithShape="1">
+          <a:gsLst>
+            <a:gs pos="0">
+              <a:schemeClr val="phClr">
+                <a:lumMod val="110000"/>
+                <a:satMod val="105000"/>
+                <a:tint val="67000"/>
+              </a:schemeClr>
+            </a:gs>
+            <a:gs pos="50000">
+              <a:schemeClr val="phClr">
+                <a:lumMod val="105000"/>
+                <a:satMod val="103000"/>
+                <a:tint val="73000"/>
+              </a:schemeClr>
+            </a:gs>
+            <a:gs pos="100000">
+              <a:schemeClr val="phClr">
+                <a:lumMod val="105000"/>
+                <a:satMod val="109000"/>
+                <a:tint val="81000"/>
+              </a:schemeClr>
+            </a:gs>
+          </a:gsLst>
+          <a:lin ang="5400000" scaled="0"/>
+        </a:gradFill>
+        <a:gradFill rotWithShape="1">
+          <a:gsLst>
+            <a:gs pos="0">
+              <a:schemeClr val="phClr">
+                <a:satMod val="103000"/>
+                <a:lumMod val="102000"/>
+                <a:tint val="94000"/>
+              </a:schemeClr>
+            </a:gs>
+            <a:gs pos="50000">
+              <a:schemeClr val="phClr">
+                <a:satMod val="110000"/>
+                <a:lumMod val="100000"/>
+                <a:shade val="100000"/>
+              </a:schemeClr>
+            </a:gs>
+            <a:gs pos="100000">
+              <a:schemeClr val="phClr">
+                <a:lumMod val="99000"/>
+                <a:satMod val="120000"/>
+                <a:shade val="78000"/>
+              </a:schemeClr>
+            </a:gs>
+          </a:gsLst>
+          <a:lin ang="5400000" scaled="0"/>
+        </a:gradFill>
+      </a:fillStyleLst>
+      <a:lnStyleLst>
+        <a:ln w="6350" cap="flat" cmpd="sng" algn="ctr">
+          <a:solidFill>
+            <a:schemeClr val="phClr"/>
+          </a:solidFill>
+          <a:prstDash val="solid"/>
+          <a:miter lim="800000"/>
+        </a:ln>
+        <a:ln w="12700" cap="flat" cmpd="sng" algn="ctr">
+          <a:solidFill>
+            <a:schemeClr val="phClr"/>
+          </a:solidFill>
+          <a:prstDash val="solid"/>
+          <a:miter lim="800000"/>
+        </a:ln>
+        <a:ln w="19050" cap="flat" cmpd="sng" algn="ctr">
+          <a:solidFill>
+            <a:schemeClr val="phClr"/>
+          </a:solidFill>
+          <a:prstDash val="solid"/>
+          <a:miter lim="800000"/>
+        </a:ln>
+      </a:lnStyleLst>
+      <a:effectStyleLst>
+        <a:effectStyle>
+          <a:effectLst/>
+        </a:effectStyle>
+        <a:effectStyle>
+          <a:effectLst/>
+        </a:effectStyle>
+        <a:effectStyle>
+          <a:effectLst>
+            <a:outerShdw blurRad="57150" dist="19050" dir="5400000" algn="ctr" rotWithShape="0">
+              <a:srgbClr val="000000">
+                <a:alpha val="63000"/>
+              </a:srgbClr>
+            </a:outerShdw>
+          </a:effectLst>
+        </a:effectStyle>
+      </a:effectStyleLst>
+      <a:bgFillStyleLst>
+        <a:solidFill>
+          <a:schemeClr val="phClr"/>
+        </a:solidFill>
+        <a:solidFill>
+          <a:schemeClr val="phClr">
+            <a:tint val="95000"/>
+            <a:satMod val="170000"/>
+          </a:schemeClr>
+        </a:solidFill>
+        <a:gradFill rotWithShape="1">
+          <a:gsLst>
+            <a:gs pos="0">
+              <a:schemeClr val="phClr">
+                <a:tint val="93000"/>
+                <a:satMod val="150000"/>
+                <a:shade val="98000"/>
+                <a:lumMod val="102000"/>
+              </a:schemeClr>
+            </a:gs>
+            <a:gs pos="50000">
+              <a:schemeClr val="phClr">
+                <a:tint val="98000"/>
+                <a:satMod val="130000"/>
+                <a:shade val="90000"/>
+                <a:lumMod val="103000"/>
+              </a:schemeClr>
+            </a:gs>
+            <a:gs pos="100000">
+              <a:schemeClr val="phClr">
+                <a:shade val="63000"/>
+                <a:satMod val="120000"/>
+              </a:schemeClr>
+            </a:gs>
+          </a:gsLst>
+          <a:lin ang="5400000" scaled="0"/>
+        </a:gradFill>
+      </a:bgFillStyleLst>
+    </a:fmtScheme>
+  </a:themeElements>
+  <a:objectDefaults/>
+  <a:extraClrSchemeLst/>
+  <a:extLst>
+    <a:ext uri="{05A4C25C-085E-4340-85A3-A5531E510DB2}">
+      <thm15:themeFamily xmlns:thm15="http://schemas.microsoft.com/office/thememl/2012/main" name="Office Theme" id="{62F939B6-93AF-4DB8-9C6B-D6C7DFDC589F}" vid="{4A3C46E8-61CC-4603-A589-7422A47A8E4A}"/>
+    </a:ext>
+  </a:extLst>
+</a:theme>
 </file>